--- a/SEC.pptx
+++ b/SEC.pptx
@@ -7324,8 +7324,8 @@
           </p:nvSpPr>
           <p:spPr>
             <a:xfrm>
-              <a:off x="7256055" y="1910368"/>
-              <a:ext cx="554960" cy="707886"/>
+              <a:off x="7241628" y="1910368"/>
+              <a:ext cx="583814" cy="707886"/>
             </a:xfrm>
             <a:prstGeom prst="rect">
               <a:avLst/>
@@ -7349,7 +7349,7 @@
                   <a:latin typeface="Times New Roman" panose="02020603050405020304" pitchFamily="18" charset="0"/>
                   <a:cs typeface="Times New Roman" panose="02020603050405020304" pitchFamily="18" charset="0"/>
                 </a:rPr>
-                <a:t>C</a:t>
+                <a:t>H</a:t>
               </a:r>
             </a:p>
           </p:txBody>
@@ -7492,8 +7492,8 @@
             </p:nvSpPr>
             <p:spPr>
               <a:xfrm>
-                <a:off x="2061550" y="2976336"/>
-                <a:ext cx="554960" cy="707886"/>
+                <a:off x="1986176" y="2976336"/>
+                <a:ext cx="705706" cy="707886"/>
               </a:xfrm>
               <a:prstGeom prst="rect">
                 <a:avLst/>
@@ -7517,7 +7517,7 @@
                     <a:latin typeface="Times New Roman" panose="02020603050405020304" pitchFamily="18" charset="0"/>
                     <a:cs typeface="Times New Roman" panose="02020603050405020304" pitchFamily="18" charset="0"/>
                   </a:rPr>
-                  <a:t>C</a:t>
+                  <a:t>H</a:t>
                 </a:r>
               </a:p>
             </p:txBody>
@@ -7620,8 +7620,8 @@
             </p:nvSpPr>
             <p:spPr>
               <a:xfrm>
-                <a:off x="2061550" y="2976336"/>
-                <a:ext cx="554960" cy="707886"/>
+                <a:off x="1986176" y="2976336"/>
+                <a:ext cx="705706" cy="707886"/>
               </a:xfrm>
               <a:prstGeom prst="rect">
                 <a:avLst/>
@@ -7645,7 +7645,7 @@
                     <a:latin typeface="Times New Roman" panose="02020603050405020304" pitchFamily="18" charset="0"/>
                     <a:cs typeface="Times New Roman" panose="02020603050405020304" pitchFamily="18" charset="0"/>
                   </a:rPr>
-                  <a:t>C</a:t>
+                  <a:t>H</a:t>
                 </a:r>
               </a:p>
             </p:txBody>
@@ -7748,8 +7748,8 @@
             </p:nvSpPr>
             <p:spPr>
               <a:xfrm>
-                <a:off x="2061550" y="2976336"/>
-                <a:ext cx="554960" cy="707886"/>
+                <a:off x="1986176" y="2976336"/>
+                <a:ext cx="705706" cy="707886"/>
               </a:xfrm>
               <a:prstGeom prst="rect">
                 <a:avLst/>
@@ -7773,7 +7773,7 @@
                     <a:latin typeface="Times New Roman" panose="02020603050405020304" pitchFamily="18" charset="0"/>
                     <a:cs typeface="Times New Roman" panose="02020603050405020304" pitchFamily="18" charset="0"/>
                   </a:rPr>
-                  <a:t>C</a:t>
+                  <a:t>H</a:t>
                 </a:r>
               </a:p>
             </p:txBody>

--- a/SEC.pptx
+++ b/SEC.pptx
@@ -7,6 +7,8 @@
   <p:sldIdLst>
     <p:sldId id="328" r:id="rId2"/>
     <p:sldId id="329" r:id="rId3"/>
+    <p:sldId id="330" r:id="rId4"/>
+    <p:sldId id="331" r:id="rId5"/>
   </p:sldIdLst>
   <p:sldSz cx="12192000" cy="6858000"/>
   <p:notesSz cx="6858000" cy="9144000"/>
@@ -244,7 +246,7 @@
           <a:p>
             <a:fld id="{B4D552DA-FE3B-4250-B870-5A054A4EA78B}" type="datetimeFigureOut">
               <a:rPr lang="en-US" smtClean="0"/>
-              <a:t>6/30/2020</a:t>
+              <a:t>7/1/2020</a:t>
             </a:fld>
             <a:endParaRPr lang="en-US"/>
           </a:p>
@@ -414,7 +416,7 @@
           <a:p>
             <a:fld id="{B4D552DA-FE3B-4250-B870-5A054A4EA78B}" type="datetimeFigureOut">
               <a:rPr lang="en-US" smtClean="0"/>
-              <a:t>6/30/2020</a:t>
+              <a:t>7/1/2020</a:t>
             </a:fld>
             <a:endParaRPr lang="en-US"/>
           </a:p>
@@ -594,7 +596,7 @@
           <a:p>
             <a:fld id="{B4D552DA-FE3B-4250-B870-5A054A4EA78B}" type="datetimeFigureOut">
               <a:rPr lang="en-US" smtClean="0"/>
-              <a:t>6/30/2020</a:t>
+              <a:t>7/1/2020</a:t>
             </a:fld>
             <a:endParaRPr lang="en-US"/>
           </a:p>
@@ -764,7 +766,7 @@
           <a:p>
             <a:fld id="{B4D552DA-FE3B-4250-B870-5A054A4EA78B}" type="datetimeFigureOut">
               <a:rPr lang="en-US" smtClean="0"/>
-              <a:t>6/30/2020</a:t>
+              <a:t>7/1/2020</a:t>
             </a:fld>
             <a:endParaRPr lang="en-US"/>
           </a:p>
@@ -1010,7 +1012,7 @@
           <a:p>
             <a:fld id="{B4D552DA-FE3B-4250-B870-5A054A4EA78B}" type="datetimeFigureOut">
               <a:rPr lang="en-US" smtClean="0"/>
-              <a:t>6/30/2020</a:t>
+              <a:t>7/1/2020</a:t>
             </a:fld>
             <a:endParaRPr lang="en-US"/>
           </a:p>
@@ -1242,7 +1244,7 @@
           <a:p>
             <a:fld id="{B4D552DA-FE3B-4250-B870-5A054A4EA78B}" type="datetimeFigureOut">
               <a:rPr lang="en-US" smtClean="0"/>
-              <a:t>6/30/2020</a:t>
+              <a:t>7/1/2020</a:t>
             </a:fld>
             <a:endParaRPr lang="en-US"/>
           </a:p>
@@ -1609,7 +1611,7 @@
           <a:p>
             <a:fld id="{B4D552DA-FE3B-4250-B870-5A054A4EA78B}" type="datetimeFigureOut">
               <a:rPr lang="en-US" smtClean="0"/>
-              <a:t>6/30/2020</a:t>
+              <a:t>7/1/2020</a:t>
             </a:fld>
             <a:endParaRPr lang="en-US"/>
           </a:p>
@@ -1727,7 +1729,7 @@
           <a:p>
             <a:fld id="{B4D552DA-FE3B-4250-B870-5A054A4EA78B}" type="datetimeFigureOut">
               <a:rPr lang="en-US" smtClean="0"/>
-              <a:t>6/30/2020</a:t>
+              <a:t>7/1/2020</a:t>
             </a:fld>
             <a:endParaRPr lang="en-US"/>
           </a:p>
@@ -1822,7 +1824,7 @@
           <a:p>
             <a:fld id="{B4D552DA-FE3B-4250-B870-5A054A4EA78B}" type="datetimeFigureOut">
               <a:rPr lang="en-US" smtClean="0"/>
-              <a:t>6/30/2020</a:t>
+              <a:t>7/1/2020</a:t>
             </a:fld>
             <a:endParaRPr lang="en-US"/>
           </a:p>
@@ -2099,7 +2101,7 @@
           <a:p>
             <a:fld id="{B4D552DA-FE3B-4250-B870-5A054A4EA78B}" type="datetimeFigureOut">
               <a:rPr lang="en-US" smtClean="0"/>
-              <a:t>6/30/2020</a:t>
+              <a:t>7/1/2020</a:t>
             </a:fld>
             <a:endParaRPr lang="en-US"/>
           </a:p>
@@ -2352,7 +2354,7 @@
           <a:p>
             <a:fld id="{B4D552DA-FE3B-4250-B870-5A054A4EA78B}" type="datetimeFigureOut">
               <a:rPr lang="en-US" smtClean="0"/>
-              <a:t>6/30/2020</a:t>
+              <a:t>7/1/2020</a:t>
             </a:fld>
             <a:endParaRPr lang="en-US"/>
           </a:p>
@@ -2565,7 +2567,7 @@
           <a:p>
             <a:fld id="{B4D552DA-FE3B-4250-B870-5A054A4EA78B}" type="datetimeFigureOut">
               <a:rPr lang="en-US" smtClean="0"/>
-              <a:t>6/30/2020</a:t>
+              <a:t>7/1/2020</a:t>
             </a:fld>
             <a:endParaRPr lang="en-US"/>
           </a:p>
@@ -9321,6 +9323,4302 @@
 </p:sld>
 </file>
 
+<file path=ppt/slides/slide3.xml><?xml version="1.0" encoding="utf-8"?>
+<p:sld xmlns:a="http://schemas.openxmlformats.org/drawingml/2006/main" xmlns:r="http://schemas.openxmlformats.org/officeDocument/2006/relationships" xmlns:p="http://schemas.openxmlformats.org/presentationml/2006/main">
+  <p:cSld>
+    <p:spTree>
+      <p:nvGrpSpPr>
+        <p:cNvPr id="1" name=""/>
+        <p:cNvGrpSpPr/>
+        <p:nvPr/>
+      </p:nvGrpSpPr>
+      <p:grpSpPr>
+        <a:xfrm>
+          <a:off x="0" y="0"/>
+          <a:ext cx="0" cy="0"/>
+          <a:chOff x="0" y="0"/>
+          <a:chExt cx="0" cy="0"/>
+        </a:xfrm>
+      </p:grpSpPr>
+      <p:pic>
+        <p:nvPicPr>
+          <p:cNvPr id="5" name="图片 4" descr="电脑显示屏&#10;&#10;描述已自动生成">
+            <a:extLst>
+              <a:ext uri="{FF2B5EF4-FFF2-40B4-BE49-F238E27FC236}">
+                <a16:creationId xmlns:a16="http://schemas.microsoft.com/office/drawing/2014/main" id="{739C34DE-6BEE-4DC1-8CB0-351A9FFC383D}"/>
+              </a:ext>
+            </a:extLst>
+          </p:cNvPr>
+          <p:cNvPicPr>
+            <a:picLocks noChangeAspect="1"/>
+          </p:cNvPicPr>
+          <p:nvPr/>
+        </p:nvPicPr>
+        <p:blipFill rotWithShape="1">
+          <a:blip r:embed="rId2" cstate="print">
+            <a:extLst>
+              <a:ext uri="{28A0092B-C50C-407E-A947-70E740481C1C}">
+                <a14:useLocalDpi xmlns:a14="http://schemas.microsoft.com/office/drawing/2010/main" val="0"/>
+              </a:ext>
+            </a:extLst>
+          </a:blip>
+          <a:srcRect l="5403" r="8328"/>
+          <a:stretch/>
+        </p:blipFill>
+        <p:spPr>
+          <a:xfrm>
+            <a:off x="1302327" y="1041274"/>
+            <a:ext cx="4682836" cy="4071135"/>
+          </a:xfrm>
+          <a:prstGeom prst="rect">
+            <a:avLst/>
+          </a:prstGeom>
+        </p:spPr>
+      </p:pic>
+      <p:grpSp>
+        <p:nvGrpSpPr>
+          <p:cNvPr id="14" name="组合 13">
+            <a:extLst>
+              <a:ext uri="{FF2B5EF4-FFF2-40B4-BE49-F238E27FC236}">
+                <a16:creationId xmlns:a16="http://schemas.microsoft.com/office/drawing/2014/main" id="{5C5CC087-97CE-4F57-A305-C29393A01E98}"/>
+              </a:ext>
+            </a:extLst>
+          </p:cNvPr>
+          <p:cNvGrpSpPr/>
+          <p:nvPr/>
+        </p:nvGrpSpPr>
+        <p:grpSpPr>
+          <a:xfrm>
+            <a:off x="4803611" y="1135991"/>
+            <a:ext cx="1116896" cy="2071334"/>
+            <a:chOff x="8497454" y="-287705"/>
+            <a:chExt cx="1440873" cy="2672164"/>
+          </a:xfrm>
+          <a:solidFill>
+            <a:srgbClr val="ECE0EE"/>
+          </a:solidFill>
+        </p:grpSpPr>
+        <p:sp>
+          <p:nvSpPr>
+            <p:cNvPr id="10" name="矩形: 圆角 10">
+              <a:extLst>
+                <a:ext uri="{FF2B5EF4-FFF2-40B4-BE49-F238E27FC236}">
+                  <a16:creationId xmlns:a16="http://schemas.microsoft.com/office/drawing/2014/main" id="{5FB676C8-4BD2-408D-AE62-DFD53CFAB6E1}"/>
+                </a:ext>
+              </a:extLst>
+            </p:cNvPr>
+            <p:cNvSpPr/>
+            <p:nvPr/>
+          </p:nvSpPr>
+          <p:spPr>
+            <a:xfrm>
+              <a:off x="8497454" y="-287705"/>
+              <a:ext cx="1440873" cy="2672164"/>
+            </a:xfrm>
+            <a:prstGeom prst="roundRect">
+              <a:avLst/>
+            </a:prstGeom>
+            <a:grpFill/>
+            <a:ln w="38100">
+              <a:solidFill>
+                <a:srgbClr val="ED4390"/>
+              </a:solidFill>
+              <a:prstDash val="solid"/>
+              <a:bevel/>
+            </a:ln>
+          </p:spPr>
+          <p:style>
+            <a:lnRef idx="2">
+              <a:schemeClr val="accent1">
+                <a:shade val="50000"/>
+              </a:schemeClr>
+            </a:lnRef>
+            <a:fillRef idx="1">
+              <a:schemeClr val="accent1"/>
+            </a:fillRef>
+            <a:effectRef idx="0">
+              <a:schemeClr val="accent1"/>
+            </a:effectRef>
+            <a:fontRef idx="minor">
+              <a:schemeClr val="lt1"/>
+            </a:fontRef>
+          </p:style>
+          <p:txBody>
+            <a:bodyPr rtlCol="0" anchor="ctr"/>
+            <a:lstStyle/>
+            <a:p>
+              <a:pPr algn="ctr"/>
+              <a:endParaRPr lang="zh-CN" altLang="en-US" sz="1600">
+                <a:solidFill>
+                  <a:srgbClr val="92D050"/>
+                </a:solidFill>
+                <a:latin typeface="Times New Roman" panose="02020603050405020304" pitchFamily="18" charset="0"/>
+                <a:cs typeface="Times New Roman" panose="02020603050405020304" pitchFamily="18" charset="0"/>
+              </a:endParaRPr>
+            </a:p>
+          </p:txBody>
+        </p:sp>
+        <p:pic>
+          <p:nvPicPr>
+            <p:cNvPr id="9" name="图片 8" descr="手机屏幕截图&#10;&#10;描述已自动生成">
+              <a:extLst>
+                <a:ext uri="{FF2B5EF4-FFF2-40B4-BE49-F238E27FC236}">
+                  <a16:creationId xmlns:a16="http://schemas.microsoft.com/office/drawing/2014/main" id="{6B2621E5-DE0A-4457-ACDF-E2B07AF6F04D}"/>
+                </a:ext>
+              </a:extLst>
+            </p:cNvPr>
+            <p:cNvPicPr>
+              <a:picLocks noChangeAspect="1"/>
+            </p:cNvPicPr>
+            <p:nvPr/>
+          </p:nvPicPr>
+          <p:blipFill>
+            <a:blip r:embed="rId3" cstate="print">
+              <a:extLst>
+                <a:ext uri="{28A0092B-C50C-407E-A947-70E740481C1C}">
+                  <a14:useLocalDpi xmlns:a14="http://schemas.microsoft.com/office/drawing/2010/main" val="0"/>
+                </a:ext>
+              </a:extLst>
+            </a:blip>
+            <a:stretch>
+              <a:fillRect/>
+            </a:stretch>
+          </p:blipFill>
+          <p:spPr>
+            <a:xfrm rot="5400000">
+              <a:off x="8274220" y="690112"/>
+              <a:ext cx="1887339" cy="1062182"/>
+            </a:xfrm>
+            <a:prstGeom prst="rect">
+              <a:avLst/>
+            </a:prstGeom>
+            <a:grpFill/>
+          </p:spPr>
+        </p:pic>
+      </p:grpSp>
+      <p:sp>
+        <p:nvSpPr>
+          <p:cNvPr id="16" name="directional-left-arrow-symbol_56911">
+            <a:extLst>
+              <a:ext uri="{FF2B5EF4-FFF2-40B4-BE49-F238E27FC236}">
+                <a16:creationId xmlns:a16="http://schemas.microsoft.com/office/drawing/2014/main" id="{0B2F13FB-B4B2-40C5-A48F-C17B392035CD}"/>
+              </a:ext>
+            </a:extLst>
+          </p:cNvPr>
+          <p:cNvSpPr>
+            <a:spLocks noChangeAspect="1"/>
+          </p:cNvSpPr>
+          <p:nvPr/>
+        </p:nvSpPr>
+        <p:spPr bwMode="auto">
+          <a:xfrm rot="7301825" flipV="1">
+            <a:off x="4310302" y="3484424"/>
+            <a:ext cx="765207" cy="204114"/>
+          </a:xfrm>
+          <a:custGeom>
+            <a:avLst/>
+            <a:gdLst>
+              <a:gd name="T0" fmla="*/ 4220 w 4420"/>
+              <a:gd name="T1" fmla="*/ 1020 h 2420"/>
+              <a:gd name="T2" fmla="*/ 703 w 4420"/>
+              <a:gd name="T3" fmla="*/ 1020 h 2420"/>
+              <a:gd name="T4" fmla="*/ 1361 w 4420"/>
+              <a:gd name="T5" fmla="*/ 361 h 2420"/>
+              <a:gd name="T6" fmla="*/ 1361 w 4420"/>
+              <a:gd name="T7" fmla="*/ 79 h 2420"/>
+              <a:gd name="T8" fmla="*/ 1079 w 4420"/>
+              <a:gd name="T9" fmla="*/ 79 h 2420"/>
+              <a:gd name="T10" fmla="*/ 79 w 4420"/>
+              <a:gd name="T11" fmla="*/ 1079 h 2420"/>
+              <a:gd name="T12" fmla="*/ 79 w 4420"/>
+              <a:gd name="T13" fmla="*/ 1361 h 2420"/>
+              <a:gd name="T14" fmla="*/ 1079 w 4420"/>
+              <a:gd name="T15" fmla="*/ 2361 h 2420"/>
+              <a:gd name="T16" fmla="*/ 1220 w 4420"/>
+              <a:gd name="T17" fmla="*/ 2420 h 2420"/>
+              <a:gd name="T18" fmla="*/ 1361 w 4420"/>
+              <a:gd name="T19" fmla="*/ 2361 h 2420"/>
+              <a:gd name="T20" fmla="*/ 1361 w 4420"/>
+              <a:gd name="T21" fmla="*/ 2079 h 2420"/>
+              <a:gd name="T22" fmla="*/ 703 w 4420"/>
+              <a:gd name="T23" fmla="*/ 1420 h 2420"/>
+              <a:gd name="T24" fmla="*/ 4220 w 4420"/>
+              <a:gd name="T25" fmla="*/ 1420 h 2420"/>
+              <a:gd name="T26" fmla="*/ 4420 w 4420"/>
+              <a:gd name="T27" fmla="*/ 1220 h 2420"/>
+              <a:gd name="T28" fmla="*/ 4220 w 4420"/>
+              <a:gd name="T29" fmla="*/ 1020 h 2420"/>
+            </a:gdLst>
+            <a:ahLst/>
+            <a:cxnLst>
+              <a:cxn ang="0">
+                <a:pos x="T0" y="T1"/>
+              </a:cxn>
+              <a:cxn ang="0">
+                <a:pos x="T2" y="T3"/>
+              </a:cxn>
+              <a:cxn ang="0">
+                <a:pos x="T4" y="T5"/>
+              </a:cxn>
+              <a:cxn ang="0">
+                <a:pos x="T6" y="T7"/>
+              </a:cxn>
+              <a:cxn ang="0">
+                <a:pos x="T8" y="T9"/>
+              </a:cxn>
+              <a:cxn ang="0">
+                <a:pos x="T10" y="T11"/>
+              </a:cxn>
+              <a:cxn ang="0">
+                <a:pos x="T12" y="T13"/>
+              </a:cxn>
+              <a:cxn ang="0">
+                <a:pos x="T14" y="T15"/>
+              </a:cxn>
+              <a:cxn ang="0">
+                <a:pos x="T16" y="T17"/>
+              </a:cxn>
+              <a:cxn ang="0">
+                <a:pos x="T18" y="T19"/>
+              </a:cxn>
+              <a:cxn ang="0">
+                <a:pos x="T20" y="T21"/>
+              </a:cxn>
+              <a:cxn ang="0">
+                <a:pos x="T22" y="T23"/>
+              </a:cxn>
+              <a:cxn ang="0">
+                <a:pos x="T24" y="T25"/>
+              </a:cxn>
+              <a:cxn ang="0">
+                <a:pos x="T26" y="T27"/>
+              </a:cxn>
+              <a:cxn ang="0">
+                <a:pos x="T28" y="T29"/>
+              </a:cxn>
+            </a:cxnLst>
+            <a:rect l="0" t="0" r="r" b="b"/>
+            <a:pathLst>
+              <a:path w="4420" h="2420">
+                <a:moveTo>
+                  <a:pt x="4220" y="1020"/>
+                </a:moveTo>
+                <a:lnTo>
+                  <a:pt x="703" y="1020"/>
+                </a:lnTo>
+                <a:lnTo>
+                  <a:pt x="1361" y="361"/>
+                </a:lnTo>
+                <a:cubicBezTo>
+                  <a:pt x="1440" y="283"/>
+                  <a:pt x="1440" y="157"/>
+                  <a:pt x="1361" y="79"/>
+                </a:cubicBezTo>
+                <a:cubicBezTo>
+                  <a:pt x="1283" y="0"/>
+                  <a:pt x="1157" y="0"/>
+                  <a:pt x="1079" y="79"/>
+                </a:cubicBezTo>
+                <a:lnTo>
+                  <a:pt x="79" y="1079"/>
+                </a:lnTo>
+                <a:cubicBezTo>
+                  <a:pt x="0" y="1157"/>
+                  <a:pt x="0" y="1283"/>
+                  <a:pt x="79" y="1361"/>
+                </a:cubicBezTo>
+                <a:lnTo>
+                  <a:pt x="1079" y="2361"/>
+                </a:lnTo>
+                <a:cubicBezTo>
+                  <a:pt x="1118" y="2400"/>
+                  <a:pt x="1169" y="2420"/>
+                  <a:pt x="1220" y="2420"/>
+                </a:cubicBezTo>
+                <a:cubicBezTo>
+                  <a:pt x="1271" y="2420"/>
+                  <a:pt x="1322" y="2400"/>
+                  <a:pt x="1361" y="2361"/>
+                </a:cubicBezTo>
+                <a:cubicBezTo>
+                  <a:pt x="1440" y="2283"/>
+                  <a:pt x="1440" y="2157"/>
+                  <a:pt x="1361" y="2079"/>
+                </a:cubicBezTo>
+                <a:lnTo>
+                  <a:pt x="703" y="1420"/>
+                </a:lnTo>
+                <a:lnTo>
+                  <a:pt x="4220" y="1420"/>
+                </a:lnTo>
+                <a:cubicBezTo>
+                  <a:pt x="4330" y="1420"/>
+                  <a:pt x="4420" y="1330"/>
+                  <a:pt x="4420" y="1220"/>
+                </a:cubicBezTo>
+                <a:cubicBezTo>
+                  <a:pt x="4420" y="1110"/>
+                  <a:pt x="4330" y="1020"/>
+                  <a:pt x="4220" y="1020"/>
+                </a:cubicBezTo>
+                <a:close/>
+              </a:path>
+            </a:pathLst>
+          </a:custGeom>
+          <a:solidFill>
+            <a:srgbClr val="FF0000"/>
+          </a:solidFill>
+          <a:ln>
+            <a:solidFill>
+              <a:srgbClr val="FF0000"/>
+            </a:solidFill>
+          </a:ln>
+        </p:spPr>
+        <p:txBody>
+          <a:bodyPr/>
+          <a:lstStyle/>
+          <a:p>
+            <a:endParaRPr lang="zh-CN" altLang="en-US" sz="2000" dirty="0">
+              <a:solidFill>
+                <a:srgbClr val="002060"/>
+              </a:solidFill>
+              <a:latin typeface="Times New Roman" panose="02020603050405020304" pitchFamily="18" charset="0"/>
+              <a:cs typeface="Times New Roman" panose="02020603050405020304" pitchFamily="18" charset="0"/>
+            </a:endParaRPr>
+          </a:p>
+        </p:txBody>
+      </p:sp>
+      <p:grpSp>
+        <p:nvGrpSpPr>
+          <p:cNvPr id="21" name="组合 20">
+            <a:extLst>
+              <a:ext uri="{FF2B5EF4-FFF2-40B4-BE49-F238E27FC236}">
+                <a16:creationId xmlns:a16="http://schemas.microsoft.com/office/drawing/2014/main" id="{C0043225-9013-4168-ACA7-4294B2E17841}"/>
+              </a:ext>
+            </a:extLst>
+          </p:cNvPr>
+          <p:cNvGrpSpPr/>
+          <p:nvPr/>
+        </p:nvGrpSpPr>
+        <p:grpSpPr>
+          <a:xfrm>
+            <a:off x="2317261" y="1293905"/>
+            <a:ext cx="1088634" cy="504374"/>
+            <a:chOff x="6972389" y="4037105"/>
+            <a:chExt cx="1088634" cy="504374"/>
+          </a:xfrm>
+        </p:grpSpPr>
+        <p:sp>
+          <p:nvSpPr>
+            <p:cNvPr id="19" name="矩形: 圆角 47">
+              <a:extLst>
+                <a:ext uri="{FF2B5EF4-FFF2-40B4-BE49-F238E27FC236}">
+                  <a16:creationId xmlns:a16="http://schemas.microsoft.com/office/drawing/2014/main" id="{BA83CC3C-6800-40DD-98CD-9C94A1D695E7}"/>
+                </a:ext>
+              </a:extLst>
+            </p:cNvPr>
+            <p:cNvSpPr/>
+            <p:nvPr/>
+          </p:nvSpPr>
+          <p:spPr>
+            <a:xfrm>
+              <a:off x="6972389" y="4037105"/>
+              <a:ext cx="1088634" cy="504374"/>
+            </a:xfrm>
+            <a:prstGeom prst="roundRect">
+              <a:avLst/>
+            </a:prstGeom>
+            <a:solidFill>
+              <a:srgbClr val="ECE0EE"/>
+            </a:solidFill>
+            <a:ln w="28575">
+              <a:solidFill>
+                <a:srgbClr val="ED4390"/>
+              </a:solidFill>
+            </a:ln>
+          </p:spPr>
+          <p:style>
+            <a:lnRef idx="2">
+              <a:schemeClr val="accent1">
+                <a:shade val="50000"/>
+              </a:schemeClr>
+            </a:lnRef>
+            <a:fillRef idx="1">
+              <a:schemeClr val="accent1"/>
+            </a:fillRef>
+            <a:effectRef idx="0">
+              <a:schemeClr val="accent1"/>
+            </a:effectRef>
+            <a:fontRef idx="minor">
+              <a:schemeClr val="lt1"/>
+            </a:fontRef>
+          </p:style>
+          <p:txBody>
+            <a:bodyPr rot="0" spcFirstLastPara="0" vert="horz" wrap="square" lIns="91440" tIns="45720" rIns="91440" bIns="45720" numCol="1" spcCol="0" rtlCol="0" fromWordArt="0" anchor="ctr" anchorCtr="0" forceAA="0" compatLnSpc="1">
+              <a:prstTxWarp prst="textNoShape">
+                <a:avLst/>
+              </a:prstTxWarp>
+              <a:noAutofit/>
+            </a:bodyPr>
+            <a:lstStyle>
+              <a:defPPr>
+                <a:defRPr lang="zh-CN"/>
+              </a:defPPr>
+              <a:lvl1pPr marL="0" algn="l" defTabSz="914400" rtl="0" eaLnBrk="1" latinLnBrk="0" hangingPunct="1">
+                <a:defRPr sz="1800" kern="1200">
+                  <a:solidFill>
+                    <a:schemeClr val="lt1"/>
+                  </a:solidFill>
+                  <a:latin typeface="+mn-lt"/>
+                  <a:ea typeface="+mn-ea"/>
+                  <a:cs typeface="+mn-cs"/>
+                </a:defRPr>
+              </a:lvl1pPr>
+              <a:lvl2pPr marL="457200" algn="l" defTabSz="914400" rtl="0" eaLnBrk="1" latinLnBrk="0" hangingPunct="1">
+                <a:defRPr sz="1800" kern="1200">
+                  <a:solidFill>
+                    <a:schemeClr val="lt1"/>
+                  </a:solidFill>
+                  <a:latin typeface="+mn-lt"/>
+                  <a:ea typeface="+mn-ea"/>
+                  <a:cs typeface="+mn-cs"/>
+                </a:defRPr>
+              </a:lvl2pPr>
+              <a:lvl3pPr marL="914400" algn="l" defTabSz="914400" rtl="0" eaLnBrk="1" latinLnBrk="0" hangingPunct="1">
+                <a:defRPr sz="1800" kern="1200">
+                  <a:solidFill>
+                    <a:schemeClr val="lt1"/>
+                  </a:solidFill>
+                  <a:latin typeface="+mn-lt"/>
+                  <a:ea typeface="+mn-ea"/>
+                  <a:cs typeface="+mn-cs"/>
+                </a:defRPr>
+              </a:lvl3pPr>
+              <a:lvl4pPr marL="1371600" algn="l" defTabSz="914400" rtl="0" eaLnBrk="1" latinLnBrk="0" hangingPunct="1">
+                <a:defRPr sz="1800" kern="1200">
+                  <a:solidFill>
+                    <a:schemeClr val="lt1"/>
+                  </a:solidFill>
+                  <a:latin typeface="+mn-lt"/>
+                  <a:ea typeface="+mn-ea"/>
+                  <a:cs typeface="+mn-cs"/>
+                </a:defRPr>
+              </a:lvl4pPr>
+              <a:lvl5pPr marL="1828800" algn="l" defTabSz="914400" rtl="0" eaLnBrk="1" latinLnBrk="0" hangingPunct="1">
+                <a:defRPr sz="1800" kern="1200">
+                  <a:solidFill>
+                    <a:schemeClr val="lt1"/>
+                  </a:solidFill>
+                  <a:latin typeface="+mn-lt"/>
+                  <a:ea typeface="+mn-ea"/>
+                  <a:cs typeface="+mn-cs"/>
+                </a:defRPr>
+              </a:lvl5pPr>
+              <a:lvl6pPr marL="2286000" algn="l" defTabSz="914400" rtl="0" eaLnBrk="1" latinLnBrk="0" hangingPunct="1">
+                <a:defRPr sz="1800" kern="1200">
+                  <a:solidFill>
+                    <a:schemeClr val="lt1"/>
+                  </a:solidFill>
+                  <a:latin typeface="+mn-lt"/>
+                  <a:ea typeface="+mn-ea"/>
+                  <a:cs typeface="+mn-cs"/>
+                </a:defRPr>
+              </a:lvl6pPr>
+              <a:lvl7pPr marL="2743200" algn="l" defTabSz="914400" rtl="0" eaLnBrk="1" latinLnBrk="0" hangingPunct="1">
+                <a:defRPr sz="1800" kern="1200">
+                  <a:solidFill>
+                    <a:schemeClr val="lt1"/>
+                  </a:solidFill>
+                  <a:latin typeface="+mn-lt"/>
+                  <a:ea typeface="+mn-ea"/>
+                  <a:cs typeface="+mn-cs"/>
+                </a:defRPr>
+              </a:lvl7pPr>
+              <a:lvl8pPr marL="3200400" algn="l" defTabSz="914400" rtl="0" eaLnBrk="1" latinLnBrk="0" hangingPunct="1">
+                <a:defRPr sz="1800" kern="1200">
+                  <a:solidFill>
+                    <a:schemeClr val="lt1"/>
+                  </a:solidFill>
+                  <a:latin typeface="+mn-lt"/>
+                  <a:ea typeface="+mn-ea"/>
+                  <a:cs typeface="+mn-cs"/>
+                </a:defRPr>
+              </a:lvl8pPr>
+              <a:lvl9pPr marL="3657600" algn="l" defTabSz="914400" rtl="0" eaLnBrk="1" latinLnBrk="0" hangingPunct="1">
+                <a:defRPr sz="1800" kern="1200">
+                  <a:solidFill>
+                    <a:schemeClr val="lt1"/>
+                  </a:solidFill>
+                  <a:latin typeface="+mn-lt"/>
+                  <a:ea typeface="+mn-ea"/>
+                  <a:cs typeface="+mn-cs"/>
+                </a:defRPr>
+              </a:lvl9pPr>
+            </a:lstStyle>
+            <a:p>
+              <a:pPr algn="ctr"/>
+              <a:endParaRPr lang="zh-CN" altLang="en-US" sz="1600">
+                <a:latin typeface="Times New Roman" panose="02020603050405020304" pitchFamily="18" charset="0"/>
+                <a:cs typeface="Times New Roman" panose="02020603050405020304" pitchFamily="18" charset="0"/>
+              </a:endParaRPr>
+            </a:p>
+          </p:txBody>
+        </p:sp>
+        <p:sp>
+          <p:nvSpPr>
+            <p:cNvPr id="20" name="文本框 19">
+              <a:extLst>
+                <a:ext uri="{FF2B5EF4-FFF2-40B4-BE49-F238E27FC236}">
+                  <a16:creationId xmlns:a16="http://schemas.microsoft.com/office/drawing/2014/main" id="{9ACBE655-9625-412D-8FBA-489190E4C1A2}"/>
+                </a:ext>
+              </a:extLst>
+            </p:cNvPr>
+            <p:cNvSpPr txBox="1"/>
+            <p:nvPr/>
+          </p:nvSpPr>
+          <p:spPr>
+            <a:xfrm>
+              <a:off x="7047612" y="4098452"/>
+              <a:ext cx="961339" cy="400110"/>
+            </a:xfrm>
+            <a:prstGeom prst="rect">
+              <a:avLst/>
+            </a:prstGeom>
+            <a:noFill/>
+          </p:spPr>
+          <p:txBody>
+            <a:bodyPr wrap="square" rtlCol="0">
+              <a:spAutoFit/>
+            </a:bodyPr>
+            <a:lstStyle/>
+            <a:p>
+              <a:pPr algn="ctr"/>
+              <a:r>
+                <a:rPr lang="en-US" altLang="zh-CN" sz="2000" b="1" dirty="0">
+                  <a:latin typeface="Times New Roman" panose="02020603050405020304" pitchFamily="18" charset="0"/>
+                  <a:cs typeface="Times New Roman" panose="02020603050405020304" pitchFamily="18" charset="0"/>
+                </a:rPr>
+                <a:t>Victim</a:t>
+              </a:r>
+            </a:p>
+          </p:txBody>
+        </p:sp>
+      </p:grpSp>
+      <p:grpSp>
+        <p:nvGrpSpPr>
+          <p:cNvPr id="24" name="组合 23">
+            <a:extLst>
+              <a:ext uri="{FF2B5EF4-FFF2-40B4-BE49-F238E27FC236}">
+                <a16:creationId xmlns:a16="http://schemas.microsoft.com/office/drawing/2014/main" id="{3814DFA1-4ACD-4790-8B37-A40A1FEED73C}"/>
+              </a:ext>
+            </a:extLst>
+          </p:cNvPr>
+          <p:cNvGrpSpPr/>
+          <p:nvPr/>
+        </p:nvGrpSpPr>
+        <p:grpSpPr>
+          <a:xfrm>
+            <a:off x="1393653" y="4197935"/>
+            <a:ext cx="1180939" cy="504374"/>
+            <a:chOff x="6926236" y="4037105"/>
+            <a:chExt cx="1180939" cy="504374"/>
+          </a:xfrm>
+        </p:grpSpPr>
+        <p:sp>
+          <p:nvSpPr>
+            <p:cNvPr id="22" name="矩形: 圆角 47">
+              <a:extLst>
+                <a:ext uri="{FF2B5EF4-FFF2-40B4-BE49-F238E27FC236}">
+                  <a16:creationId xmlns:a16="http://schemas.microsoft.com/office/drawing/2014/main" id="{C5CD6594-CB10-4EC9-A80D-D329862C37AE}"/>
+                </a:ext>
+              </a:extLst>
+            </p:cNvPr>
+            <p:cNvSpPr/>
+            <p:nvPr/>
+          </p:nvSpPr>
+          <p:spPr>
+            <a:xfrm>
+              <a:off x="6972389" y="4037105"/>
+              <a:ext cx="1088634" cy="504374"/>
+            </a:xfrm>
+            <a:prstGeom prst="roundRect">
+              <a:avLst/>
+            </a:prstGeom>
+            <a:solidFill>
+              <a:srgbClr val="ECE0EE"/>
+            </a:solidFill>
+            <a:ln w="28575">
+              <a:solidFill>
+                <a:srgbClr val="ED4390"/>
+              </a:solidFill>
+            </a:ln>
+          </p:spPr>
+          <p:style>
+            <a:lnRef idx="2">
+              <a:schemeClr val="accent1">
+                <a:shade val="50000"/>
+              </a:schemeClr>
+            </a:lnRef>
+            <a:fillRef idx="1">
+              <a:schemeClr val="accent1"/>
+            </a:fillRef>
+            <a:effectRef idx="0">
+              <a:schemeClr val="accent1"/>
+            </a:effectRef>
+            <a:fontRef idx="minor">
+              <a:schemeClr val="lt1"/>
+            </a:fontRef>
+          </p:style>
+          <p:txBody>
+            <a:bodyPr rot="0" spcFirstLastPara="0" vert="horz" wrap="square" lIns="91440" tIns="45720" rIns="91440" bIns="45720" numCol="1" spcCol="0" rtlCol="0" fromWordArt="0" anchor="ctr" anchorCtr="0" forceAA="0" compatLnSpc="1">
+              <a:prstTxWarp prst="textNoShape">
+                <a:avLst/>
+              </a:prstTxWarp>
+              <a:noAutofit/>
+            </a:bodyPr>
+            <a:lstStyle>
+              <a:defPPr>
+                <a:defRPr lang="zh-CN"/>
+              </a:defPPr>
+              <a:lvl1pPr marL="0" algn="l" defTabSz="914400" rtl="0" eaLnBrk="1" latinLnBrk="0" hangingPunct="1">
+                <a:defRPr sz="1800" kern="1200">
+                  <a:solidFill>
+                    <a:schemeClr val="lt1"/>
+                  </a:solidFill>
+                  <a:latin typeface="+mn-lt"/>
+                  <a:ea typeface="+mn-ea"/>
+                  <a:cs typeface="+mn-cs"/>
+                </a:defRPr>
+              </a:lvl1pPr>
+              <a:lvl2pPr marL="457200" algn="l" defTabSz="914400" rtl="0" eaLnBrk="1" latinLnBrk="0" hangingPunct="1">
+                <a:defRPr sz="1800" kern="1200">
+                  <a:solidFill>
+                    <a:schemeClr val="lt1"/>
+                  </a:solidFill>
+                  <a:latin typeface="+mn-lt"/>
+                  <a:ea typeface="+mn-ea"/>
+                  <a:cs typeface="+mn-cs"/>
+                </a:defRPr>
+              </a:lvl2pPr>
+              <a:lvl3pPr marL="914400" algn="l" defTabSz="914400" rtl="0" eaLnBrk="1" latinLnBrk="0" hangingPunct="1">
+                <a:defRPr sz="1800" kern="1200">
+                  <a:solidFill>
+                    <a:schemeClr val="lt1"/>
+                  </a:solidFill>
+                  <a:latin typeface="+mn-lt"/>
+                  <a:ea typeface="+mn-ea"/>
+                  <a:cs typeface="+mn-cs"/>
+                </a:defRPr>
+              </a:lvl3pPr>
+              <a:lvl4pPr marL="1371600" algn="l" defTabSz="914400" rtl="0" eaLnBrk="1" latinLnBrk="0" hangingPunct="1">
+                <a:defRPr sz="1800" kern="1200">
+                  <a:solidFill>
+                    <a:schemeClr val="lt1"/>
+                  </a:solidFill>
+                  <a:latin typeface="+mn-lt"/>
+                  <a:ea typeface="+mn-ea"/>
+                  <a:cs typeface="+mn-cs"/>
+                </a:defRPr>
+              </a:lvl4pPr>
+              <a:lvl5pPr marL="1828800" algn="l" defTabSz="914400" rtl="0" eaLnBrk="1" latinLnBrk="0" hangingPunct="1">
+                <a:defRPr sz="1800" kern="1200">
+                  <a:solidFill>
+                    <a:schemeClr val="lt1"/>
+                  </a:solidFill>
+                  <a:latin typeface="+mn-lt"/>
+                  <a:ea typeface="+mn-ea"/>
+                  <a:cs typeface="+mn-cs"/>
+                </a:defRPr>
+              </a:lvl5pPr>
+              <a:lvl6pPr marL="2286000" algn="l" defTabSz="914400" rtl="0" eaLnBrk="1" latinLnBrk="0" hangingPunct="1">
+                <a:defRPr sz="1800" kern="1200">
+                  <a:solidFill>
+                    <a:schemeClr val="lt1"/>
+                  </a:solidFill>
+                  <a:latin typeface="+mn-lt"/>
+                  <a:ea typeface="+mn-ea"/>
+                  <a:cs typeface="+mn-cs"/>
+                </a:defRPr>
+              </a:lvl6pPr>
+              <a:lvl7pPr marL="2743200" algn="l" defTabSz="914400" rtl="0" eaLnBrk="1" latinLnBrk="0" hangingPunct="1">
+                <a:defRPr sz="1800" kern="1200">
+                  <a:solidFill>
+                    <a:schemeClr val="lt1"/>
+                  </a:solidFill>
+                  <a:latin typeface="+mn-lt"/>
+                  <a:ea typeface="+mn-ea"/>
+                  <a:cs typeface="+mn-cs"/>
+                </a:defRPr>
+              </a:lvl7pPr>
+              <a:lvl8pPr marL="3200400" algn="l" defTabSz="914400" rtl="0" eaLnBrk="1" latinLnBrk="0" hangingPunct="1">
+                <a:defRPr sz="1800" kern="1200">
+                  <a:solidFill>
+                    <a:schemeClr val="lt1"/>
+                  </a:solidFill>
+                  <a:latin typeface="+mn-lt"/>
+                  <a:ea typeface="+mn-ea"/>
+                  <a:cs typeface="+mn-cs"/>
+                </a:defRPr>
+              </a:lvl8pPr>
+              <a:lvl9pPr marL="3657600" algn="l" defTabSz="914400" rtl="0" eaLnBrk="1" latinLnBrk="0" hangingPunct="1">
+                <a:defRPr sz="1800" kern="1200">
+                  <a:solidFill>
+                    <a:schemeClr val="lt1"/>
+                  </a:solidFill>
+                  <a:latin typeface="+mn-lt"/>
+                  <a:ea typeface="+mn-ea"/>
+                  <a:cs typeface="+mn-cs"/>
+                </a:defRPr>
+              </a:lvl9pPr>
+            </a:lstStyle>
+            <a:p>
+              <a:pPr algn="ctr"/>
+              <a:endParaRPr lang="zh-CN" altLang="en-US" sz="1600">
+                <a:latin typeface="Times New Roman" panose="02020603050405020304" pitchFamily="18" charset="0"/>
+                <a:cs typeface="Times New Roman" panose="02020603050405020304" pitchFamily="18" charset="0"/>
+              </a:endParaRPr>
+            </a:p>
+          </p:txBody>
+        </p:sp>
+        <p:sp>
+          <p:nvSpPr>
+            <p:cNvPr id="23" name="文本框 22">
+              <a:extLst>
+                <a:ext uri="{FF2B5EF4-FFF2-40B4-BE49-F238E27FC236}">
+                  <a16:creationId xmlns:a16="http://schemas.microsoft.com/office/drawing/2014/main" id="{F5351BE8-AD05-4A99-8A7B-C36E3EE729EE}"/>
+                </a:ext>
+              </a:extLst>
+            </p:cNvPr>
+            <p:cNvSpPr txBox="1"/>
+            <p:nvPr/>
+          </p:nvSpPr>
+          <p:spPr>
+            <a:xfrm>
+              <a:off x="6926236" y="4089237"/>
+              <a:ext cx="1180939" cy="400110"/>
+            </a:xfrm>
+            <a:prstGeom prst="rect">
+              <a:avLst/>
+            </a:prstGeom>
+            <a:noFill/>
+          </p:spPr>
+          <p:txBody>
+            <a:bodyPr wrap="square" rtlCol="0">
+              <a:spAutoFit/>
+            </a:bodyPr>
+            <a:lstStyle/>
+            <a:p>
+              <a:pPr algn="ctr"/>
+              <a:r>
+                <a:rPr lang="en-US" altLang="zh-CN" sz="2000" b="1" dirty="0">
+                  <a:latin typeface="Times New Roman" panose="02020603050405020304" pitchFamily="18" charset="0"/>
+                  <a:cs typeface="Times New Roman" panose="02020603050405020304" pitchFamily="18" charset="0"/>
+                </a:rPr>
+                <a:t>Attacker</a:t>
+              </a:r>
+            </a:p>
+          </p:txBody>
+        </p:sp>
+      </p:grpSp>
+      <p:sp>
+        <p:nvSpPr>
+          <p:cNvPr id="27" name="文本框 26">
+            <a:extLst>
+              <a:ext uri="{FF2B5EF4-FFF2-40B4-BE49-F238E27FC236}">
+                <a16:creationId xmlns:a16="http://schemas.microsoft.com/office/drawing/2014/main" id="{7F525949-59F5-416A-8324-A464A6B82F3C}"/>
+              </a:ext>
+            </a:extLst>
+          </p:cNvPr>
+          <p:cNvSpPr txBox="1"/>
+          <p:nvPr/>
+        </p:nvSpPr>
+        <p:spPr>
+          <a:xfrm>
+            <a:off x="4881388" y="1145982"/>
+            <a:ext cx="961339" cy="400110"/>
+          </a:xfrm>
+          <a:prstGeom prst="rect">
+            <a:avLst/>
+          </a:prstGeom>
+          <a:noFill/>
+        </p:spPr>
+        <p:txBody>
+          <a:bodyPr wrap="square" rtlCol="0">
+            <a:spAutoFit/>
+          </a:bodyPr>
+          <a:lstStyle/>
+          <a:p>
+            <a:pPr algn="ctr"/>
+            <a:r>
+              <a:rPr lang="en-US" altLang="zh-CN" sz="2000" b="1" dirty="0">
+                <a:latin typeface="Times New Roman" panose="02020603050405020304" pitchFamily="18" charset="0"/>
+                <a:cs typeface="Times New Roman" panose="02020603050405020304" pitchFamily="18" charset="0"/>
+              </a:rPr>
+              <a:t>Result</a:t>
+            </a:r>
+          </a:p>
+        </p:txBody>
+      </p:sp>
+      <p:pic>
+        <p:nvPicPr>
+          <p:cNvPr id="2" name="图片 1">
+            <a:extLst>
+              <a:ext uri="{FF2B5EF4-FFF2-40B4-BE49-F238E27FC236}">
+                <a16:creationId xmlns:a16="http://schemas.microsoft.com/office/drawing/2014/main" id="{85746F4C-20FC-4AB9-BEBC-BB2AA0A5815D}"/>
+              </a:ext>
+            </a:extLst>
+          </p:cNvPr>
+          <p:cNvPicPr>
+            <a:picLocks noChangeAspect="1"/>
+          </p:cNvPicPr>
+          <p:nvPr/>
+        </p:nvPicPr>
+        <p:blipFill>
+          <a:blip r:embed="rId4"/>
+          <a:stretch>
+            <a:fillRect/>
+          </a:stretch>
+        </p:blipFill>
+        <p:spPr>
+          <a:xfrm>
+            <a:off x="4980347" y="2115533"/>
+            <a:ext cx="552236" cy="476250"/>
+          </a:xfrm>
+          <a:prstGeom prst="rect">
+            <a:avLst/>
+          </a:prstGeom>
+        </p:spPr>
+      </p:pic>
+      <p:sp>
+        <p:nvSpPr>
+          <p:cNvPr id="17" name="文本框 16">
+            <a:extLst>
+              <a:ext uri="{FF2B5EF4-FFF2-40B4-BE49-F238E27FC236}">
+                <a16:creationId xmlns:a16="http://schemas.microsoft.com/office/drawing/2014/main" id="{53D4C893-E543-419F-B26C-24C9CC33ED36}"/>
+              </a:ext>
+            </a:extLst>
+          </p:cNvPr>
+          <p:cNvSpPr txBox="1"/>
+          <p:nvPr/>
+        </p:nvSpPr>
+        <p:spPr>
+          <a:xfrm>
+            <a:off x="4858311" y="2208228"/>
+            <a:ext cx="989019" cy="253916"/>
+          </a:xfrm>
+          <a:prstGeom prst="rect">
+            <a:avLst/>
+          </a:prstGeom>
+          <a:noFill/>
+        </p:spPr>
+        <p:txBody>
+          <a:bodyPr wrap="square" rtlCol="0">
+            <a:spAutoFit/>
+          </a:bodyPr>
+          <a:lstStyle/>
+          <a:p>
+            <a:pPr algn="ctr"/>
+            <a:r>
+              <a:rPr lang="zh-CN" altLang="en-US" sz="1050" b="1" dirty="0">
+                <a:latin typeface="Times New Roman" panose="02020603050405020304" pitchFamily="18" charset="0"/>
+                <a:cs typeface="Times New Roman" panose="02020603050405020304" pitchFamily="18" charset="0"/>
+              </a:rPr>
+              <a:t>希坐谷妥含邻</a:t>
+            </a:r>
+            <a:endParaRPr lang="en-US" altLang="zh-CN" sz="1050" b="1" dirty="0">
+              <a:latin typeface="Times New Roman" panose="02020603050405020304" pitchFamily="18" charset="0"/>
+              <a:cs typeface="Times New Roman" panose="02020603050405020304" pitchFamily="18" charset="0"/>
+            </a:endParaRPr>
+          </a:p>
+        </p:txBody>
+      </p:sp>
+    </p:spTree>
+    <p:extLst>
+      <p:ext uri="{BB962C8B-B14F-4D97-AF65-F5344CB8AC3E}">
+        <p14:creationId xmlns:p14="http://schemas.microsoft.com/office/powerpoint/2010/main" val="1132549548"/>
+      </p:ext>
+    </p:extLst>
+  </p:cSld>
+  <p:clrMapOvr>
+    <a:masterClrMapping/>
+  </p:clrMapOvr>
+</p:sld>
+</file>
+
+<file path=ppt/slides/slide4.xml><?xml version="1.0" encoding="utf-8"?>
+<p:sld xmlns:a="http://schemas.openxmlformats.org/drawingml/2006/main" xmlns:r="http://schemas.openxmlformats.org/officeDocument/2006/relationships" xmlns:p="http://schemas.openxmlformats.org/presentationml/2006/main">
+  <p:cSld>
+    <p:bg>
+      <p:bgPr>
+        <a:solidFill>
+          <a:srgbClr val="F6F6F6"/>
+        </a:solidFill>
+        <a:effectLst/>
+      </p:bgPr>
+    </p:bg>
+    <p:spTree>
+      <p:nvGrpSpPr>
+        <p:cNvPr id="1" name=""/>
+        <p:cNvGrpSpPr/>
+        <p:nvPr/>
+      </p:nvGrpSpPr>
+      <p:grpSpPr>
+        <a:xfrm>
+          <a:off x="0" y="0"/>
+          <a:ext cx="0" cy="0"/>
+          <a:chOff x="0" y="0"/>
+          <a:chExt cx="0" cy="0"/>
+        </a:xfrm>
+      </p:grpSpPr>
+      <p:grpSp>
+        <p:nvGrpSpPr>
+          <p:cNvPr id="75" name="组合 74">
+            <a:extLst>
+              <a:ext uri="{FF2B5EF4-FFF2-40B4-BE49-F238E27FC236}">
+                <a16:creationId xmlns:a16="http://schemas.microsoft.com/office/drawing/2014/main" id="{C4FB3A5F-B156-4AF3-9149-FA563B24E401}"/>
+              </a:ext>
+            </a:extLst>
+          </p:cNvPr>
+          <p:cNvGrpSpPr/>
+          <p:nvPr/>
+        </p:nvGrpSpPr>
+        <p:grpSpPr>
+          <a:xfrm>
+            <a:off x="5913228" y="2798834"/>
+            <a:ext cx="1287945" cy="1139613"/>
+            <a:chOff x="5513740" y="2688744"/>
+            <a:chExt cx="1287945" cy="1139613"/>
+          </a:xfrm>
+        </p:grpSpPr>
+        <p:grpSp>
+          <p:nvGrpSpPr>
+            <p:cNvPr id="37" name="组合 36">
+              <a:extLst>
+                <a:ext uri="{FF2B5EF4-FFF2-40B4-BE49-F238E27FC236}">
+                  <a16:creationId xmlns:a16="http://schemas.microsoft.com/office/drawing/2014/main" id="{CA2B8A93-33AC-44AE-B5C5-A51950E64AFC}"/>
+                </a:ext>
+              </a:extLst>
+            </p:cNvPr>
+            <p:cNvGrpSpPr/>
+            <p:nvPr/>
+          </p:nvGrpSpPr>
+          <p:grpSpPr>
+            <a:xfrm>
+              <a:off x="5513740" y="2688744"/>
+              <a:ext cx="1088634" cy="1013533"/>
+              <a:chOff x="6920317" y="2768011"/>
+              <a:chExt cx="1088634" cy="546052"/>
+            </a:xfrm>
+          </p:grpSpPr>
+          <p:sp>
+            <p:nvSpPr>
+              <p:cNvPr id="38" name="矩形: 圆角 47">
+                <a:extLst>
+                  <a:ext uri="{FF2B5EF4-FFF2-40B4-BE49-F238E27FC236}">
+                    <a16:creationId xmlns:a16="http://schemas.microsoft.com/office/drawing/2014/main" id="{732CF74F-07D4-4A73-9981-8E42AAAE5727}"/>
+                  </a:ext>
+                </a:extLst>
+              </p:cNvPr>
+              <p:cNvSpPr/>
+              <p:nvPr/>
+            </p:nvSpPr>
+            <p:spPr>
+              <a:xfrm>
+                <a:off x="6920317" y="2768011"/>
+                <a:ext cx="1088634" cy="504374"/>
+              </a:xfrm>
+              <a:prstGeom prst="roundRect">
+                <a:avLst/>
+              </a:prstGeom>
+              <a:solidFill>
+                <a:srgbClr val="DDE2CD"/>
+              </a:solidFill>
+              <a:ln w="38100">
+                <a:solidFill>
+                  <a:schemeClr val="tx1"/>
+                </a:solidFill>
+                <a:bevel/>
+              </a:ln>
+            </p:spPr>
+            <p:style>
+              <a:lnRef idx="2">
+                <a:schemeClr val="accent1">
+                  <a:shade val="50000"/>
+                </a:schemeClr>
+              </a:lnRef>
+              <a:fillRef idx="1">
+                <a:schemeClr val="accent1"/>
+              </a:fillRef>
+              <a:effectRef idx="0">
+                <a:schemeClr val="accent1"/>
+              </a:effectRef>
+              <a:fontRef idx="minor">
+                <a:schemeClr val="lt1"/>
+              </a:fontRef>
+            </p:style>
+            <p:txBody>
+              <a:bodyPr rot="0" spcFirstLastPara="0" vert="horz" wrap="square" lIns="91440" tIns="45720" rIns="91440" bIns="45720" numCol="1" spcCol="0" rtlCol="0" fromWordArt="0" anchor="ctr" anchorCtr="0" forceAA="0" compatLnSpc="1">
+                <a:prstTxWarp prst="textNoShape">
+                  <a:avLst/>
+                </a:prstTxWarp>
+                <a:noAutofit/>
+              </a:bodyPr>
+              <a:lstStyle>
+                <a:defPPr>
+                  <a:defRPr lang="zh-CN"/>
+                </a:defPPr>
+                <a:lvl1pPr marL="0" algn="l" defTabSz="914400" rtl="0" eaLnBrk="1" latinLnBrk="0" hangingPunct="1">
+                  <a:defRPr sz="1800" kern="1200">
+                    <a:solidFill>
+                      <a:schemeClr val="lt1"/>
+                    </a:solidFill>
+                    <a:latin typeface="+mn-lt"/>
+                    <a:ea typeface="+mn-ea"/>
+                    <a:cs typeface="+mn-cs"/>
+                  </a:defRPr>
+                </a:lvl1pPr>
+                <a:lvl2pPr marL="457200" algn="l" defTabSz="914400" rtl="0" eaLnBrk="1" latinLnBrk="0" hangingPunct="1">
+                  <a:defRPr sz="1800" kern="1200">
+                    <a:solidFill>
+                      <a:schemeClr val="lt1"/>
+                    </a:solidFill>
+                    <a:latin typeface="+mn-lt"/>
+                    <a:ea typeface="+mn-ea"/>
+                    <a:cs typeface="+mn-cs"/>
+                  </a:defRPr>
+                </a:lvl2pPr>
+                <a:lvl3pPr marL="914400" algn="l" defTabSz="914400" rtl="0" eaLnBrk="1" latinLnBrk="0" hangingPunct="1">
+                  <a:defRPr sz="1800" kern="1200">
+                    <a:solidFill>
+                      <a:schemeClr val="lt1"/>
+                    </a:solidFill>
+                    <a:latin typeface="+mn-lt"/>
+                    <a:ea typeface="+mn-ea"/>
+                    <a:cs typeface="+mn-cs"/>
+                  </a:defRPr>
+                </a:lvl3pPr>
+                <a:lvl4pPr marL="1371600" algn="l" defTabSz="914400" rtl="0" eaLnBrk="1" latinLnBrk="0" hangingPunct="1">
+                  <a:defRPr sz="1800" kern="1200">
+                    <a:solidFill>
+                      <a:schemeClr val="lt1"/>
+                    </a:solidFill>
+                    <a:latin typeface="+mn-lt"/>
+                    <a:ea typeface="+mn-ea"/>
+                    <a:cs typeface="+mn-cs"/>
+                  </a:defRPr>
+                </a:lvl4pPr>
+                <a:lvl5pPr marL="1828800" algn="l" defTabSz="914400" rtl="0" eaLnBrk="1" latinLnBrk="0" hangingPunct="1">
+                  <a:defRPr sz="1800" kern="1200">
+                    <a:solidFill>
+                      <a:schemeClr val="lt1"/>
+                    </a:solidFill>
+                    <a:latin typeface="+mn-lt"/>
+                    <a:ea typeface="+mn-ea"/>
+                    <a:cs typeface="+mn-cs"/>
+                  </a:defRPr>
+                </a:lvl5pPr>
+                <a:lvl6pPr marL="2286000" algn="l" defTabSz="914400" rtl="0" eaLnBrk="1" latinLnBrk="0" hangingPunct="1">
+                  <a:defRPr sz="1800" kern="1200">
+                    <a:solidFill>
+                      <a:schemeClr val="lt1"/>
+                    </a:solidFill>
+                    <a:latin typeface="+mn-lt"/>
+                    <a:ea typeface="+mn-ea"/>
+                    <a:cs typeface="+mn-cs"/>
+                  </a:defRPr>
+                </a:lvl6pPr>
+                <a:lvl7pPr marL="2743200" algn="l" defTabSz="914400" rtl="0" eaLnBrk="1" latinLnBrk="0" hangingPunct="1">
+                  <a:defRPr sz="1800" kern="1200">
+                    <a:solidFill>
+                      <a:schemeClr val="lt1"/>
+                    </a:solidFill>
+                    <a:latin typeface="+mn-lt"/>
+                    <a:ea typeface="+mn-ea"/>
+                    <a:cs typeface="+mn-cs"/>
+                  </a:defRPr>
+                </a:lvl7pPr>
+                <a:lvl8pPr marL="3200400" algn="l" defTabSz="914400" rtl="0" eaLnBrk="1" latinLnBrk="0" hangingPunct="1">
+                  <a:defRPr sz="1800" kern="1200">
+                    <a:solidFill>
+                      <a:schemeClr val="lt1"/>
+                    </a:solidFill>
+                    <a:latin typeface="+mn-lt"/>
+                    <a:ea typeface="+mn-ea"/>
+                    <a:cs typeface="+mn-cs"/>
+                  </a:defRPr>
+                </a:lvl8pPr>
+                <a:lvl9pPr marL="3657600" algn="l" defTabSz="914400" rtl="0" eaLnBrk="1" latinLnBrk="0" hangingPunct="1">
+                  <a:defRPr sz="1800" kern="1200">
+                    <a:solidFill>
+                      <a:schemeClr val="lt1"/>
+                    </a:solidFill>
+                    <a:latin typeface="+mn-lt"/>
+                    <a:ea typeface="+mn-ea"/>
+                    <a:cs typeface="+mn-cs"/>
+                  </a:defRPr>
+                </a:lvl9pPr>
+              </a:lstStyle>
+              <a:p>
+                <a:pPr algn="ctr"/>
+                <a:endParaRPr lang="zh-CN" altLang="en-US" sz="1600" dirty="0">
+                  <a:latin typeface="Times New Roman" panose="02020603050405020304" pitchFamily="18" charset="0"/>
+                  <a:cs typeface="Times New Roman" panose="02020603050405020304" pitchFamily="18" charset="0"/>
+                </a:endParaRPr>
+              </a:p>
+            </p:txBody>
+          </p:sp>
+          <p:sp>
+            <p:nvSpPr>
+              <p:cNvPr id="39" name="文本框 38">
+                <a:extLst>
+                  <a:ext uri="{FF2B5EF4-FFF2-40B4-BE49-F238E27FC236}">
+                    <a16:creationId xmlns:a16="http://schemas.microsoft.com/office/drawing/2014/main" id="{FF6EE860-9CD6-4839-A622-1473DC0DF4CD}"/>
+                  </a:ext>
+                </a:extLst>
+              </p:cNvPr>
+              <p:cNvSpPr txBox="1"/>
+              <p:nvPr/>
+            </p:nvSpPr>
+            <p:spPr>
+              <a:xfrm>
+                <a:off x="6983964" y="2913953"/>
+                <a:ext cx="961339" cy="400110"/>
+              </a:xfrm>
+              <a:prstGeom prst="rect">
+                <a:avLst/>
+              </a:prstGeom>
+              <a:noFill/>
+            </p:spPr>
+            <p:txBody>
+              <a:bodyPr wrap="square" rtlCol="0">
+                <a:spAutoFit/>
+              </a:bodyPr>
+              <a:lstStyle/>
+              <a:p>
+                <a:pPr algn="ctr"/>
+                <a:r>
+                  <a:rPr lang="en-US" altLang="zh-CN" sz="2000" b="1" dirty="0">
+                    <a:latin typeface="Times New Roman" panose="02020603050405020304" pitchFamily="18" charset="0"/>
+                    <a:cs typeface="Times New Roman" panose="02020603050405020304" pitchFamily="18" charset="0"/>
+                  </a:rPr>
+                  <a:t>ABC</a:t>
+                </a:r>
+              </a:p>
+            </p:txBody>
+          </p:sp>
+        </p:grpSp>
+        <p:grpSp>
+          <p:nvGrpSpPr>
+            <p:cNvPr id="36" name="组合 35">
+              <a:extLst>
+                <a:ext uri="{FF2B5EF4-FFF2-40B4-BE49-F238E27FC236}">
+                  <a16:creationId xmlns:a16="http://schemas.microsoft.com/office/drawing/2014/main" id="{3DE99AE4-BB32-49BC-A15D-FC818D46DA59}"/>
+                </a:ext>
+              </a:extLst>
+            </p:cNvPr>
+            <p:cNvGrpSpPr/>
+            <p:nvPr/>
+          </p:nvGrpSpPr>
+          <p:grpSpPr>
+            <a:xfrm>
+              <a:off x="5713051" y="2892183"/>
+              <a:ext cx="1088634" cy="936174"/>
+              <a:chOff x="6920317" y="2768011"/>
+              <a:chExt cx="1088634" cy="504374"/>
+            </a:xfrm>
+          </p:grpSpPr>
+          <p:sp>
+            <p:nvSpPr>
+              <p:cNvPr id="34" name="矩形: 圆角 47">
+                <a:extLst>
+                  <a:ext uri="{FF2B5EF4-FFF2-40B4-BE49-F238E27FC236}">
+                    <a16:creationId xmlns:a16="http://schemas.microsoft.com/office/drawing/2014/main" id="{D2486164-9550-48EF-B89B-758D373159F6}"/>
+                  </a:ext>
+                </a:extLst>
+              </p:cNvPr>
+              <p:cNvSpPr/>
+              <p:nvPr/>
+            </p:nvSpPr>
+            <p:spPr>
+              <a:xfrm>
+                <a:off x="6920317" y="2768011"/>
+                <a:ext cx="1088634" cy="504374"/>
+              </a:xfrm>
+              <a:prstGeom prst="roundRect">
+                <a:avLst/>
+              </a:prstGeom>
+              <a:solidFill>
+                <a:srgbClr val="DDE2CD"/>
+              </a:solidFill>
+              <a:ln w="38100">
+                <a:solidFill>
+                  <a:schemeClr val="tx1"/>
+                </a:solidFill>
+                <a:bevel/>
+              </a:ln>
+            </p:spPr>
+            <p:style>
+              <a:lnRef idx="2">
+                <a:schemeClr val="accent1">
+                  <a:shade val="50000"/>
+                </a:schemeClr>
+              </a:lnRef>
+              <a:fillRef idx="1">
+                <a:schemeClr val="accent1"/>
+              </a:fillRef>
+              <a:effectRef idx="0">
+                <a:schemeClr val="accent1"/>
+              </a:effectRef>
+              <a:fontRef idx="minor">
+                <a:schemeClr val="lt1"/>
+              </a:fontRef>
+            </p:style>
+            <p:txBody>
+              <a:bodyPr rot="0" spcFirstLastPara="0" vert="horz" wrap="square" lIns="91440" tIns="45720" rIns="91440" bIns="45720" numCol="1" spcCol="0" rtlCol="0" fromWordArt="0" anchor="ctr" anchorCtr="0" forceAA="0" compatLnSpc="1">
+                <a:prstTxWarp prst="textNoShape">
+                  <a:avLst/>
+                </a:prstTxWarp>
+                <a:noAutofit/>
+              </a:bodyPr>
+              <a:lstStyle>
+                <a:defPPr>
+                  <a:defRPr lang="zh-CN"/>
+                </a:defPPr>
+                <a:lvl1pPr marL="0" algn="l" defTabSz="914400" rtl="0" eaLnBrk="1" latinLnBrk="0" hangingPunct="1">
+                  <a:defRPr sz="1800" kern="1200">
+                    <a:solidFill>
+                      <a:schemeClr val="lt1"/>
+                    </a:solidFill>
+                    <a:latin typeface="+mn-lt"/>
+                    <a:ea typeface="+mn-ea"/>
+                    <a:cs typeface="+mn-cs"/>
+                  </a:defRPr>
+                </a:lvl1pPr>
+                <a:lvl2pPr marL="457200" algn="l" defTabSz="914400" rtl="0" eaLnBrk="1" latinLnBrk="0" hangingPunct="1">
+                  <a:defRPr sz="1800" kern="1200">
+                    <a:solidFill>
+                      <a:schemeClr val="lt1"/>
+                    </a:solidFill>
+                    <a:latin typeface="+mn-lt"/>
+                    <a:ea typeface="+mn-ea"/>
+                    <a:cs typeface="+mn-cs"/>
+                  </a:defRPr>
+                </a:lvl2pPr>
+                <a:lvl3pPr marL="914400" algn="l" defTabSz="914400" rtl="0" eaLnBrk="1" latinLnBrk="0" hangingPunct="1">
+                  <a:defRPr sz="1800" kern="1200">
+                    <a:solidFill>
+                      <a:schemeClr val="lt1"/>
+                    </a:solidFill>
+                    <a:latin typeface="+mn-lt"/>
+                    <a:ea typeface="+mn-ea"/>
+                    <a:cs typeface="+mn-cs"/>
+                  </a:defRPr>
+                </a:lvl3pPr>
+                <a:lvl4pPr marL="1371600" algn="l" defTabSz="914400" rtl="0" eaLnBrk="1" latinLnBrk="0" hangingPunct="1">
+                  <a:defRPr sz="1800" kern="1200">
+                    <a:solidFill>
+                      <a:schemeClr val="lt1"/>
+                    </a:solidFill>
+                    <a:latin typeface="+mn-lt"/>
+                    <a:ea typeface="+mn-ea"/>
+                    <a:cs typeface="+mn-cs"/>
+                  </a:defRPr>
+                </a:lvl4pPr>
+                <a:lvl5pPr marL="1828800" algn="l" defTabSz="914400" rtl="0" eaLnBrk="1" latinLnBrk="0" hangingPunct="1">
+                  <a:defRPr sz="1800" kern="1200">
+                    <a:solidFill>
+                      <a:schemeClr val="lt1"/>
+                    </a:solidFill>
+                    <a:latin typeface="+mn-lt"/>
+                    <a:ea typeface="+mn-ea"/>
+                    <a:cs typeface="+mn-cs"/>
+                  </a:defRPr>
+                </a:lvl5pPr>
+                <a:lvl6pPr marL="2286000" algn="l" defTabSz="914400" rtl="0" eaLnBrk="1" latinLnBrk="0" hangingPunct="1">
+                  <a:defRPr sz="1800" kern="1200">
+                    <a:solidFill>
+                      <a:schemeClr val="lt1"/>
+                    </a:solidFill>
+                    <a:latin typeface="+mn-lt"/>
+                    <a:ea typeface="+mn-ea"/>
+                    <a:cs typeface="+mn-cs"/>
+                  </a:defRPr>
+                </a:lvl6pPr>
+                <a:lvl7pPr marL="2743200" algn="l" defTabSz="914400" rtl="0" eaLnBrk="1" latinLnBrk="0" hangingPunct="1">
+                  <a:defRPr sz="1800" kern="1200">
+                    <a:solidFill>
+                      <a:schemeClr val="lt1"/>
+                    </a:solidFill>
+                    <a:latin typeface="+mn-lt"/>
+                    <a:ea typeface="+mn-ea"/>
+                    <a:cs typeface="+mn-cs"/>
+                  </a:defRPr>
+                </a:lvl7pPr>
+                <a:lvl8pPr marL="3200400" algn="l" defTabSz="914400" rtl="0" eaLnBrk="1" latinLnBrk="0" hangingPunct="1">
+                  <a:defRPr sz="1800" kern="1200">
+                    <a:solidFill>
+                      <a:schemeClr val="lt1"/>
+                    </a:solidFill>
+                    <a:latin typeface="+mn-lt"/>
+                    <a:ea typeface="+mn-ea"/>
+                    <a:cs typeface="+mn-cs"/>
+                  </a:defRPr>
+                </a:lvl8pPr>
+                <a:lvl9pPr marL="3657600" algn="l" defTabSz="914400" rtl="0" eaLnBrk="1" latinLnBrk="0" hangingPunct="1">
+                  <a:defRPr sz="1800" kern="1200">
+                    <a:solidFill>
+                      <a:schemeClr val="lt1"/>
+                    </a:solidFill>
+                    <a:latin typeface="+mn-lt"/>
+                    <a:ea typeface="+mn-ea"/>
+                    <a:cs typeface="+mn-cs"/>
+                  </a:defRPr>
+                </a:lvl9pPr>
+              </a:lstStyle>
+              <a:p>
+                <a:pPr algn="ctr"/>
+                <a:endParaRPr lang="zh-CN" altLang="en-US" sz="1600" dirty="0">
+                  <a:latin typeface="Times New Roman" panose="02020603050405020304" pitchFamily="18" charset="0"/>
+                  <a:cs typeface="Times New Roman" panose="02020603050405020304" pitchFamily="18" charset="0"/>
+                </a:endParaRPr>
+              </a:p>
+            </p:txBody>
+          </p:sp>
+          <p:sp>
+            <p:nvSpPr>
+              <p:cNvPr id="35" name="文本框 34">
+                <a:extLst>
+                  <a:ext uri="{FF2B5EF4-FFF2-40B4-BE49-F238E27FC236}">
+                    <a16:creationId xmlns:a16="http://schemas.microsoft.com/office/drawing/2014/main" id="{E1E4B85C-E875-4A73-8175-926FA03116B9}"/>
+                  </a:ext>
+                </a:extLst>
+              </p:cNvPr>
+              <p:cNvSpPr txBox="1"/>
+              <p:nvPr/>
+            </p:nvSpPr>
+            <p:spPr>
+              <a:xfrm>
+                <a:off x="6983964" y="2883762"/>
+                <a:ext cx="961339" cy="281891"/>
+              </a:xfrm>
+              <a:prstGeom prst="rect">
+                <a:avLst/>
+              </a:prstGeom>
+              <a:noFill/>
+            </p:spPr>
+            <p:txBody>
+              <a:bodyPr wrap="square" rtlCol="0">
+                <a:spAutoFit/>
+              </a:bodyPr>
+              <a:lstStyle/>
+              <a:p>
+                <a:pPr algn="ctr"/>
+                <a:r>
+                  <a:rPr lang="en-US" altLang="zh-CN" sz="2800" b="1" dirty="0">
+                    <a:latin typeface="Times New Roman" panose="02020603050405020304" pitchFamily="18" charset="0"/>
+                    <a:cs typeface="Times New Roman" panose="02020603050405020304" pitchFamily="18" charset="0"/>
+                  </a:rPr>
+                  <a:t>ABC</a:t>
+                </a:r>
+              </a:p>
+            </p:txBody>
+          </p:sp>
+        </p:grpSp>
+      </p:grpSp>
+      <p:grpSp>
+        <p:nvGrpSpPr>
+          <p:cNvPr id="74" name="组合 73">
+            <a:extLst>
+              <a:ext uri="{FF2B5EF4-FFF2-40B4-BE49-F238E27FC236}">
+                <a16:creationId xmlns:a16="http://schemas.microsoft.com/office/drawing/2014/main" id="{A5080D28-8D05-4E95-B0E1-D7F7C6CE3FBB}"/>
+              </a:ext>
+            </a:extLst>
+          </p:cNvPr>
+          <p:cNvGrpSpPr/>
+          <p:nvPr/>
+        </p:nvGrpSpPr>
+        <p:grpSpPr>
+          <a:xfrm>
+            <a:off x="7985511" y="2151670"/>
+            <a:ext cx="1477306" cy="2433940"/>
+            <a:chOff x="7435785" y="2070664"/>
+            <a:chExt cx="1477306" cy="2433940"/>
+          </a:xfrm>
+        </p:grpSpPr>
+        <p:grpSp>
+          <p:nvGrpSpPr>
+            <p:cNvPr id="46" name="组合 45">
+              <a:extLst>
+                <a:ext uri="{FF2B5EF4-FFF2-40B4-BE49-F238E27FC236}">
+                  <a16:creationId xmlns:a16="http://schemas.microsoft.com/office/drawing/2014/main" id="{6560F372-7051-46C1-B364-50FA37FD565E}"/>
+                </a:ext>
+              </a:extLst>
+            </p:cNvPr>
+            <p:cNvGrpSpPr/>
+            <p:nvPr/>
+          </p:nvGrpSpPr>
+          <p:grpSpPr>
+            <a:xfrm>
+              <a:off x="7747432" y="2070664"/>
+              <a:ext cx="836524" cy="777127"/>
+              <a:chOff x="7617488" y="2814824"/>
+              <a:chExt cx="1287945" cy="1196494"/>
+            </a:xfrm>
+          </p:grpSpPr>
+          <p:grpSp>
+            <p:nvGrpSpPr>
+              <p:cNvPr id="40" name="组合 39">
+                <a:extLst>
+                  <a:ext uri="{FF2B5EF4-FFF2-40B4-BE49-F238E27FC236}">
+                    <a16:creationId xmlns:a16="http://schemas.microsoft.com/office/drawing/2014/main" id="{D430A0B5-DFD4-4B03-B9FE-E460F77CDB12}"/>
+                  </a:ext>
+                </a:extLst>
+              </p:cNvPr>
+              <p:cNvGrpSpPr/>
+              <p:nvPr/>
+            </p:nvGrpSpPr>
+            <p:grpSpPr>
+              <a:xfrm>
+                <a:off x="7617488" y="2814824"/>
+                <a:ext cx="1088634" cy="1013533"/>
+                <a:chOff x="6920317" y="2768011"/>
+                <a:chExt cx="1088634" cy="546052"/>
+              </a:xfrm>
+            </p:grpSpPr>
+            <p:sp>
+              <p:nvSpPr>
+                <p:cNvPr id="41" name="矩形: 圆角 47">
+                  <a:extLst>
+                    <a:ext uri="{FF2B5EF4-FFF2-40B4-BE49-F238E27FC236}">
+                      <a16:creationId xmlns:a16="http://schemas.microsoft.com/office/drawing/2014/main" id="{02253543-18A1-4910-8A0F-26F762270385}"/>
+                    </a:ext>
+                  </a:extLst>
+                </p:cNvPr>
+                <p:cNvSpPr/>
+                <p:nvPr/>
+              </p:nvSpPr>
+              <p:spPr>
+                <a:xfrm>
+                  <a:off x="6920317" y="2768011"/>
+                  <a:ext cx="1088634" cy="504374"/>
+                </a:xfrm>
+                <a:prstGeom prst="roundRect">
+                  <a:avLst/>
+                </a:prstGeom>
+                <a:solidFill>
+                  <a:srgbClr val="DDE2CD"/>
+                </a:solidFill>
+                <a:ln w="38100">
+                  <a:solidFill>
+                    <a:schemeClr val="tx1"/>
+                  </a:solidFill>
+                  <a:bevel/>
+                </a:ln>
+              </p:spPr>
+              <p:style>
+                <a:lnRef idx="2">
+                  <a:schemeClr val="accent1">
+                    <a:shade val="50000"/>
+                  </a:schemeClr>
+                </a:lnRef>
+                <a:fillRef idx="1">
+                  <a:schemeClr val="accent1"/>
+                </a:fillRef>
+                <a:effectRef idx="0">
+                  <a:schemeClr val="accent1"/>
+                </a:effectRef>
+                <a:fontRef idx="minor">
+                  <a:schemeClr val="lt1"/>
+                </a:fontRef>
+              </p:style>
+              <p:txBody>
+                <a:bodyPr rot="0" spcFirstLastPara="0" vert="horz" wrap="square" lIns="91440" tIns="45720" rIns="91440" bIns="45720" numCol="1" spcCol="0" rtlCol="0" fromWordArt="0" anchor="ctr" anchorCtr="0" forceAA="0" compatLnSpc="1">
+                  <a:prstTxWarp prst="textNoShape">
+                    <a:avLst/>
+                  </a:prstTxWarp>
+                  <a:noAutofit/>
+                </a:bodyPr>
+                <a:lstStyle>
+                  <a:defPPr>
+                    <a:defRPr lang="zh-CN"/>
+                  </a:defPPr>
+                  <a:lvl1pPr marL="0" algn="l" defTabSz="914400" rtl="0" eaLnBrk="1" latinLnBrk="0" hangingPunct="1">
+                    <a:defRPr sz="1800" kern="1200">
+                      <a:solidFill>
+                        <a:schemeClr val="lt1"/>
+                      </a:solidFill>
+                      <a:latin typeface="+mn-lt"/>
+                      <a:ea typeface="+mn-ea"/>
+                      <a:cs typeface="+mn-cs"/>
+                    </a:defRPr>
+                  </a:lvl1pPr>
+                  <a:lvl2pPr marL="457200" algn="l" defTabSz="914400" rtl="0" eaLnBrk="1" latinLnBrk="0" hangingPunct="1">
+                    <a:defRPr sz="1800" kern="1200">
+                      <a:solidFill>
+                        <a:schemeClr val="lt1"/>
+                      </a:solidFill>
+                      <a:latin typeface="+mn-lt"/>
+                      <a:ea typeface="+mn-ea"/>
+                      <a:cs typeface="+mn-cs"/>
+                    </a:defRPr>
+                  </a:lvl2pPr>
+                  <a:lvl3pPr marL="914400" algn="l" defTabSz="914400" rtl="0" eaLnBrk="1" latinLnBrk="0" hangingPunct="1">
+                    <a:defRPr sz="1800" kern="1200">
+                      <a:solidFill>
+                        <a:schemeClr val="lt1"/>
+                      </a:solidFill>
+                      <a:latin typeface="+mn-lt"/>
+                      <a:ea typeface="+mn-ea"/>
+                      <a:cs typeface="+mn-cs"/>
+                    </a:defRPr>
+                  </a:lvl3pPr>
+                  <a:lvl4pPr marL="1371600" algn="l" defTabSz="914400" rtl="0" eaLnBrk="1" latinLnBrk="0" hangingPunct="1">
+                    <a:defRPr sz="1800" kern="1200">
+                      <a:solidFill>
+                        <a:schemeClr val="lt1"/>
+                      </a:solidFill>
+                      <a:latin typeface="+mn-lt"/>
+                      <a:ea typeface="+mn-ea"/>
+                      <a:cs typeface="+mn-cs"/>
+                    </a:defRPr>
+                  </a:lvl4pPr>
+                  <a:lvl5pPr marL="1828800" algn="l" defTabSz="914400" rtl="0" eaLnBrk="1" latinLnBrk="0" hangingPunct="1">
+                    <a:defRPr sz="1800" kern="1200">
+                      <a:solidFill>
+                        <a:schemeClr val="lt1"/>
+                      </a:solidFill>
+                      <a:latin typeface="+mn-lt"/>
+                      <a:ea typeface="+mn-ea"/>
+                      <a:cs typeface="+mn-cs"/>
+                    </a:defRPr>
+                  </a:lvl5pPr>
+                  <a:lvl6pPr marL="2286000" algn="l" defTabSz="914400" rtl="0" eaLnBrk="1" latinLnBrk="0" hangingPunct="1">
+                    <a:defRPr sz="1800" kern="1200">
+                      <a:solidFill>
+                        <a:schemeClr val="lt1"/>
+                      </a:solidFill>
+                      <a:latin typeface="+mn-lt"/>
+                      <a:ea typeface="+mn-ea"/>
+                      <a:cs typeface="+mn-cs"/>
+                    </a:defRPr>
+                  </a:lvl6pPr>
+                  <a:lvl7pPr marL="2743200" algn="l" defTabSz="914400" rtl="0" eaLnBrk="1" latinLnBrk="0" hangingPunct="1">
+                    <a:defRPr sz="1800" kern="1200">
+                      <a:solidFill>
+                        <a:schemeClr val="lt1"/>
+                      </a:solidFill>
+                      <a:latin typeface="+mn-lt"/>
+                      <a:ea typeface="+mn-ea"/>
+                      <a:cs typeface="+mn-cs"/>
+                    </a:defRPr>
+                  </a:lvl7pPr>
+                  <a:lvl8pPr marL="3200400" algn="l" defTabSz="914400" rtl="0" eaLnBrk="1" latinLnBrk="0" hangingPunct="1">
+                    <a:defRPr sz="1800" kern="1200">
+                      <a:solidFill>
+                        <a:schemeClr val="lt1"/>
+                      </a:solidFill>
+                      <a:latin typeface="+mn-lt"/>
+                      <a:ea typeface="+mn-ea"/>
+                      <a:cs typeface="+mn-cs"/>
+                    </a:defRPr>
+                  </a:lvl8pPr>
+                  <a:lvl9pPr marL="3657600" algn="l" defTabSz="914400" rtl="0" eaLnBrk="1" latinLnBrk="0" hangingPunct="1">
+                    <a:defRPr sz="1800" kern="1200">
+                      <a:solidFill>
+                        <a:schemeClr val="lt1"/>
+                      </a:solidFill>
+                      <a:latin typeface="+mn-lt"/>
+                      <a:ea typeface="+mn-ea"/>
+                      <a:cs typeface="+mn-cs"/>
+                    </a:defRPr>
+                  </a:lvl9pPr>
+                </a:lstStyle>
+                <a:p>
+                  <a:pPr algn="ctr"/>
+                  <a:endParaRPr lang="zh-CN" altLang="en-US" sz="1600" dirty="0">
+                    <a:latin typeface="Times New Roman" panose="02020603050405020304" pitchFamily="18" charset="0"/>
+                    <a:cs typeface="Times New Roman" panose="02020603050405020304" pitchFamily="18" charset="0"/>
+                  </a:endParaRPr>
+                </a:p>
+              </p:txBody>
+            </p:sp>
+            <p:sp>
+              <p:nvSpPr>
+                <p:cNvPr id="42" name="文本框 41">
+                  <a:extLst>
+                    <a:ext uri="{FF2B5EF4-FFF2-40B4-BE49-F238E27FC236}">
+                      <a16:creationId xmlns:a16="http://schemas.microsoft.com/office/drawing/2014/main" id="{8D9365BB-FDBC-40AB-8085-A77D9F20A993}"/>
+                    </a:ext>
+                  </a:extLst>
+                </p:cNvPr>
+                <p:cNvSpPr txBox="1"/>
+                <p:nvPr/>
+              </p:nvSpPr>
+              <p:spPr>
+                <a:xfrm>
+                  <a:off x="6983964" y="2913953"/>
+                  <a:ext cx="961339" cy="400110"/>
+                </a:xfrm>
+                <a:prstGeom prst="rect">
+                  <a:avLst/>
+                </a:prstGeom>
+                <a:noFill/>
+              </p:spPr>
+              <p:txBody>
+                <a:bodyPr wrap="square" rtlCol="0">
+                  <a:spAutoFit/>
+                </a:bodyPr>
+                <a:lstStyle/>
+                <a:p>
+                  <a:pPr algn="ctr"/>
+                  <a:r>
+                    <a:rPr lang="en-US" altLang="zh-CN" sz="2000" b="1" dirty="0">
+                      <a:latin typeface="Times New Roman" panose="02020603050405020304" pitchFamily="18" charset="0"/>
+                      <a:cs typeface="Times New Roman" panose="02020603050405020304" pitchFamily="18" charset="0"/>
+                    </a:rPr>
+                    <a:t>ABC</a:t>
+                  </a:r>
+                </a:p>
+              </p:txBody>
+            </p:sp>
+          </p:grpSp>
+          <p:grpSp>
+            <p:nvGrpSpPr>
+              <p:cNvPr id="43" name="组合 42">
+                <a:extLst>
+                  <a:ext uri="{FF2B5EF4-FFF2-40B4-BE49-F238E27FC236}">
+                    <a16:creationId xmlns:a16="http://schemas.microsoft.com/office/drawing/2014/main" id="{59427C53-8C54-4EF5-8AD0-0F57A2965B2F}"/>
+                  </a:ext>
+                </a:extLst>
+              </p:cNvPr>
+              <p:cNvGrpSpPr/>
+              <p:nvPr/>
+            </p:nvGrpSpPr>
+            <p:grpSpPr>
+              <a:xfrm>
+                <a:off x="7816799" y="3075144"/>
+                <a:ext cx="1088634" cy="936174"/>
+                <a:chOff x="6920317" y="2798655"/>
+                <a:chExt cx="1088634" cy="504374"/>
+              </a:xfrm>
+            </p:grpSpPr>
+            <p:sp>
+              <p:nvSpPr>
+                <p:cNvPr id="44" name="矩形: 圆角 47">
+                  <a:extLst>
+                    <a:ext uri="{FF2B5EF4-FFF2-40B4-BE49-F238E27FC236}">
+                      <a16:creationId xmlns:a16="http://schemas.microsoft.com/office/drawing/2014/main" id="{54AC1200-787E-4F41-A918-23DBC7D63EDC}"/>
+                    </a:ext>
+                  </a:extLst>
+                </p:cNvPr>
+                <p:cNvSpPr/>
+                <p:nvPr/>
+              </p:nvSpPr>
+              <p:spPr>
+                <a:xfrm>
+                  <a:off x="6920317" y="2798655"/>
+                  <a:ext cx="1088634" cy="504374"/>
+                </a:xfrm>
+                <a:prstGeom prst="roundRect">
+                  <a:avLst/>
+                </a:prstGeom>
+                <a:solidFill>
+                  <a:srgbClr val="DDE2CD"/>
+                </a:solidFill>
+                <a:ln w="38100">
+                  <a:solidFill>
+                    <a:schemeClr val="tx1"/>
+                  </a:solidFill>
+                  <a:bevel/>
+                </a:ln>
+              </p:spPr>
+              <p:style>
+                <a:lnRef idx="2">
+                  <a:schemeClr val="accent1">
+                    <a:shade val="50000"/>
+                  </a:schemeClr>
+                </a:lnRef>
+                <a:fillRef idx="1">
+                  <a:schemeClr val="accent1"/>
+                </a:fillRef>
+                <a:effectRef idx="0">
+                  <a:schemeClr val="accent1"/>
+                </a:effectRef>
+                <a:fontRef idx="minor">
+                  <a:schemeClr val="lt1"/>
+                </a:fontRef>
+              </p:style>
+              <p:txBody>
+                <a:bodyPr rot="0" spcFirstLastPara="0" vert="horz" wrap="square" lIns="91440" tIns="45720" rIns="91440" bIns="45720" numCol="1" spcCol="0" rtlCol="0" fromWordArt="0" anchor="ctr" anchorCtr="0" forceAA="0" compatLnSpc="1">
+                  <a:prstTxWarp prst="textNoShape">
+                    <a:avLst/>
+                  </a:prstTxWarp>
+                  <a:noAutofit/>
+                </a:bodyPr>
+                <a:lstStyle>
+                  <a:defPPr>
+                    <a:defRPr lang="zh-CN"/>
+                  </a:defPPr>
+                  <a:lvl1pPr marL="0" algn="l" defTabSz="914400" rtl="0" eaLnBrk="1" latinLnBrk="0" hangingPunct="1">
+                    <a:defRPr sz="1800" kern="1200">
+                      <a:solidFill>
+                        <a:schemeClr val="lt1"/>
+                      </a:solidFill>
+                      <a:latin typeface="+mn-lt"/>
+                      <a:ea typeface="+mn-ea"/>
+                      <a:cs typeface="+mn-cs"/>
+                    </a:defRPr>
+                  </a:lvl1pPr>
+                  <a:lvl2pPr marL="457200" algn="l" defTabSz="914400" rtl="0" eaLnBrk="1" latinLnBrk="0" hangingPunct="1">
+                    <a:defRPr sz="1800" kern="1200">
+                      <a:solidFill>
+                        <a:schemeClr val="lt1"/>
+                      </a:solidFill>
+                      <a:latin typeface="+mn-lt"/>
+                      <a:ea typeface="+mn-ea"/>
+                      <a:cs typeface="+mn-cs"/>
+                    </a:defRPr>
+                  </a:lvl2pPr>
+                  <a:lvl3pPr marL="914400" algn="l" defTabSz="914400" rtl="0" eaLnBrk="1" latinLnBrk="0" hangingPunct="1">
+                    <a:defRPr sz="1800" kern="1200">
+                      <a:solidFill>
+                        <a:schemeClr val="lt1"/>
+                      </a:solidFill>
+                      <a:latin typeface="+mn-lt"/>
+                      <a:ea typeface="+mn-ea"/>
+                      <a:cs typeface="+mn-cs"/>
+                    </a:defRPr>
+                  </a:lvl3pPr>
+                  <a:lvl4pPr marL="1371600" algn="l" defTabSz="914400" rtl="0" eaLnBrk="1" latinLnBrk="0" hangingPunct="1">
+                    <a:defRPr sz="1800" kern="1200">
+                      <a:solidFill>
+                        <a:schemeClr val="lt1"/>
+                      </a:solidFill>
+                      <a:latin typeface="+mn-lt"/>
+                      <a:ea typeface="+mn-ea"/>
+                      <a:cs typeface="+mn-cs"/>
+                    </a:defRPr>
+                  </a:lvl4pPr>
+                  <a:lvl5pPr marL="1828800" algn="l" defTabSz="914400" rtl="0" eaLnBrk="1" latinLnBrk="0" hangingPunct="1">
+                    <a:defRPr sz="1800" kern="1200">
+                      <a:solidFill>
+                        <a:schemeClr val="lt1"/>
+                      </a:solidFill>
+                      <a:latin typeface="+mn-lt"/>
+                      <a:ea typeface="+mn-ea"/>
+                      <a:cs typeface="+mn-cs"/>
+                    </a:defRPr>
+                  </a:lvl5pPr>
+                  <a:lvl6pPr marL="2286000" algn="l" defTabSz="914400" rtl="0" eaLnBrk="1" latinLnBrk="0" hangingPunct="1">
+                    <a:defRPr sz="1800" kern="1200">
+                      <a:solidFill>
+                        <a:schemeClr val="lt1"/>
+                      </a:solidFill>
+                      <a:latin typeface="+mn-lt"/>
+                      <a:ea typeface="+mn-ea"/>
+                      <a:cs typeface="+mn-cs"/>
+                    </a:defRPr>
+                  </a:lvl6pPr>
+                  <a:lvl7pPr marL="2743200" algn="l" defTabSz="914400" rtl="0" eaLnBrk="1" latinLnBrk="0" hangingPunct="1">
+                    <a:defRPr sz="1800" kern="1200">
+                      <a:solidFill>
+                        <a:schemeClr val="lt1"/>
+                      </a:solidFill>
+                      <a:latin typeface="+mn-lt"/>
+                      <a:ea typeface="+mn-ea"/>
+                      <a:cs typeface="+mn-cs"/>
+                    </a:defRPr>
+                  </a:lvl7pPr>
+                  <a:lvl8pPr marL="3200400" algn="l" defTabSz="914400" rtl="0" eaLnBrk="1" latinLnBrk="0" hangingPunct="1">
+                    <a:defRPr sz="1800" kern="1200">
+                      <a:solidFill>
+                        <a:schemeClr val="lt1"/>
+                      </a:solidFill>
+                      <a:latin typeface="+mn-lt"/>
+                      <a:ea typeface="+mn-ea"/>
+                      <a:cs typeface="+mn-cs"/>
+                    </a:defRPr>
+                  </a:lvl8pPr>
+                  <a:lvl9pPr marL="3657600" algn="l" defTabSz="914400" rtl="0" eaLnBrk="1" latinLnBrk="0" hangingPunct="1">
+                    <a:defRPr sz="1800" kern="1200">
+                      <a:solidFill>
+                        <a:schemeClr val="lt1"/>
+                      </a:solidFill>
+                      <a:latin typeface="+mn-lt"/>
+                      <a:ea typeface="+mn-ea"/>
+                      <a:cs typeface="+mn-cs"/>
+                    </a:defRPr>
+                  </a:lvl9pPr>
+                </a:lstStyle>
+                <a:p>
+                  <a:pPr algn="ctr"/>
+                  <a:endParaRPr lang="zh-CN" altLang="en-US" sz="1600" dirty="0">
+                    <a:latin typeface="Times New Roman" panose="02020603050405020304" pitchFamily="18" charset="0"/>
+                    <a:cs typeface="Times New Roman" panose="02020603050405020304" pitchFamily="18" charset="0"/>
+                  </a:endParaRPr>
+                </a:p>
+              </p:txBody>
+            </p:sp>
+            <p:sp>
+              <p:nvSpPr>
+                <p:cNvPr id="45" name="文本框 44">
+                  <a:extLst>
+                    <a:ext uri="{FF2B5EF4-FFF2-40B4-BE49-F238E27FC236}">
+                      <a16:creationId xmlns:a16="http://schemas.microsoft.com/office/drawing/2014/main" id="{C2C5489D-3CD1-4443-A6D7-DF82A489AB04}"/>
+                    </a:ext>
+                  </a:extLst>
+                </p:cNvPr>
+                <p:cNvSpPr txBox="1"/>
+                <p:nvPr/>
+              </p:nvSpPr>
+              <p:spPr>
+                <a:xfrm>
+                  <a:off x="6983964" y="2883762"/>
+                  <a:ext cx="961340" cy="280830"/>
+                </a:xfrm>
+                <a:prstGeom prst="rect">
+                  <a:avLst/>
+                </a:prstGeom>
+                <a:noFill/>
+              </p:spPr>
+              <p:txBody>
+                <a:bodyPr wrap="square" rtlCol="0">
+                  <a:spAutoFit/>
+                </a:bodyPr>
+                <a:lstStyle/>
+                <a:p>
+                  <a:pPr algn="ctr"/>
+                  <a:r>
+                    <a:rPr lang="en-US" altLang="zh-CN" sz="1600" b="1" dirty="0">
+                      <a:latin typeface="Times New Roman" panose="02020603050405020304" pitchFamily="18" charset="0"/>
+                      <a:cs typeface="Times New Roman" panose="02020603050405020304" pitchFamily="18" charset="0"/>
+                    </a:rPr>
+                    <a:t>ABC</a:t>
+                  </a:r>
+                </a:p>
+              </p:txBody>
+            </p:sp>
+          </p:grpSp>
+        </p:grpSp>
+        <p:grpSp>
+          <p:nvGrpSpPr>
+            <p:cNvPr id="47" name="组合 46">
+              <a:extLst>
+                <a:ext uri="{FF2B5EF4-FFF2-40B4-BE49-F238E27FC236}">
+                  <a16:creationId xmlns:a16="http://schemas.microsoft.com/office/drawing/2014/main" id="{4D3BEB2C-DB6E-4856-8C1F-E83427A73DA6}"/>
+                </a:ext>
+              </a:extLst>
+            </p:cNvPr>
+            <p:cNvGrpSpPr/>
+            <p:nvPr/>
+          </p:nvGrpSpPr>
+          <p:grpSpPr>
+            <a:xfrm>
+              <a:off x="7435785" y="3234190"/>
+              <a:ext cx="1477306" cy="1270414"/>
+              <a:chOff x="6920317" y="2768011"/>
+              <a:chExt cx="1088634" cy="504374"/>
+            </a:xfrm>
+          </p:grpSpPr>
+          <p:sp>
+            <p:nvSpPr>
+              <p:cNvPr id="48" name="矩形: 圆角 47">
+                <a:extLst>
+                  <a:ext uri="{FF2B5EF4-FFF2-40B4-BE49-F238E27FC236}">
+                    <a16:creationId xmlns:a16="http://schemas.microsoft.com/office/drawing/2014/main" id="{2D91C5CF-A490-48E5-A82D-A3E4155B3279}"/>
+                  </a:ext>
+                </a:extLst>
+              </p:cNvPr>
+              <p:cNvSpPr/>
+              <p:nvPr/>
+            </p:nvSpPr>
+            <p:spPr>
+              <a:xfrm>
+                <a:off x="6920317" y="2768011"/>
+                <a:ext cx="1088634" cy="504374"/>
+              </a:xfrm>
+              <a:prstGeom prst="roundRect">
+                <a:avLst/>
+              </a:prstGeom>
+              <a:solidFill>
+                <a:srgbClr val="DDE2CD"/>
+              </a:solidFill>
+              <a:ln w="38100">
+                <a:solidFill>
+                  <a:schemeClr val="tx1"/>
+                </a:solidFill>
+                <a:bevel/>
+              </a:ln>
+            </p:spPr>
+            <p:style>
+              <a:lnRef idx="2">
+                <a:schemeClr val="accent1">
+                  <a:shade val="50000"/>
+                </a:schemeClr>
+              </a:lnRef>
+              <a:fillRef idx="1">
+                <a:schemeClr val="accent1"/>
+              </a:fillRef>
+              <a:effectRef idx="0">
+                <a:schemeClr val="accent1"/>
+              </a:effectRef>
+              <a:fontRef idx="minor">
+                <a:schemeClr val="lt1"/>
+              </a:fontRef>
+            </p:style>
+            <p:txBody>
+              <a:bodyPr rot="0" spcFirstLastPara="0" vert="horz" wrap="square" lIns="91440" tIns="45720" rIns="91440" bIns="45720" numCol="1" spcCol="0" rtlCol="0" fromWordArt="0" anchor="ctr" anchorCtr="0" forceAA="0" compatLnSpc="1">
+                <a:prstTxWarp prst="textNoShape">
+                  <a:avLst/>
+                </a:prstTxWarp>
+                <a:noAutofit/>
+              </a:bodyPr>
+              <a:lstStyle>
+                <a:defPPr>
+                  <a:defRPr lang="zh-CN"/>
+                </a:defPPr>
+                <a:lvl1pPr marL="0" algn="l" defTabSz="914400" rtl="0" eaLnBrk="1" latinLnBrk="0" hangingPunct="1">
+                  <a:defRPr sz="1800" kern="1200">
+                    <a:solidFill>
+                      <a:schemeClr val="lt1"/>
+                    </a:solidFill>
+                    <a:latin typeface="+mn-lt"/>
+                    <a:ea typeface="+mn-ea"/>
+                    <a:cs typeface="+mn-cs"/>
+                  </a:defRPr>
+                </a:lvl1pPr>
+                <a:lvl2pPr marL="457200" algn="l" defTabSz="914400" rtl="0" eaLnBrk="1" latinLnBrk="0" hangingPunct="1">
+                  <a:defRPr sz="1800" kern="1200">
+                    <a:solidFill>
+                      <a:schemeClr val="lt1"/>
+                    </a:solidFill>
+                    <a:latin typeface="+mn-lt"/>
+                    <a:ea typeface="+mn-ea"/>
+                    <a:cs typeface="+mn-cs"/>
+                  </a:defRPr>
+                </a:lvl2pPr>
+                <a:lvl3pPr marL="914400" algn="l" defTabSz="914400" rtl="0" eaLnBrk="1" latinLnBrk="0" hangingPunct="1">
+                  <a:defRPr sz="1800" kern="1200">
+                    <a:solidFill>
+                      <a:schemeClr val="lt1"/>
+                    </a:solidFill>
+                    <a:latin typeface="+mn-lt"/>
+                    <a:ea typeface="+mn-ea"/>
+                    <a:cs typeface="+mn-cs"/>
+                  </a:defRPr>
+                </a:lvl3pPr>
+                <a:lvl4pPr marL="1371600" algn="l" defTabSz="914400" rtl="0" eaLnBrk="1" latinLnBrk="0" hangingPunct="1">
+                  <a:defRPr sz="1800" kern="1200">
+                    <a:solidFill>
+                      <a:schemeClr val="lt1"/>
+                    </a:solidFill>
+                    <a:latin typeface="+mn-lt"/>
+                    <a:ea typeface="+mn-ea"/>
+                    <a:cs typeface="+mn-cs"/>
+                  </a:defRPr>
+                </a:lvl4pPr>
+                <a:lvl5pPr marL="1828800" algn="l" defTabSz="914400" rtl="0" eaLnBrk="1" latinLnBrk="0" hangingPunct="1">
+                  <a:defRPr sz="1800" kern="1200">
+                    <a:solidFill>
+                      <a:schemeClr val="lt1"/>
+                    </a:solidFill>
+                    <a:latin typeface="+mn-lt"/>
+                    <a:ea typeface="+mn-ea"/>
+                    <a:cs typeface="+mn-cs"/>
+                  </a:defRPr>
+                </a:lvl5pPr>
+                <a:lvl6pPr marL="2286000" algn="l" defTabSz="914400" rtl="0" eaLnBrk="1" latinLnBrk="0" hangingPunct="1">
+                  <a:defRPr sz="1800" kern="1200">
+                    <a:solidFill>
+                      <a:schemeClr val="lt1"/>
+                    </a:solidFill>
+                    <a:latin typeface="+mn-lt"/>
+                    <a:ea typeface="+mn-ea"/>
+                    <a:cs typeface="+mn-cs"/>
+                  </a:defRPr>
+                </a:lvl6pPr>
+                <a:lvl7pPr marL="2743200" algn="l" defTabSz="914400" rtl="0" eaLnBrk="1" latinLnBrk="0" hangingPunct="1">
+                  <a:defRPr sz="1800" kern="1200">
+                    <a:solidFill>
+                      <a:schemeClr val="lt1"/>
+                    </a:solidFill>
+                    <a:latin typeface="+mn-lt"/>
+                    <a:ea typeface="+mn-ea"/>
+                    <a:cs typeface="+mn-cs"/>
+                  </a:defRPr>
+                </a:lvl7pPr>
+                <a:lvl8pPr marL="3200400" algn="l" defTabSz="914400" rtl="0" eaLnBrk="1" latinLnBrk="0" hangingPunct="1">
+                  <a:defRPr sz="1800" kern="1200">
+                    <a:solidFill>
+                      <a:schemeClr val="lt1"/>
+                    </a:solidFill>
+                    <a:latin typeface="+mn-lt"/>
+                    <a:ea typeface="+mn-ea"/>
+                    <a:cs typeface="+mn-cs"/>
+                  </a:defRPr>
+                </a:lvl8pPr>
+                <a:lvl9pPr marL="3657600" algn="l" defTabSz="914400" rtl="0" eaLnBrk="1" latinLnBrk="0" hangingPunct="1">
+                  <a:defRPr sz="1800" kern="1200">
+                    <a:solidFill>
+                      <a:schemeClr val="lt1"/>
+                    </a:solidFill>
+                    <a:latin typeface="+mn-lt"/>
+                    <a:ea typeface="+mn-ea"/>
+                    <a:cs typeface="+mn-cs"/>
+                  </a:defRPr>
+                </a:lvl9pPr>
+              </a:lstStyle>
+              <a:p>
+                <a:pPr algn="ctr"/>
+                <a:endParaRPr lang="zh-CN" altLang="en-US" sz="1600" dirty="0">
+                  <a:latin typeface="Times New Roman" panose="02020603050405020304" pitchFamily="18" charset="0"/>
+                  <a:cs typeface="Times New Roman" panose="02020603050405020304" pitchFamily="18" charset="0"/>
+                </a:endParaRPr>
+              </a:p>
+            </p:txBody>
+          </p:sp>
+          <p:sp>
+            <p:nvSpPr>
+              <p:cNvPr id="49" name="文本框 48">
+                <a:extLst>
+                  <a:ext uri="{FF2B5EF4-FFF2-40B4-BE49-F238E27FC236}">
+                    <a16:creationId xmlns:a16="http://schemas.microsoft.com/office/drawing/2014/main" id="{D964243E-9AB0-425B-8F4C-E960F649012A}"/>
+                  </a:ext>
+                </a:extLst>
+              </p:cNvPr>
+              <p:cNvSpPr txBox="1"/>
+              <p:nvPr/>
+            </p:nvSpPr>
+            <p:spPr>
+              <a:xfrm>
+                <a:off x="6983964" y="2883762"/>
+                <a:ext cx="961339" cy="256603"/>
+              </a:xfrm>
+              <a:prstGeom prst="rect">
+                <a:avLst/>
+              </a:prstGeom>
+              <a:noFill/>
+            </p:spPr>
+            <p:txBody>
+              <a:bodyPr wrap="square" rtlCol="0">
+                <a:spAutoFit/>
+              </a:bodyPr>
+              <a:lstStyle/>
+              <a:p>
+                <a:pPr algn="ctr"/>
+                <a:r>
+                  <a:rPr lang="en-US" altLang="zh-CN" sz="3600" b="1" dirty="0">
+                    <a:latin typeface="Times New Roman" panose="02020603050405020304" pitchFamily="18" charset="0"/>
+                    <a:cs typeface="Times New Roman" panose="02020603050405020304" pitchFamily="18" charset="0"/>
+                  </a:rPr>
+                  <a:t>ABC</a:t>
+                </a:r>
+              </a:p>
+            </p:txBody>
+          </p:sp>
+        </p:grpSp>
+        <p:sp>
+          <p:nvSpPr>
+            <p:cNvPr id="50" name="矩形: 圆角 10">
+              <a:extLst>
+                <a:ext uri="{FF2B5EF4-FFF2-40B4-BE49-F238E27FC236}">
+                  <a16:creationId xmlns:a16="http://schemas.microsoft.com/office/drawing/2014/main" id="{026D70BD-62B7-426A-A9A8-A502EE9A9F5D}"/>
+                </a:ext>
+              </a:extLst>
+            </p:cNvPr>
+            <p:cNvSpPr/>
+            <p:nvPr/>
+          </p:nvSpPr>
+          <p:spPr>
+            <a:xfrm>
+              <a:off x="7998405" y="2431255"/>
+              <a:ext cx="171663" cy="190500"/>
+            </a:xfrm>
+            <a:prstGeom prst="roundRect">
+              <a:avLst/>
+            </a:prstGeom>
+            <a:noFill/>
+            <a:ln w="38100">
+              <a:solidFill>
+                <a:srgbClr val="ED4390"/>
+              </a:solidFill>
+              <a:prstDash val="solid"/>
+            </a:ln>
+          </p:spPr>
+          <p:style>
+            <a:lnRef idx="2">
+              <a:schemeClr val="accent1">
+                <a:shade val="50000"/>
+              </a:schemeClr>
+            </a:lnRef>
+            <a:fillRef idx="1">
+              <a:schemeClr val="accent1"/>
+            </a:fillRef>
+            <a:effectRef idx="0">
+              <a:schemeClr val="accent1"/>
+            </a:effectRef>
+            <a:fontRef idx="minor">
+              <a:schemeClr val="lt1"/>
+            </a:fontRef>
+          </p:style>
+          <p:txBody>
+            <a:bodyPr rtlCol="0" anchor="ctr"/>
+            <a:lstStyle/>
+            <a:p>
+              <a:pPr algn="ctr"/>
+              <a:endParaRPr lang="zh-CN" altLang="en-US" sz="1600" dirty="0">
+                <a:solidFill>
+                  <a:schemeClr val="tx1"/>
+                </a:solidFill>
+                <a:latin typeface="Times New Roman" panose="02020603050405020304" pitchFamily="18" charset="0"/>
+                <a:cs typeface="Times New Roman" panose="02020603050405020304" pitchFamily="18" charset="0"/>
+              </a:endParaRPr>
+            </a:p>
+          </p:txBody>
+        </p:sp>
+        <p:sp>
+          <p:nvSpPr>
+            <p:cNvPr id="51" name="矩形: 圆角 10">
+              <a:extLst>
+                <a:ext uri="{FF2B5EF4-FFF2-40B4-BE49-F238E27FC236}">
+                  <a16:creationId xmlns:a16="http://schemas.microsoft.com/office/drawing/2014/main" id="{AB25E2DB-95E7-4B91-B6C8-9CE2754398B5}"/>
+                </a:ext>
+              </a:extLst>
+            </p:cNvPr>
+            <p:cNvSpPr/>
+            <p:nvPr/>
+          </p:nvSpPr>
+          <p:spPr>
+            <a:xfrm>
+              <a:off x="7679317" y="3659981"/>
+              <a:ext cx="364546" cy="411957"/>
+            </a:xfrm>
+            <a:prstGeom prst="roundRect">
+              <a:avLst/>
+            </a:prstGeom>
+            <a:noFill/>
+            <a:ln w="38100">
+              <a:solidFill>
+                <a:srgbClr val="ED4390"/>
+              </a:solidFill>
+              <a:prstDash val="solid"/>
+            </a:ln>
+          </p:spPr>
+          <p:style>
+            <a:lnRef idx="2">
+              <a:schemeClr val="accent1">
+                <a:shade val="50000"/>
+              </a:schemeClr>
+            </a:lnRef>
+            <a:fillRef idx="1">
+              <a:schemeClr val="accent1"/>
+            </a:fillRef>
+            <a:effectRef idx="0">
+              <a:schemeClr val="accent1"/>
+            </a:effectRef>
+            <a:fontRef idx="minor">
+              <a:schemeClr val="lt1"/>
+            </a:fontRef>
+          </p:style>
+          <p:txBody>
+            <a:bodyPr rtlCol="0" anchor="ctr"/>
+            <a:lstStyle/>
+            <a:p>
+              <a:pPr algn="ctr"/>
+              <a:endParaRPr lang="zh-CN" altLang="en-US" sz="1600" dirty="0">
+                <a:solidFill>
+                  <a:schemeClr val="tx1"/>
+                </a:solidFill>
+                <a:latin typeface="Times New Roman" panose="02020603050405020304" pitchFamily="18" charset="0"/>
+                <a:cs typeface="Times New Roman" panose="02020603050405020304" pitchFamily="18" charset="0"/>
+              </a:endParaRPr>
+            </a:p>
+          </p:txBody>
+        </p:sp>
+        <p:grpSp>
+          <p:nvGrpSpPr>
+            <p:cNvPr id="55" name="组合 54">
+              <a:extLst>
+                <a:ext uri="{FF2B5EF4-FFF2-40B4-BE49-F238E27FC236}">
+                  <a16:creationId xmlns:a16="http://schemas.microsoft.com/office/drawing/2014/main" id="{C71FDE8D-311B-431F-B99E-D820D6A45027}"/>
+                </a:ext>
+              </a:extLst>
+            </p:cNvPr>
+            <p:cNvGrpSpPr/>
+            <p:nvPr/>
+          </p:nvGrpSpPr>
+          <p:grpSpPr>
+            <a:xfrm rot="5400000">
+              <a:off x="7475169" y="2999378"/>
+              <a:ext cx="937967" cy="296636"/>
+              <a:chOff x="3491138" y="2881456"/>
+              <a:chExt cx="937967" cy="515034"/>
+            </a:xfrm>
+          </p:grpSpPr>
+          <p:cxnSp>
+            <p:nvCxnSpPr>
+              <p:cNvPr id="52" name="直接连接符 51">
+                <a:extLst>
+                  <a:ext uri="{FF2B5EF4-FFF2-40B4-BE49-F238E27FC236}">
+                    <a16:creationId xmlns:a16="http://schemas.microsoft.com/office/drawing/2014/main" id="{858DB358-7D3F-4C5B-917A-22F4159F4534}"/>
+                  </a:ext>
+                </a:extLst>
+              </p:cNvPr>
+              <p:cNvCxnSpPr>
+                <a:cxnSpLocks/>
+              </p:cNvCxnSpPr>
+              <p:nvPr/>
+            </p:nvCxnSpPr>
+            <p:spPr>
+              <a:xfrm rot="16200000" flipH="1">
+                <a:off x="3915195" y="3103409"/>
+                <a:ext cx="434966" cy="0"/>
+              </a:xfrm>
+              <a:prstGeom prst="line">
+                <a:avLst/>
+              </a:prstGeom>
+              <a:solidFill>
+                <a:srgbClr val="002060"/>
+              </a:solidFill>
+              <a:ln w="38100">
+                <a:solidFill>
+                  <a:srgbClr val="ED4390"/>
+                </a:solidFill>
+                <a:prstDash val="solid"/>
+              </a:ln>
+            </p:spPr>
+            <p:style>
+              <a:lnRef idx="1">
+                <a:schemeClr val="accent1"/>
+              </a:lnRef>
+              <a:fillRef idx="0">
+                <a:schemeClr val="accent1"/>
+              </a:fillRef>
+              <a:effectRef idx="0">
+                <a:schemeClr val="accent1"/>
+              </a:effectRef>
+              <a:fontRef idx="minor">
+                <a:schemeClr val="tx1"/>
+              </a:fontRef>
+            </p:style>
+          </p:cxnSp>
+          <p:sp>
+            <p:nvSpPr>
+              <p:cNvPr id="53" name="directional-left-arrow-symbol_56911">
+                <a:extLst>
+                  <a:ext uri="{FF2B5EF4-FFF2-40B4-BE49-F238E27FC236}">
+                    <a16:creationId xmlns:a16="http://schemas.microsoft.com/office/drawing/2014/main" id="{D3CDC691-41D3-4A97-ADF2-2AE4071A9CAF}"/>
+                  </a:ext>
+                </a:extLst>
+              </p:cNvPr>
+              <p:cNvSpPr>
+                <a:spLocks noChangeAspect="1"/>
+              </p:cNvSpPr>
+              <p:nvPr/>
+            </p:nvSpPr>
+            <p:spPr bwMode="auto">
+              <a:xfrm rot="10800000">
+                <a:off x="4129308" y="3206666"/>
+                <a:ext cx="299797" cy="189824"/>
+              </a:xfrm>
+              <a:custGeom>
+                <a:avLst/>
+                <a:gdLst>
+                  <a:gd name="T0" fmla="*/ 4220 w 4420"/>
+                  <a:gd name="T1" fmla="*/ 1020 h 2420"/>
+                  <a:gd name="T2" fmla="*/ 703 w 4420"/>
+                  <a:gd name="T3" fmla="*/ 1020 h 2420"/>
+                  <a:gd name="T4" fmla="*/ 1361 w 4420"/>
+                  <a:gd name="T5" fmla="*/ 361 h 2420"/>
+                  <a:gd name="T6" fmla="*/ 1361 w 4420"/>
+                  <a:gd name="T7" fmla="*/ 79 h 2420"/>
+                  <a:gd name="T8" fmla="*/ 1079 w 4420"/>
+                  <a:gd name="T9" fmla="*/ 79 h 2420"/>
+                  <a:gd name="T10" fmla="*/ 79 w 4420"/>
+                  <a:gd name="T11" fmla="*/ 1079 h 2420"/>
+                  <a:gd name="T12" fmla="*/ 79 w 4420"/>
+                  <a:gd name="T13" fmla="*/ 1361 h 2420"/>
+                  <a:gd name="T14" fmla="*/ 1079 w 4420"/>
+                  <a:gd name="T15" fmla="*/ 2361 h 2420"/>
+                  <a:gd name="T16" fmla="*/ 1220 w 4420"/>
+                  <a:gd name="T17" fmla="*/ 2420 h 2420"/>
+                  <a:gd name="T18" fmla="*/ 1361 w 4420"/>
+                  <a:gd name="T19" fmla="*/ 2361 h 2420"/>
+                  <a:gd name="T20" fmla="*/ 1361 w 4420"/>
+                  <a:gd name="T21" fmla="*/ 2079 h 2420"/>
+                  <a:gd name="T22" fmla="*/ 703 w 4420"/>
+                  <a:gd name="T23" fmla="*/ 1420 h 2420"/>
+                  <a:gd name="T24" fmla="*/ 4220 w 4420"/>
+                  <a:gd name="T25" fmla="*/ 1420 h 2420"/>
+                  <a:gd name="T26" fmla="*/ 4420 w 4420"/>
+                  <a:gd name="T27" fmla="*/ 1220 h 2420"/>
+                  <a:gd name="T28" fmla="*/ 4220 w 4420"/>
+                  <a:gd name="T29" fmla="*/ 1020 h 2420"/>
+                </a:gdLst>
+                <a:ahLst/>
+                <a:cxnLst>
+                  <a:cxn ang="0">
+                    <a:pos x="T0" y="T1"/>
+                  </a:cxn>
+                  <a:cxn ang="0">
+                    <a:pos x="T2" y="T3"/>
+                  </a:cxn>
+                  <a:cxn ang="0">
+                    <a:pos x="T4" y="T5"/>
+                  </a:cxn>
+                  <a:cxn ang="0">
+                    <a:pos x="T6" y="T7"/>
+                  </a:cxn>
+                  <a:cxn ang="0">
+                    <a:pos x="T8" y="T9"/>
+                  </a:cxn>
+                  <a:cxn ang="0">
+                    <a:pos x="T10" y="T11"/>
+                  </a:cxn>
+                  <a:cxn ang="0">
+                    <a:pos x="T12" y="T13"/>
+                  </a:cxn>
+                  <a:cxn ang="0">
+                    <a:pos x="T14" y="T15"/>
+                  </a:cxn>
+                  <a:cxn ang="0">
+                    <a:pos x="T16" y="T17"/>
+                  </a:cxn>
+                  <a:cxn ang="0">
+                    <a:pos x="T18" y="T19"/>
+                  </a:cxn>
+                  <a:cxn ang="0">
+                    <a:pos x="T20" y="T21"/>
+                  </a:cxn>
+                  <a:cxn ang="0">
+                    <a:pos x="T22" y="T23"/>
+                  </a:cxn>
+                  <a:cxn ang="0">
+                    <a:pos x="T24" y="T25"/>
+                  </a:cxn>
+                  <a:cxn ang="0">
+                    <a:pos x="T26" y="T27"/>
+                  </a:cxn>
+                  <a:cxn ang="0">
+                    <a:pos x="T28" y="T29"/>
+                  </a:cxn>
+                </a:cxnLst>
+                <a:rect l="0" t="0" r="r" b="b"/>
+                <a:pathLst>
+                  <a:path w="4420" h="2420">
+                    <a:moveTo>
+                      <a:pt x="4220" y="1020"/>
+                    </a:moveTo>
+                    <a:lnTo>
+                      <a:pt x="703" y="1020"/>
+                    </a:lnTo>
+                    <a:lnTo>
+                      <a:pt x="1361" y="361"/>
+                    </a:lnTo>
+                    <a:cubicBezTo>
+                      <a:pt x="1440" y="283"/>
+                      <a:pt x="1440" y="157"/>
+                      <a:pt x="1361" y="79"/>
+                    </a:cubicBezTo>
+                    <a:cubicBezTo>
+                      <a:pt x="1283" y="0"/>
+                      <a:pt x="1157" y="0"/>
+                      <a:pt x="1079" y="79"/>
+                    </a:cubicBezTo>
+                    <a:lnTo>
+                      <a:pt x="79" y="1079"/>
+                    </a:lnTo>
+                    <a:cubicBezTo>
+                      <a:pt x="0" y="1157"/>
+                      <a:pt x="0" y="1283"/>
+                      <a:pt x="79" y="1361"/>
+                    </a:cubicBezTo>
+                    <a:lnTo>
+                      <a:pt x="1079" y="2361"/>
+                    </a:lnTo>
+                    <a:cubicBezTo>
+                      <a:pt x="1118" y="2400"/>
+                      <a:pt x="1169" y="2420"/>
+                      <a:pt x="1220" y="2420"/>
+                    </a:cubicBezTo>
+                    <a:cubicBezTo>
+                      <a:pt x="1271" y="2420"/>
+                      <a:pt x="1322" y="2400"/>
+                      <a:pt x="1361" y="2361"/>
+                    </a:cubicBezTo>
+                    <a:cubicBezTo>
+                      <a:pt x="1440" y="2283"/>
+                      <a:pt x="1440" y="2157"/>
+                      <a:pt x="1361" y="2079"/>
+                    </a:cubicBezTo>
+                    <a:lnTo>
+                      <a:pt x="703" y="1420"/>
+                    </a:lnTo>
+                    <a:lnTo>
+                      <a:pt x="4220" y="1420"/>
+                    </a:lnTo>
+                    <a:cubicBezTo>
+                      <a:pt x="4330" y="1420"/>
+                      <a:pt x="4420" y="1330"/>
+                      <a:pt x="4420" y="1220"/>
+                    </a:cubicBezTo>
+                    <a:cubicBezTo>
+                      <a:pt x="4420" y="1110"/>
+                      <a:pt x="4330" y="1020"/>
+                      <a:pt x="4220" y="1020"/>
+                    </a:cubicBezTo>
+                    <a:close/>
+                  </a:path>
+                </a:pathLst>
+              </a:custGeom>
+              <a:solidFill>
+                <a:srgbClr val="FF0000"/>
+              </a:solidFill>
+              <a:ln>
+                <a:solidFill>
+                  <a:srgbClr val="ED4390"/>
+                </a:solidFill>
+              </a:ln>
+            </p:spPr>
+            <p:txBody>
+              <a:bodyPr/>
+              <a:lstStyle/>
+              <a:p>
+                <a:endParaRPr lang="zh-CN" altLang="en-US" sz="1600" dirty="0">
+                  <a:solidFill>
+                    <a:srgbClr val="002060"/>
+                  </a:solidFill>
+                </a:endParaRPr>
+              </a:p>
+            </p:txBody>
+          </p:sp>
+          <p:cxnSp>
+            <p:nvCxnSpPr>
+              <p:cNvPr id="54" name="直接连接符 53">
+                <a:extLst>
+                  <a:ext uri="{FF2B5EF4-FFF2-40B4-BE49-F238E27FC236}">
+                    <a16:creationId xmlns:a16="http://schemas.microsoft.com/office/drawing/2014/main" id="{F0093D1B-E7CF-4F56-B227-068F7943B24A}"/>
+                  </a:ext>
+                </a:extLst>
+              </p:cNvPr>
+              <p:cNvCxnSpPr>
+                <a:cxnSpLocks/>
+              </p:cNvCxnSpPr>
+              <p:nvPr/>
+            </p:nvCxnSpPr>
+            <p:spPr>
+              <a:xfrm rot="16200000" flipV="1">
+                <a:off x="3820983" y="2551611"/>
+                <a:ext cx="0" cy="659690"/>
+              </a:xfrm>
+              <a:prstGeom prst="line">
+                <a:avLst/>
+              </a:prstGeom>
+              <a:solidFill>
+                <a:srgbClr val="002060"/>
+              </a:solidFill>
+              <a:ln w="38100">
+                <a:solidFill>
+                  <a:srgbClr val="ED4390"/>
+                </a:solidFill>
+                <a:prstDash val="solid"/>
+              </a:ln>
+            </p:spPr>
+            <p:style>
+              <a:lnRef idx="1">
+                <a:schemeClr val="accent1"/>
+              </a:lnRef>
+              <a:fillRef idx="0">
+                <a:schemeClr val="accent1"/>
+              </a:fillRef>
+              <a:effectRef idx="0">
+                <a:schemeClr val="accent1"/>
+              </a:effectRef>
+              <a:fontRef idx="minor">
+                <a:schemeClr val="tx1"/>
+              </a:fontRef>
+            </p:style>
+          </p:cxnSp>
+        </p:grpSp>
+      </p:grpSp>
+      <p:grpSp>
+        <p:nvGrpSpPr>
+          <p:cNvPr id="78" name="组合 77">
+            <a:extLst>
+              <a:ext uri="{FF2B5EF4-FFF2-40B4-BE49-F238E27FC236}">
+                <a16:creationId xmlns:a16="http://schemas.microsoft.com/office/drawing/2014/main" id="{02AC9B16-A8C8-42A2-88E5-60636D13C107}"/>
+              </a:ext>
+            </a:extLst>
+          </p:cNvPr>
+          <p:cNvGrpSpPr/>
+          <p:nvPr/>
+        </p:nvGrpSpPr>
+        <p:grpSpPr>
+          <a:xfrm>
+            <a:off x="10247155" y="2151670"/>
+            <a:ext cx="1454546" cy="2433940"/>
+            <a:chOff x="10247154" y="2024215"/>
+            <a:chExt cx="1606883" cy="2688851"/>
+          </a:xfrm>
+        </p:grpSpPr>
+        <p:pic>
+          <p:nvPicPr>
+            <p:cNvPr id="4" name="图片 3">
+              <a:extLst>
+                <a:ext uri="{FF2B5EF4-FFF2-40B4-BE49-F238E27FC236}">
+                  <a16:creationId xmlns:a16="http://schemas.microsoft.com/office/drawing/2014/main" id="{CD472EBE-3F4D-401C-8C16-82864E9ECB53}"/>
+                </a:ext>
+              </a:extLst>
+            </p:cNvPr>
+            <p:cNvPicPr>
+              <a:picLocks noChangeAspect="1"/>
+            </p:cNvPicPr>
+            <p:nvPr/>
+          </p:nvPicPr>
+          <p:blipFill>
+            <a:blip r:embed="rId2"/>
+            <a:stretch>
+              <a:fillRect/>
+            </a:stretch>
+          </p:blipFill>
+          <p:spPr>
+            <a:xfrm>
+              <a:off x="10247154" y="2024215"/>
+              <a:ext cx="1606883" cy="2688851"/>
+            </a:xfrm>
+            <a:prstGeom prst="rect">
+              <a:avLst/>
+            </a:prstGeom>
+          </p:spPr>
+        </p:pic>
+        <p:grpSp>
+          <p:nvGrpSpPr>
+            <p:cNvPr id="61" name="组合 60">
+              <a:extLst>
+                <a:ext uri="{FF2B5EF4-FFF2-40B4-BE49-F238E27FC236}">
+                  <a16:creationId xmlns:a16="http://schemas.microsoft.com/office/drawing/2014/main" id="{FC5390CC-EC46-4098-94DD-95E1CDDE0A15}"/>
+                </a:ext>
+              </a:extLst>
+            </p:cNvPr>
+            <p:cNvGrpSpPr/>
+            <p:nvPr/>
+          </p:nvGrpSpPr>
+          <p:grpSpPr>
+            <a:xfrm>
+              <a:off x="10508967" y="2870316"/>
+              <a:ext cx="1088634" cy="936174"/>
+              <a:chOff x="6920317" y="2768011"/>
+              <a:chExt cx="1088634" cy="504374"/>
+            </a:xfrm>
+          </p:grpSpPr>
+          <p:sp>
+            <p:nvSpPr>
+              <p:cNvPr id="62" name="矩形: 圆角 47">
+                <a:extLst>
+                  <a:ext uri="{FF2B5EF4-FFF2-40B4-BE49-F238E27FC236}">
+                    <a16:creationId xmlns:a16="http://schemas.microsoft.com/office/drawing/2014/main" id="{811D5245-1E5F-49DE-993C-1BEA60898880}"/>
+                  </a:ext>
+                </a:extLst>
+              </p:cNvPr>
+              <p:cNvSpPr/>
+              <p:nvPr/>
+            </p:nvSpPr>
+            <p:spPr>
+              <a:xfrm>
+                <a:off x="6920317" y="2768011"/>
+                <a:ext cx="1088634" cy="504374"/>
+              </a:xfrm>
+              <a:prstGeom prst="roundRect">
+                <a:avLst/>
+              </a:prstGeom>
+              <a:solidFill>
+                <a:srgbClr val="DDE2CD"/>
+              </a:solidFill>
+              <a:ln w="38100">
+                <a:solidFill>
+                  <a:schemeClr val="tx1"/>
+                </a:solidFill>
+                <a:bevel/>
+              </a:ln>
+            </p:spPr>
+            <p:style>
+              <a:lnRef idx="2">
+                <a:schemeClr val="accent1">
+                  <a:shade val="50000"/>
+                </a:schemeClr>
+              </a:lnRef>
+              <a:fillRef idx="1">
+                <a:schemeClr val="accent1"/>
+              </a:fillRef>
+              <a:effectRef idx="0">
+                <a:schemeClr val="accent1"/>
+              </a:effectRef>
+              <a:fontRef idx="minor">
+                <a:schemeClr val="lt1"/>
+              </a:fontRef>
+            </p:style>
+            <p:txBody>
+              <a:bodyPr rot="0" spcFirstLastPara="0" vert="horz" wrap="square" lIns="91440" tIns="45720" rIns="91440" bIns="45720" numCol="1" spcCol="0" rtlCol="0" fromWordArt="0" anchor="ctr" anchorCtr="0" forceAA="0" compatLnSpc="1">
+                <a:prstTxWarp prst="textNoShape">
+                  <a:avLst/>
+                </a:prstTxWarp>
+                <a:noAutofit/>
+              </a:bodyPr>
+              <a:lstStyle>
+                <a:defPPr>
+                  <a:defRPr lang="zh-CN"/>
+                </a:defPPr>
+                <a:lvl1pPr marL="0" algn="l" defTabSz="914400" rtl="0" eaLnBrk="1" latinLnBrk="0" hangingPunct="1">
+                  <a:defRPr sz="1800" kern="1200">
+                    <a:solidFill>
+                      <a:schemeClr val="lt1"/>
+                    </a:solidFill>
+                    <a:latin typeface="+mn-lt"/>
+                    <a:ea typeface="+mn-ea"/>
+                    <a:cs typeface="+mn-cs"/>
+                  </a:defRPr>
+                </a:lvl1pPr>
+                <a:lvl2pPr marL="457200" algn="l" defTabSz="914400" rtl="0" eaLnBrk="1" latinLnBrk="0" hangingPunct="1">
+                  <a:defRPr sz="1800" kern="1200">
+                    <a:solidFill>
+                      <a:schemeClr val="lt1"/>
+                    </a:solidFill>
+                    <a:latin typeface="+mn-lt"/>
+                    <a:ea typeface="+mn-ea"/>
+                    <a:cs typeface="+mn-cs"/>
+                  </a:defRPr>
+                </a:lvl2pPr>
+                <a:lvl3pPr marL="914400" algn="l" defTabSz="914400" rtl="0" eaLnBrk="1" latinLnBrk="0" hangingPunct="1">
+                  <a:defRPr sz="1800" kern="1200">
+                    <a:solidFill>
+                      <a:schemeClr val="lt1"/>
+                    </a:solidFill>
+                    <a:latin typeface="+mn-lt"/>
+                    <a:ea typeface="+mn-ea"/>
+                    <a:cs typeface="+mn-cs"/>
+                  </a:defRPr>
+                </a:lvl3pPr>
+                <a:lvl4pPr marL="1371600" algn="l" defTabSz="914400" rtl="0" eaLnBrk="1" latinLnBrk="0" hangingPunct="1">
+                  <a:defRPr sz="1800" kern="1200">
+                    <a:solidFill>
+                      <a:schemeClr val="lt1"/>
+                    </a:solidFill>
+                    <a:latin typeface="+mn-lt"/>
+                    <a:ea typeface="+mn-ea"/>
+                    <a:cs typeface="+mn-cs"/>
+                  </a:defRPr>
+                </a:lvl4pPr>
+                <a:lvl5pPr marL="1828800" algn="l" defTabSz="914400" rtl="0" eaLnBrk="1" latinLnBrk="0" hangingPunct="1">
+                  <a:defRPr sz="1800" kern="1200">
+                    <a:solidFill>
+                      <a:schemeClr val="lt1"/>
+                    </a:solidFill>
+                    <a:latin typeface="+mn-lt"/>
+                    <a:ea typeface="+mn-ea"/>
+                    <a:cs typeface="+mn-cs"/>
+                  </a:defRPr>
+                </a:lvl5pPr>
+                <a:lvl6pPr marL="2286000" algn="l" defTabSz="914400" rtl="0" eaLnBrk="1" latinLnBrk="0" hangingPunct="1">
+                  <a:defRPr sz="1800" kern="1200">
+                    <a:solidFill>
+                      <a:schemeClr val="lt1"/>
+                    </a:solidFill>
+                    <a:latin typeface="+mn-lt"/>
+                    <a:ea typeface="+mn-ea"/>
+                    <a:cs typeface="+mn-cs"/>
+                  </a:defRPr>
+                </a:lvl6pPr>
+                <a:lvl7pPr marL="2743200" algn="l" defTabSz="914400" rtl="0" eaLnBrk="1" latinLnBrk="0" hangingPunct="1">
+                  <a:defRPr sz="1800" kern="1200">
+                    <a:solidFill>
+                      <a:schemeClr val="lt1"/>
+                    </a:solidFill>
+                    <a:latin typeface="+mn-lt"/>
+                    <a:ea typeface="+mn-ea"/>
+                    <a:cs typeface="+mn-cs"/>
+                  </a:defRPr>
+                </a:lvl7pPr>
+                <a:lvl8pPr marL="3200400" algn="l" defTabSz="914400" rtl="0" eaLnBrk="1" latinLnBrk="0" hangingPunct="1">
+                  <a:defRPr sz="1800" kern="1200">
+                    <a:solidFill>
+                      <a:schemeClr val="lt1"/>
+                    </a:solidFill>
+                    <a:latin typeface="+mn-lt"/>
+                    <a:ea typeface="+mn-ea"/>
+                    <a:cs typeface="+mn-cs"/>
+                  </a:defRPr>
+                </a:lvl8pPr>
+                <a:lvl9pPr marL="3657600" algn="l" defTabSz="914400" rtl="0" eaLnBrk="1" latinLnBrk="0" hangingPunct="1">
+                  <a:defRPr sz="1800" kern="1200">
+                    <a:solidFill>
+                      <a:schemeClr val="lt1"/>
+                    </a:solidFill>
+                    <a:latin typeface="+mn-lt"/>
+                    <a:ea typeface="+mn-ea"/>
+                    <a:cs typeface="+mn-cs"/>
+                  </a:defRPr>
+                </a:lvl9pPr>
+              </a:lstStyle>
+              <a:p>
+                <a:pPr algn="ctr"/>
+                <a:endParaRPr lang="zh-CN" altLang="en-US" sz="1600" dirty="0">
+                  <a:latin typeface="Times New Roman" panose="02020603050405020304" pitchFamily="18" charset="0"/>
+                  <a:cs typeface="Times New Roman" panose="02020603050405020304" pitchFamily="18" charset="0"/>
+                </a:endParaRPr>
+              </a:p>
+            </p:txBody>
+          </p:sp>
+          <p:sp>
+            <p:nvSpPr>
+              <p:cNvPr id="63" name="文本框 62">
+                <a:extLst>
+                  <a:ext uri="{FF2B5EF4-FFF2-40B4-BE49-F238E27FC236}">
+                    <a16:creationId xmlns:a16="http://schemas.microsoft.com/office/drawing/2014/main" id="{D2457959-632A-4938-AE47-23B92C84606E}"/>
+                  </a:ext>
+                </a:extLst>
+              </p:cNvPr>
+              <p:cNvSpPr txBox="1"/>
+              <p:nvPr/>
+            </p:nvSpPr>
+            <p:spPr>
+              <a:xfrm>
+                <a:off x="6983964" y="2883762"/>
+                <a:ext cx="961339" cy="281891"/>
+              </a:xfrm>
+              <a:prstGeom prst="rect">
+                <a:avLst/>
+              </a:prstGeom>
+              <a:noFill/>
+            </p:spPr>
+            <p:txBody>
+              <a:bodyPr wrap="square" rtlCol="0">
+                <a:spAutoFit/>
+              </a:bodyPr>
+              <a:lstStyle/>
+              <a:p>
+                <a:pPr algn="ctr"/>
+                <a:r>
+                  <a:rPr lang="en-US" altLang="zh-CN" sz="2400" b="1" dirty="0">
+                    <a:latin typeface="Times New Roman" panose="02020603050405020304" pitchFamily="18" charset="0"/>
+                    <a:cs typeface="Times New Roman" panose="02020603050405020304" pitchFamily="18" charset="0"/>
+                  </a:rPr>
+                  <a:t>ABC</a:t>
+                </a:r>
+              </a:p>
+            </p:txBody>
+          </p:sp>
+        </p:grpSp>
+      </p:grpSp>
+      <p:grpSp>
+        <p:nvGrpSpPr>
+          <p:cNvPr id="76" name="组合 75">
+            <a:extLst>
+              <a:ext uri="{FF2B5EF4-FFF2-40B4-BE49-F238E27FC236}">
+                <a16:creationId xmlns:a16="http://schemas.microsoft.com/office/drawing/2014/main" id="{67572BC9-7526-499F-99A0-CCDDDC2B5C94}"/>
+              </a:ext>
+            </a:extLst>
+          </p:cNvPr>
+          <p:cNvGrpSpPr/>
+          <p:nvPr/>
+        </p:nvGrpSpPr>
+        <p:grpSpPr>
+          <a:xfrm>
+            <a:off x="3298764" y="2079388"/>
+            <a:ext cx="1802779" cy="2575399"/>
+            <a:chOff x="3083877" y="2041237"/>
+            <a:chExt cx="1855299" cy="2650427"/>
+          </a:xfrm>
+        </p:grpSpPr>
+        <p:pic>
+          <p:nvPicPr>
+            <p:cNvPr id="33" name="图片 32">
+              <a:extLst>
+                <a:ext uri="{FF2B5EF4-FFF2-40B4-BE49-F238E27FC236}">
+                  <a16:creationId xmlns:a16="http://schemas.microsoft.com/office/drawing/2014/main" id="{5D41CFDB-B942-4D48-A166-BC4D3D8CBA25}"/>
+                </a:ext>
+              </a:extLst>
+            </p:cNvPr>
+            <p:cNvPicPr>
+              <a:picLocks noChangeAspect="1"/>
+            </p:cNvPicPr>
+            <p:nvPr/>
+          </p:nvPicPr>
+          <p:blipFill rotWithShape="1">
+            <a:blip r:embed="rId3"/>
+            <a:srcRect l="4006" t="3379" r="3614" b="2694"/>
+            <a:stretch/>
+          </p:blipFill>
+          <p:spPr>
+            <a:xfrm>
+              <a:off x="3083877" y="2041237"/>
+              <a:ext cx="1855299" cy="2650427"/>
+            </a:xfrm>
+            <a:prstGeom prst="rect">
+              <a:avLst/>
+            </a:prstGeom>
+          </p:spPr>
+        </p:pic>
+        <p:grpSp>
+          <p:nvGrpSpPr>
+            <p:cNvPr id="64" name="组合 63">
+              <a:extLst>
+                <a:ext uri="{FF2B5EF4-FFF2-40B4-BE49-F238E27FC236}">
+                  <a16:creationId xmlns:a16="http://schemas.microsoft.com/office/drawing/2014/main" id="{9FBBBAF9-CB50-431A-9EC9-2DEE5D72D485}"/>
+                </a:ext>
+              </a:extLst>
+            </p:cNvPr>
+            <p:cNvGrpSpPr/>
+            <p:nvPr/>
+          </p:nvGrpSpPr>
+          <p:grpSpPr>
+            <a:xfrm>
+              <a:off x="3748083" y="3249912"/>
+              <a:ext cx="852994" cy="733535"/>
+              <a:chOff x="6920317" y="2768011"/>
+              <a:chExt cx="1088634" cy="504374"/>
+            </a:xfrm>
+          </p:grpSpPr>
+          <p:sp>
+            <p:nvSpPr>
+              <p:cNvPr id="65" name="矩形: 圆角 47">
+                <a:extLst>
+                  <a:ext uri="{FF2B5EF4-FFF2-40B4-BE49-F238E27FC236}">
+                    <a16:creationId xmlns:a16="http://schemas.microsoft.com/office/drawing/2014/main" id="{4C0F4DA6-5724-48B4-8186-5FA016D7D245}"/>
+                  </a:ext>
+                </a:extLst>
+              </p:cNvPr>
+              <p:cNvSpPr/>
+              <p:nvPr/>
+            </p:nvSpPr>
+            <p:spPr>
+              <a:xfrm>
+                <a:off x="6920317" y="2768011"/>
+                <a:ext cx="1088634" cy="504374"/>
+              </a:xfrm>
+              <a:prstGeom prst="roundRect">
+                <a:avLst/>
+              </a:prstGeom>
+              <a:solidFill>
+                <a:srgbClr val="DDE2CD"/>
+              </a:solidFill>
+              <a:ln w="38100">
+                <a:solidFill>
+                  <a:schemeClr val="tx1"/>
+                </a:solidFill>
+                <a:bevel/>
+              </a:ln>
+            </p:spPr>
+            <p:style>
+              <a:lnRef idx="2">
+                <a:schemeClr val="accent1">
+                  <a:shade val="50000"/>
+                </a:schemeClr>
+              </a:lnRef>
+              <a:fillRef idx="1">
+                <a:schemeClr val="accent1"/>
+              </a:fillRef>
+              <a:effectRef idx="0">
+                <a:schemeClr val="accent1"/>
+              </a:effectRef>
+              <a:fontRef idx="minor">
+                <a:schemeClr val="lt1"/>
+              </a:fontRef>
+            </p:style>
+            <p:txBody>
+              <a:bodyPr rot="0" spcFirstLastPara="0" vert="horz" wrap="square" lIns="91440" tIns="45720" rIns="91440" bIns="45720" numCol="1" spcCol="0" rtlCol="0" fromWordArt="0" anchor="ctr" anchorCtr="0" forceAA="0" compatLnSpc="1">
+                <a:prstTxWarp prst="textNoShape">
+                  <a:avLst/>
+                </a:prstTxWarp>
+                <a:noAutofit/>
+              </a:bodyPr>
+              <a:lstStyle>
+                <a:defPPr>
+                  <a:defRPr lang="zh-CN"/>
+                </a:defPPr>
+                <a:lvl1pPr marL="0" algn="l" defTabSz="914400" rtl="0" eaLnBrk="1" latinLnBrk="0" hangingPunct="1">
+                  <a:defRPr sz="1800" kern="1200">
+                    <a:solidFill>
+                      <a:schemeClr val="lt1"/>
+                    </a:solidFill>
+                    <a:latin typeface="+mn-lt"/>
+                    <a:ea typeface="+mn-ea"/>
+                    <a:cs typeface="+mn-cs"/>
+                  </a:defRPr>
+                </a:lvl1pPr>
+                <a:lvl2pPr marL="457200" algn="l" defTabSz="914400" rtl="0" eaLnBrk="1" latinLnBrk="0" hangingPunct="1">
+                  <a:defRPr sz="1800" kern="1200">
+                    <a:solidFill>
+                      <a:schemeClr val="lt1"/>
+                    </a:solidFill>
+                    <a:latin typeface="+mn-lt"/>
+                    <a:ea typeface="+mn-ea"/>
+                    <a:cs typeface="+mn-cs"/>
+                  </a:defRPr>
+                </a:lvl2pPr>
+                <a:lvl3pPr marL="914400" algn="l" defTabSz="914400" rtl="0" eaLnBrk="1" latinLnBrk="0" hangingPunct="1">
+                  <a:defRPr sz="1800" kern="1200">
+                    <a:solidFill>
+                      <a:schemeClr val="lt1"/>
+                    </a:solidFill>
+                    <a:latin typeface="+mn-lt"/>
+                    <a:ea typeface="+mn-ea"/>
+                    <a:cs typeface="+mn-cs"/>
+                  </a:defRPr>
+                </a:lvl3pPr>
+                <a:lvl4pPr marL="1371600" algn="l" defTabSz="914400" rtl="0" eaLnBrk="1" latinLnBrk="0" hangingPunct="1">
+                  <a:defRPr sz="1800" kern="1200">
+                    <a:solidFill>
+                      <a:schemeClr val="lt1"/>
+                    </a:solidFill>
+                    <a:latin typeface="+mn-lt"/>
+                    <a:ea typeface="+mn-ea"/>
+                    <a:cs typeface="+mn-cs"/>
+                  </a:defRPr>
+                </a:lvl4pPr>
+                <a:lvl5pPr marL="1828800" algn="l" defTabSz="914400" rtl="0" eaLnBrk="1" latinLnBrk="0" hangingPunct="1">
+                  <a:defRPr sz="1800" kern="1200">
+                    <a:solidFill>
+                      <a:schemeClr val="lt1"/>
+                    </a:solidFill>
+                    <a:latin typeface="+mn-lt"/>
+                    <a:ea typeface="+mn-ea"/>
+                    <a:cs typeface="+mn-cs"/>
+                  </a:defRPr>
+                </a:lvl5pPr>
+                <a:lvl6pPr marL="2286000" algn="l" defTabSz="914400" rtl="0" eaLnBrk="1" latinLnBrk="0" hangingPunct="1">
+                  <a:defRPr sz="1800" kern="1200">
+                    <a:solidFill>
+                      <a:schemeClr val="lt1"/>
+                    </a:solidFill>
+                    <a:latin typeface="+mn-lt"/>
+                    <a:ea typeface="+mn-ea"/>
+                    <a:cs typeface="+mn-cs"/>
+                  </a:defRPr>
+                </a:lvl6pPr>
+                <a:lvl7pPr marL="2743200" algn="l" defTabSz="914400" rtl="0" eaLnBrk="1" latinLnBrk="0" hangingPunct="1">
+                  <a:defRPr sz="1800" kern="1200">
+                    <a:solidFill>
+                      <a:schemeClr val="lt1"/>
+                    </a:solidFill>
+                    <a:latin typeface="+mn-lt"/>
+                    <a:ea typeface="+mn-ea"/>
+                    <a:cs typeface="+mn-cs"/>
+                  </a:defRPr>
+                </a:lvl7pPr>
+                <a:lvl8pPr marL="3200400" algn="l" defTabSz="914400" rtl="0" eaLnBrk="1" latinLnBrk="0" hangingPunct="1">
+                  <a:defRPr sz="1800" kern="1200">
+                    <a:solidFill>
+                      <a:schemeClr val="lt1"/>
+                    </a:solidFill>
+                    <a:latin typeface="+mn-lt"/>
+                    <a:ea typeface="+mn-ea"/>
+                    <a:cs typeface="+mn-cs"/>
+                  </a:defRPr>
+                </a:lvl8pPr>
+                <a:lvl9pPr marL="3657600" algn="l" defTabSz="914400" rtl="0" eaLnBrk="1" latinLnBrk="0" hangingPunct="1">
+                  <a:defRPr sz="1800" kern="1200">
+                    <a:solidFill>
+                      <a:schemeClr val="lt1"/>
+                    </a:solidFill>
+                    <a:latin typeface="+mn-lt"/>
+                    <a:ea typeface="+mn-ea"/>
+                    <a:cs typeface="+mn-cs"/>
+                  </a:defRPr>
+                </a:lvl9pPr>
+              </a:lstStyle>
+              <a:p>
+                <a:pPr algn="ctr"/>
+                <a:endParaRPr lang="zh-CN" altLang="en-US" sz="1600" dirty="0">
+                  <a:latin typeface="Times New Roman" panose="02020603050405020304" pitchFamily="18" charset="0"/>
+                  <a:cs typeface="Times New Roman" panose="02020603050405020304" pitchFamily="18" charset="0"/>
+                </a:endParaRPr>
+              </a:p>
+            </p:txBody>
+          </p:sp>
+          <p:sp>
+            <p:nvSpPr>
+              <p:cNvPr id="66" name="文本框 65">
+                <a:extLst>
+                  <a:ext uri="{FF2B5EF4-FFF2-40B4-BE49-F238E27FC236}">
+                    <a16:creationId xmlns:a16="http://schemas.microsoft.com/office/drawing/2014/main" id="{D1E89960-E6D0-43F1-A1B9-7769E3626B3A}"/>
+                  </a:ext>
+                </a:extLst>
+              </p:cNvPr>
+              <p:cNvSpPr txBox="1"/>
+              <p:nvPr/>
+            </p:nvSpPr>
+            <p:spPr>
+              <a:xfrm>
+                <a:off x="6983964" y="2883762"/>
+                <a:ext cx="961340" cy="275113"/>
+              </a:xfrm>
+              <a:prstGeom prst="rect">
+                <a:avLst/>
+              </a:prstGeom>
+              <a:noFill/>
+            </p:spPr>
+            <p:txBody>
+              <a:bodyPr wrap="square" rtlCol="0">
+                <a:spAutoFit/>
+              </a:bodyPr>
+              <a:lstStyle/>
+              <a:p>
+                <a:pPr algn="ctr"/>
+                <a:r>
+                  <a:rPr lang="en-US" altLang="zh-CN" sz="2000" b="1" dirty="0">
+                    <a:latin typeface="Times New Roman" panose="02020603050405020304" pitchFamily="18" charset="0"/>
+                    <a:cs typeface="Times New Roman" panose="02020603050405020304" pitchFamily="18" charset="0"/>
+                  </a:rPr>
+                  <a:t>ABC</a:t>
+                </a:r>
+              </a:p>
+            </p:txBody>
+          </p:sp>
+        </p:grpSp>
+      </p:grpSp>
+      <p:grpSp>
+        <p:nvGrpSpPr>
+          <p:cNvPr id="77" name="组合 76">
+            <a:extLst>
+              <a:ext uri="{FF2B5EF4-FFF2-40B4-BE49-F238E27FC236}">
+                <a16:creationId xmlns:a16="http://schemas.microsoft.com/office/drawing/2014/main" id="{B5B6E9E1-4A23-47E7-A1E8-77EFEBAF6869}"/>
+              </a:ext>
+            </a:extLst>
+          </p:cNvPr>
+          <p:cNvGrpSpPr/>
+          <p:nvPr/>
+        </p:nvGrpSpPr>
+        <p:grpSpPr>
+          <a:xfrm>
+            <a:off x="490300" y="2079388"/>
+            <a:ext cx="1998954" cy="2576744"/>
+            <a:chOff x="490412" y="2041237"/>
+            <a:chExt cx="1998841" cy="2574984"/>
+          </a:xfrm>
+        </p:grpSpPr>
+        <p:pic>
+          <p:nvPicPr>
+            <p:cNvPr id="32" name="图片 31">
+              <a:extLst>
+                <a:ext uri="{FF2B5EF4-FFF2-40B4-BE49-F238E27FC236}">
+                  <a16:creationId xmlns:a16="http://schemas.microsoft.com/office/drawing/2014/main" id="{D5838337-B15A-440A-8B7C-AF2A542229CC}"/>
+                </a:ext>
+              </a:extLst>
+            </p:cNvPr>
+            <p:cNvPicPr>
+              <a:picLocks noChangeAspect="1"/>
+            </p:cNvPicPr>
+            <p:nvPr/>
+          </p:nvPicPr>
+          <p:blipFill rotWithShape="1">
+            <a:blip r:embed="rId4"/>
+            <a:srcRect l="10992" t="5733" r="6215" b="9313"/>
+            <a:stretch/>
+          </p:blipFill>
+          <p:spPr>
+            <a:xfrm>
+              <a:off x="490412" y="2041237"/>
+              <a:ext cx="1998841" cy="2574984"/>
+            </a:xfrm>
+            <a:prstGeom prst="rect">
+              <a:avLst/>
+            </a:prstGeom>
+          </p:spPr>
+        </p:pic>
+        <p:grpSp>
+          <p:nvGrpSpPr>
+            <p:cNvPr id="67" name="组合 66">
+              <a:extLst>
+                <a:ext uri="{FF2B5EF4-FFF2-40B4-BE49-F238E27FC236}">
+                  <a16:creationId xmlns:a16="http://schemas.microsoft.com/office/drawing/2014/main" id="{9E064F54-E9BA-4455-9FB6-82CCAB8F6F63}"/>
+                </a:ext>
+              </a:extLst>
+            </p:cNvPr>
+            <p:cNvGrpSpPr/>
+            <p:nvPr/>
+          </p:nvGrpSpPr>
+          <p:grpSpPr>
+            <a:xfrm rot="657256">
+              <a:off x="1216774" y="3082920"/>
+              <a:ext cx="852994" cy="733535"/>
+              <a:chOff x="6920317" y="2768011"/>
+              <a:chExt cx="1088634" cy="504374"/>
+            </a:xfrm>
+          </p:grpSpPr>
+          <p:sp>
+            <p:nvSpPr>
+              <p:cNvPr id="68" name="矩形: 圆角 47">
+                <a:extLst>
+                  <a:ext uri="{FF2B5EF4-FFF2-40B4-BE49-F238E27FC236}">
+                    <a16:creationId xmlns:a16="http://schemas.microsoft.com/office/drawing/2014/main" id="{976E8B49-45CF-4DAD-8A66-8D42C6DC9EBF}"/>
+                  </a:ext>
+                </a:extLst>
+              </p:cNvPr>
+              <p:cNvSpPr/>
+              <p:nvPr/>
+            </p:nvSpPr>
+            <p:spPr>
+              <a:xfrm>
+                <a:off x="6920317" y="2768011"/>
+                <a:ext cx="1088634" cy="504374"/>
+              </a:xfrm>
+              <a:prstGeom prst="roundRect">
+                <a:avLst/>
+              </a:prstGeom>
+              <a:solidFill>
+                <a:srgbClr val="DDE2CD"/>
+              </a:solidFill>
+              <a:ln w="38100">
+                <a:solidFill>
+                  <a:schemeClr val="tx1"/>
+                </a:solidFill>
+                <a:bevel/>
+              </a:ln>
+            </p:spPr>
+            <p:style>
+              <a:lnRef idx="2">
+                <a:schemeClr val="accent1">
+                  <a:shade val="50000"/>
+                </a:schemeClr>
+              </a:lnRef>
+              <a:fillRef idx="1">
+                <a:schemeClr val="accent1"/>
+              </a:fillRef>
+              <a:effectRef idx="0">
+                <a:schemeClr val="accent1"/>
+              </a:effectRef>
+              <a:fontRef idx="minor">
+                <a:schemeClr val="lt1"/>
+              </a:fontRef>
+            </p:style>
+            <p:txBody>
+              <a:bodyPr rot="0" spcFirstLastPara="0" vert="horz" wrap="square" lIns="91440" tIns="45720" rIns="91440" bIns="45720" numCol="1" spcCol="0" rtlCol="0" fromWordArt="0" anchor="ctr" anchorCtr="0" forceAA="0" compatLnSpc="1">
+                <a:prstTxWarp prst="textNoShape">
+                  <a:avLst/>
+                </a:prstTxWarp>
+                <a:noAutofit/>
+              </a:bodyPr>
+              <a:lstStyle>
+                <a:defPPr>
+                  <a:defRPr lang="zh-CN"/>
+                </a:defPPr>
+                <a:lvl1pPr marL="0" algn="l" defTabSz="914400" rtl="0" eaLnBrk="1" latinLnBrk="0" hangingPunct="1">
+                  <a:defRPr sz="1800" kern="1200">
+                    <a:solidFill>
+                      <a:schemeClr val="lt1"/>
+                    </a:solidFill>
+                    <a:latin typeface="+mn-lt"/>
+                    <a:ea typeface="+mn-ea"/>
+                    <a:cs typeface="+mn-cs"/>
+                  </a:defRPr>
+                </a:lvl1pPr>
+                <a:lvl2pPr marL="457200" algn="l" defTabSz="914400" rtl="0" eaLnBrk="1" latinLnBrk="0" hangingPunct="1">
+                  <a:defRPr sz="1800" kern="1200">
+                    <a:solidFill>
+                      <a:schemeClr val="lt1"/>
+                    </a:solidFill>
+                    <a:latin typeface="+mn-lt"/>
+                    <a:ea typeface="+mn-ea"/>
+                    <a:cs typeface="+mn-cs"/>
+                  </a:defRPr>
+                </a:lvl2pPr>
+                <a:lvl3pPr marL="914400" algn="l" defTabSz="914400" rtl="0" eaLnBrk="1" latinLnBrk="0" hangingPunct="1">
+                  <a:defRPr sz="1800" kern="1200">
+                    <a:solidFill>
+                      <a:schemeClr val="lt1"/>
+                    </a:solidFill>
+                    <a:latin typeface="+mn-lt"/>
+                    <a:ea typeface="+mn-ea"/>
+                    <a:cs typeface="+mn-cs"/>
+                  </a:defRPr>
+                </a:lvl3pPr>
+                <a:lvl4pPr marL="1371600" algn="l" defTabSz="914400" rtl="0" eaLnBrk="1" latinLnBrk="0" hangingPunct="1">
+                  <a:defRPr sz="1800" kern="1200">
+                    <a:solidFill>
+                      <a:schemeClr val="lt1"/>
+                    </a:solidFill>
+                    <a:latin typeface="+mn-lt"/>
+                    <a:ea typeface="+mn-ea"/>
+                    <a:cs typeface="+mn-cs"/>
+                  </a:defRPr>
+                </a:lvl4pPr>
+                <a:lvl5pPr marL="1828800" algn="l" defTabSz="914400" rtl="0" eaLnBrk="1" latinLnBrk="0" hangingPunct="1">
+                  <a:defRPr sz="1800" kern="1200">
+                    <a:solidFill>
+                      <a:schemeClr val="lt1"/>
+                    </a:solidFill>
+                    <a:latin typeface="+mn-lt"/>
+                    <a:ea typeface="+mn-ea"/>
+                    <a:cs typeface="+mn-cs"/>
+                  </a:defRPr>
+                </a:lvl5pPr>
+                <a:lvl6pPr marL="2286000" algn="l" defTabSz="914400" rtl="0" eaLnBrk="1" latinLnBrk="0" hangingPunct="1">
+                  <a:defRPr sz="1800" kern="1200">
+                    <a:solidFill>
+                      <a:schemeClr val="lt1"/>
+                    </a:solidFill>
+                    <a:latin typeface="+mn-lt"/>
+                    <a:ea typeface="+mn-ea"/>
+                    <a:cs typeface="+mn-cs"/>
+                  </a:defRPr>
+                </a:lvl6pPr>
+                <a:lvl7pPr marL="2743200" algn="l" defTabSz="914400" rtl="0" eaLnBrk="1" latinLnBrk="0" hangingPunct="1">
+                  <a:defRPr sz="1800" kern="1200">
+                    <a:solidFill>
+                      <a:schemeClr val="lt1"/>
+                    </a:solidFill>
+                    <a:latin typeface="+mn-lt"/>
+                    <a:ea typeface="+mn-ea"/>
+                    <a:cs typeface="+mn-cs"/>
+                  </a:defRPr>
+                </a:lvl7pPr>
+                <a:lvl8pPr marL="3200400" algn="l" defTabSz="914400" rtl="0" eaLnBrk="1" latinLnBrk="0" hangingPunct="1">
+                  <a:defRPr sz="1800" kern="1200">
+                    <a:solidFill>
+                      <a:schemeClr val="lt1"/>
+                    </a:solidFill>
+                    <a:latin typeface="+mn-lt"/>
+                    <a:ea typeface="+mn-ea"/>
+                    <a:cs typeface="+mn-cs"/>
+                  </a:defRPr>
+                </a:lvl8pPr>
+                <a:lvl9pPr marL="3657600" algn="l" defTabSz="914400" rtl="0" eaLnBrk="1" latinLnBrk="0" hangingPunct="1">
+                  <a:defRPr sz="1800" kern="1200">
+                    <a:solidFill>
+                      <a:schemeClr val="lt1"/>
+                    </a:solidFill>
+                    <a:latin typeface="+mn-lt"/>
+                    <a:ea typeface="+mn-ea"/>
+                    <a:cs typeface="+mn-cs"/>
+                  </a:defRPr>
+                </a:lvl9pPr>
+              </a:lstStyle>
+              <a:p>
+                <a:pPr algn="ctr"/>
+                <a:endParaRPr lang="zh-CN" altLang="en-US" sz="1600" dirty="0">
+                  <a:latin typeface="Times New Roman" panose="02020603050405020304" pitchFamily="18" charset="0"/>
+                  <a:cs typeface="Times New Roman" panose="02020603050405020304" pitchFamily="18" charset="0"/>
+                </a:endParaRPr>
+              </a:p>
+            </p:txBody>
+          </p:sp>
+          <p:sp>
+            <p:nvSpPr>
+              <p:cNvPr id="69" name="文本框 68">
+                <a:extLst>
+                  <a:ext uri="{FF2B5EF4-FFF2-40B4-BE49-F238E27FC236}">
+                    <a16:creationId xmlns:a16="http://schemas.microsoft.com/office/drawing/2014/main" id="{BD4D5C30-B8D9-44B8-9406-EB2BD972DA75}"/>
+                  </a:ext>
+                </a:extLst>
+              </p:cNvPr>
+              <p:cNvSpPr txBox="1"/>
+              <p:nvPr/>
+            </p:nvSpPr>
+            <p:spPr>
+              <a:xfrm>
+                <a:off x="6983964" y="2883762"/>
+                <a:ext cx="961340" cy="275113"/>
+              </a:xfrm>
+              <a:prstGeom prst="rect">
+                <a:avLst/>
+              </a:prstGeom>
+              <a:noFill/>
+            </p:spPr>
+            <p:txBody>
+              <a:bodyPr wrap="square" rtlCol="0">
+                <a:spAutoFit/>
+              </a:bodyPr>
+              <a:lstStyle/>
+              <a:p>
+                <a:pPr algn="ctr"/>
+                <a:r>
+                  <a:rPr lang="en-US" altLang="zh-CN" sz="2000" b="1" dirty="0">
+                    <a:latin typeface="Times New Roman" panose="02020603050405020304" pitchFamily="18" charset="0"/>
+                    <a:cs typeface="Times New Roman" panose="02020603050405020304" pitchFamily="18" charset="0"/>
+                  </a:rPr>
+                  <a:t>ABC</a:t>
+                </a:r>
+              </a:p>
+            </p:txBody>
+          </p:sp>
+        </p:grpSp>
+      </p:grpSp>
+      <p:sp>
+        <p:nvSpPr>
+          <p:cNvPr id="70" name="directional-left-arrow-symbol_56911">
+            <a:extLst>
+              <a:ext uri="{FF2B5EF4-FFF2-40B4-BE49-F238E27FC236}">
+                <a16:creationId xmlns:a16="http://schemas.microsoft.com/office/drawing/2014/main" id="{012246A8-6E64-4481-9029-FFC096957A37}"/>
+              </a:ext>
+            </a:extLst>
+          </p:cNvPr>
+          <p:cNvSpPr>
+            <a:spLocks noChangeAspect="1"/>
+          </p:cNvSpPr>
+          <p:nvPr/>
+        </p:nvSpPr>
+        <p:spPr bwMode="auto">
+          <a:xfrm rot="10800000" flipV="1">
+            <a:off x="2524272" y="3273372"/>
+            <a:ext cx="714300" cy="190535"/>
+          </a:xfrm>
+          <a:custGeom>
+            <a:avLst/>
+            <a:gdLst>
+              <a:gd name="T0" fmla="*/ 4220 w 4420"/>
+              <a:gd name="T1" fmla="*/ 1020 h 2420"/>
+              <a:gd name="T2" fmla="*/ 703 w 4420"/>
+              <a:gd name="T3" fmla="*/ 1020 h 2420"/>
+              <a:gd name="T4" fmla="*/ 1361 w 4420"/>
+              <a:gd name="T5" fmla="*/ 361 h 2420"/>
+              <a:gd name="T6" fmla="*/ 1361 w 4420"/>
+              <a:gd name="T7" fmla="*/ 79 h 2420"/>
+              <a:gd name="T8" fmla="*/ 1079 w 4420"/>
+              <a:gd name="T9" fmla="*/ 79 h 2420"/>
+              <a:gd name="T10" fmla="*/ 79 w 4420"/>
+              <a:gd name="T11" fmla="*/ 1079 h 2420"/>
+              <a:gd name="T12" fmla="*/ 79 w 4420"/>
+              <a:gd name="T13" fmla="*/ 1361 h 2420"/>
+              <a:gd name="T14" fmla="*/ 1079 w 4420"/>
+              <a:gd name="T15" fmla="*/ 2361 h 2420"/>
+              <a:gd name="T16" fmla="*/ 1220 w 4420"/>
+              <a:gd name="T17" fmla="*/ 2420 h 2420"/>
+              <a:gd name="T18" fmla="*/ 1361 w 4420"/>
+              <a:gd name="T19" fmla="*/ 2361 h 2420"/>
+              <a:gd name="T20" fmla="*/ 1361 w 4420"/>
+              <a:gd name="T21" fmla="*/ 2079 h 2420"/>
+              <a:gd name="T22" fmla="*/ 703 w 4420"/>
+              <a:gd name="T23" fmla="*/ 1420 h 2420"/>
+              <a:gd name="T24" fmla="*/ 4220 w 4420"/>
+              <a:gd name="T25" fmla="*/ 1420 h 2420"/>
+              <a:gd name="T26" fmla="*/ 4420 w 4420"/>
+              <a:gd name="T27" fmla="*/ 1220 h 2420"/>
+              <a:gd name="T28" fmla="*/ 4220 w 4420"/>
+              <a:gd name="T29" fmla="*/ 1020 h 2420"/>
+            </a:gdLst>
+            <a:ahLst/>
+            <a:cxnLst>
+              <a:cxn ang="0">
+                <a:pos x="T0" y="T1"/>
+              </a:cxn>
+              <a:cxn ang="0">
+                <a:pos x="T2" y="T3"/>
+              </a:cxn>
+              <a:cxn ang="0">
+                <a:pos x="T4" y="T5"/>
+              </a:cxn>
+              <a:cxn ang="0">
+                <a:pos x="T6" y="T7"/>
+              </a:cxn>
+              <a:cxn ang="0">
+                <a:pos x="T8" y="T9"/>
+              </a:cxn>
+              <a:cxn ang="0">
+                <a:pos x="T10" y="T11"/>
+              </a:cxn>
+              <a:cxn ang="0">
+                <a:pos x="T12" y="T13"/>
+              </a:cxn>
+              <a:cxn ang="0">
+                <a:pos x="T14" y="T15"/>
+              </a:cxn>
+              <a:cxn ang="0">
+                <a:pos x="T16" y="T17"/>
+              </a:cxn>
+              <a:cxn ang="0">
+                <a:pos x="T18" y="T19"/>
+              </a:cxn>
+              <a:cxn ang="0">
+                <a:pos x="T20" y="T21"/>
+              </a:cxn>
+              <a:cxn ang="0">
+                <a:pos x="T22" y="T23"/>
+              </a:cxn>
+              <a:cxn ang="0">
+                <a:pos x="T24" y="T25"/>
+              </a:cxn>
+              <a:cxn ang="0">
+                <a:pos x="T26" y="T27"/>
+              </a:cxn>
+              <a:cxn ang="0">
+                <a:pos x="T28" y="T29"/>
+              </a:cxn>
+            </a:cxnLst>
+            <a:rect l="0" t="0" r="r" b="b"/>
+            <a:pathLst>
+              <a:path w="4420" h="2420">
+                <a:moveTo>
+                  <a:pt x="4220" y="1020"/>
+                </a:moveTo>
+                <a:lnTo>
+                  <a:pt x="703" y="1020"/>
+                </a:lnTo>
+                <a:lnTo>
+                  <a:pt x="1361" y="361"/>
+                </a:lnTo>
+                <a:cubicBezTo>
+                  <a:pt x="1440" y="283"/>
+                  <a:pt x="1440" y="157"/>
+                  <a:pt x="1361" y="79"/>
+                </a:cubicBezTo>
+                <a:cubicBezTo>
+                  <a:pt x="1283" y="0"/>
+                  <a:pt x="1157" y="0"/>
+                  <a:pt x="1079" y="79"/>
+                </a:cubicBezTo>
+                <a:lnTo>
+                  <a:pt x="79" y="1079"/>
+                </a:lnTo>
+                <a:cubicBezTo>
+                  <a:pt x="0" y="1157"/>
+                  <a:pt x="0" y="1283"/>
+                  <a:pt x="79" y="1361"/>
+                </a:cubicBezTo>
+                <a:lnTo>
+                  <a:pt x="1079" y="2361"/>
+                </a:lnTo>
+                <a:cubicBezTo>
+                  <a:pt x="1118" y="2400"/>
+                  <a:pt x="1169" y="2420"/>
+                  <a:pt x="1220" y="2420"/>
+                </a:cubicBezTo>
+                <a:cubicBezTo>
+                  <a:pt x="1271" y="2420"/>
+                  <a:pt x="1322" y="2400"/>
+                  <a:pt x="1361" y="2361"/>
+                </a:cubicBezTo>
+                <a:cubicBezTo>
+                  <a:pt x="1440" y="2283"/>
+                  <a:pt x="1440" y="2157"/>
+                  <a:pt x="1361" y="2079"/>
+                </a:cubicBezTo>
+                <a:lnTo>
+                  <a:pt x="703" y="1420"/>
+                </a:lnTo>
+                <a:lnTo>
+                  <a:pt x="4220" y="1420"/>
+                </a:lnTo>
+                <a:cubicBezTo>
+                  <a:pt x="4330" y="1420"/>
+                  <a:pt x="4420" y="1330"/>
+                  <a:pt x="4420" y="1220"/>
+                </a:cubicBezTo>
+                <a:cubicBezTo>
+                  <a:pt x="4420" y="1110"/>
+                  <a:pt x="4330" y="1020"/>
+                  <a:pt x="4220" y="1020"/>
+                </a:cubicBezTo>
+                <a:close/>
+              </a:path>
+            </a:pathLst>
+          </a:custGeom>
+          <a:solidFill>
+            <a:srgbClr val="ED4390"/>
+          </a:solidFill>
+          <a:ln>
+            <a:solidFill>
+              <a:srgbClr val="ED4390"/>
+            </a:solidFill>
+          </a:ln>
+        </p:spPr>
+        <p:txBody>
+          <a:bodyPr/>
+          <a:lstStyle/>
+          <a:p>
+            <a:endParaRPr lang="zh-CN" altLang="en-US" sz="2000" dirty="0">
+              <a:solidFill>
+                <a:srgbClr val="002060"/>
+              </a:solidFill>
+              <a:latin typeface="Times New Roman" panose="02020603050405020304" pitchFamily="18" charset="0"/>
+              <a:cs typeface="Times New Roman" panose="02020603050405020304" pitchFamily="18" charset="0"/>
+            </a:endParaRPr>
+          </a:p>
+        </p:txBody>
+      </p:sp>
+      <p:sp>
+        <p:nvSpPr>
+          <p:cNvPr id="71" name="directional-left-arrow-symbol_56911">
+            <a:extLst>
+              <a:ext uri="{FF2B5EF4-FFF2-40B4-BE49-F238E27FC236}">
+                <a16:creationId xmlns:a16="http://schemas.microsoft.com/office/drawing/2014/main" id="{CDB4EF7D-EE3F-4808-81CA-8CB60354F382}"/>
+              </a:ext>
+            </a:extLst>
+          </p:cNvPr>
+          <p:cNvSpPr>
+            <a:spLocks noChangeAspect="1"/>
+          </p:cNvSpPr>
+          <p:nvPr/>
+        </p:nvSpPr>
+        <p:spPr bwMode="auto">
+          <a:xfrm rot="10800000" flipV="1">
+            <a:off x="5163909" y="3273372"/>
+            <a:ext cx="714300" cy="190535"/>
+          </a:xfrm>
+          <a:custGeom>
+            <a:avLst/>
+            <a:gdLst>
+              <a:gd name="T0" fmla="*/ 4220 w 4420"/>
+              <a:gd name="T1" fmla="*/ 1020 h 2420"/>
+              <a:gd name="T2" fmla="*/ 703 w 4420"/>
+              <a:gd name="T3" fmla="*/ 1020 h 2420"/>
+              <a:gd name="T4" fmla="*/ 1361 w 4420"/>
+              <a:gd name="T5" fmla="*/ 361 h 2420"/>
+              <a:gd name="T6" fmla="*/ 1361 w 4420"/>
+              <a:gd name="T7" fmla="*/ 79 h 2420"/>
+              <a:gd name="T8" fmla="*/ 1079 w 4420"/>
+              <a:gd name="T9" fmla="*/ 79 h 2420"/>
+              <a:gd name="T10" fmla="*/ 79 w 4420"/>
+              <a:gd name="T11" fmla="*/ 1079 h 2420"/>
+              <a:gd name="T12" fmla="*/ 79 w 4420"/>
+              <a:gd name="T13" fmla="*/ 1361 h 2420"/>
+              <a:gd name="T14" fmla="*/ 1079 w 4420"/>
+              <a:gd name="T15" fmla="*/ 2361 h 2420"/>
+              <a:gd name="T16" fmla="*/ 1220 w 4420"/>
+              <a:gd name="T17" fmla="*/ 2420 h 2420"/>
+              <a:gd name="T18" fmla="*/ 1361 w 4420"/>
+              <a:gd name="T19" fmla="*/ 2361 h 2420"/>
+              <a:gd name="T20" fmla="*/ 1361 w 4420"/>
+              <a:gd name="T21" fmla="*/ 2079 h 2420"/>
+              <a:gd name="T22" fmla="*/ 703 w 4420"/>
+              <a:gd name="T23" fmla="*/ 1420 h 2420"/>
+              <a:gd name="T24" fmla="*/ 4220 w 4420"/>
+              <a:gd name="T25" fmla="*/ 1420 h 2420"/>
+              <a:gd name="T26" fmla="*/ 4420 w 4420"/>
+              <a:gd name="T27" fmla="*/ 1220 h 2420"/>
+              <a:gd name="T28" fmla="*/ 4220 w 4420"/>
+              <a:gd name="T29" fmla="*/ 1020 h 2420"/>
+            </a:gdLst>
+            <a:ahLst/>
+            <a:cxnLst>
+              <a:cxn ang="0">
+                <a:pos x="T0" y="T1"/>
+              </a:cxn>
+              <a:cxn ang="0">
+                <a:pos x="T2" y="T3"/>
+              </a:cxn>
+              <a:cxn ang="0">
+                <a:pos x="T4" y="T5"/>
+              </a:cxn>
+              <a:cxn ang="0">
+                <a:pos x="T6" y="T7"/>
+              </a:cxn>
+              <a:cxn ang="0">
+                <a:pos x="T8" y="T9"/>
+              </a:cxn>
+              <a:cxn ang="0">
+                <a:pos x="T10" y="T11"/>
+              </a:cxn>
+              <a:cxn ang="0">
+                <a:pos x="T12" y="T13"/>
+              </a:cxn>
+              <a:cxn ang="0">
+                <a:pos x="T14" y="T15"/>
+              </a:cxn>
+              <a:cxn ang="0">
+                <a:pos x="T16" y="T17"/>
+              </a:cxn>
+              <a:cxn ang="0">
+                <a:pos x="T18" y="T19"/>
+              </a:cxn>
+              <a:cxn ang="0">
+                <a:pos x="T20" y="T21"/>
+              </a:cxn>
+              <a:cxn ang="0">
+                <a:pos x="T22" y="T23"/>
+              </a:cxn>
+              <a:cxn ang="0">
+                <a:pos x="T24" y="T25"/>
+              </a:cxn>
+              <a:cxn ang="0">
+                <a:pos x="T26" y="T27"/>
+              </a:cxn>
+              <a:cxn ang="0">
+                <a:pos x="T28" y="T29"/>
+              </a:cxn>
+            </a:cxnLst>
+            <a:rect l="0" t="0" r="r" b="b"/>
+            <a:pathLst>
+              <a:path w="4420" h="2420">
+                <a:moveTo>
+                  <a:pt x="4220" y="1020"/>
+                </a:moveTo>
+                <a:lnTo>
+                  <a:pt x="703" y="1020"/>
+                </a:lnTo>
+                <a:lnTo>
+                  <a:pt x="1361" y="361"/>
+                </a:lnTo>
+                <a:cubicBezTo>
+                  <a:pt x="1440" y="283"/>
+                  <a:pt x="1440" y="157"/>
+                  <a:pt x="1361" y="79"/>
+                </a:cubicBezTo>
+                <a:cubicBezTo>
+                  <a:pt x="1283" y="0"/>
+                  <a:pt x="1157" y="0"/>
+                  <a:pt x="1079" y="79"/>
+                </a:cubicBezTo>
+                <a:lnTo>
+                  <a:pt x="79" y="1079"/>
+                </a:lnTo>
+                <a:cubicBezTo>
+                  <a:pt x="0" y="1157"/>
+                  <a:pt x="0" y="1283"/>
+                  <a:pt x="79" y="1361"/>
+                </a:cubicBezTo>
+                <a:lnTo>
+                  <a:pt x="1079" y="2361"/>
+                </a:lnTo>
+                <a:cubicBezTo>
+                  <a:pt x="1118" y="2400"/>
+                  <a:pt x="1169" y="2420"/>
+                  <a:pt x="1220" y="2420"/>
+                </a:cubicBezTo>
+                <a:cubicBezTo>
+                  <a:pt x="1271" y="2420"/>
+                  <a:pt x="1322" y="2400"/>
+                  <a:pt x="1361" y="2361"/>
+                </a:cubicBezTo>
+                <a:cubicBezTo>
+                  <a:pt x="1440" y="2283"/>
+                  <a:pt x="1440" y="2157"/>
+                  <a:pt x="1361" y="2079"/>
+                </a:cubicBezTo>
+                <a:lnTo>
+                  <a:pt x="703" y="1420"/>
+                </a:lnTo>
+                <a:lnTo>
+                  <a:pt x="4220" y="1420"/>
+                </a:lnTo>
+                <a:cubicBezTo>
+                  <a:pt x="4330" y="1420"/>
+                  <a:pt x="4420" y="1330"/>
+                  <a:pt x="4420" y="1220"/>
+                </a:cubicBezTo>
+                <a:cubicBezTo>
+                  <a:pt x="4420" y="1110"/>
+                  <a:pt x="4330" y="1020"/>
+                  <a:pt x="4220" y="1020"/>
+                </a:cubicBezTo>
+                <a:close/>
+              </a:path>
+            </a:pathLst>
+          </a:custGeom>
+          <a:solidFill>
+            <a:srgbClr val="ED4390"/>
+          </a:solidFill>
+          <a:ln>
+            <a:solidFill>
+              <a:srgbClr val="ED4390"/>
+            </a:solidFill>
+          </a:ln>
+        </p:spPr>
+        <p:txBody>
+          <a:bodyPr/>
+          <a:lstStyle/>
+          <a:p>
+            <a:endParaRPr lang="zh-CN" altLang="en-US" sz="2000" dirty="0">
+              <a:solidFill>
+                <a:srgbClr val="002060"/>
+              </a:solidFill>
+              <a:latin typeface="Times New Roman" panose="02020603050405020304" pitchFamily="18" charset="0"/>
+              <a:cs typeface="Times New Roman" panose="02020603050405020304" pitchFamily="18" charset="0"/>
+            </a:endParaRPr>
+          </a:p>
+        </p:txBody>
+      </p:sp>
+      <p:sp>
+        <p:nvSpPr>
+          <p:cNvPr id="72" name="directional-left-arrow-symbol_56911">
+            <a:extLst>
+              <a:ext uri="{FF2B5EF4-FFF2-40B4-BE49-F238E27FC236}">
+                <a16:creationId xmlns:a16="http://schemas.microsoft.com/office/drawing/2014/main" id="{5DF43159-2503-4B84-9212-684CD6056D7C}"/>
+              </a:ext>
+            </a:extLst>
+          </p:cNvPr>
+          <p:cNvSpPr>
+            <a:spLocks noChangeAspect="1"/>
+          </p:cNvSpPr>
+          <p:nvPr/>
+        </p:nvSpPr>
+        <p:spPr bwMode="auto">
+          <a:xfrm rot="10800000" flipV="1">
+            <a:off x="7236192" y="3273373"/>
+            <a:ext cx="714300" cy="190535"/>
+          </a:xfrm>
+          <a:custGeom>
+            <a:avLst/>
+            <a:gdLst>
+              <a:gd name="T0" fmla="*/ 4220 w 4420"/>
+              <a:gd name="T1" fmla="*/ 1020 h 2420"/>
+              <a:gd name="T2" fmla="*/ 703 w 4420"/>
+              <a:gd name="T3" fmla="*/ 1020 h 2420"/>
+              <a:gd name="T4" fmla="*/ 1361 w 4420"/>
+              <a:gd name="T5" fmla="*/ 361 h 2420"/>
+              <a:gd name="T6" fmla="*/ 1361 w 4420"/>
+              <a:gd name="T7" fmla="*/ 79 h 2420"/>
+              <a:gd name="T8" fmla="*/ 1079 w 4420"/>
+              <a:gd name="T9" fmla="*/ 79 h 2420"/>
+              <a:gd name="T10" fmla="*/ 79 w 4420"/>
+              <a:gd name="T11" fmla="*/ 1079 h 2420"/>
+              <a:gd name="T12" fmla="*/ 79 w 4420"/>
+              <a:gd name="T13" fmla="*/ 1361 h 2420"/>
+              <a:gd name="T14" fmla="*/ 1079 w 4420"/>
+              <a:gd name="T15" fmla="*/ 2361 h 2420"/>
+              <a:gd name="T16" fmla="*/ 1220 w 4420"/>
+              <a:gd name="T17" fmla="*/ 2420 h 2420"/>
+              <a:gd name="T18" fmla="*/ 1361 w 4420"/>
+              <a:gd name="T19" fmla="*/ 2361 h 2420"/>
+              <a:gd name="T20" fmla="*/ 1361 w 4420"/>
+              <a:gd name="T21" fmla="*/ 2079 h 2420"/>
+              <a:gd name="T22" fmla="*/ 703 w 4420"/>
+              <a:gd name="T23" fmla="*/ 1420 h 2420"/>
+              <a:gd name="T24" fmla="*/ 4220 w 4420"/>
+              <a:gd name="T25" fmla="*/ 1420 h 2420"/>
+              <a:gd name="T26" fmla="*/ 4420 w 4420"/>
+              <a:gd name="T27" fmla="*/ 1220 h 2420"/>
+              <a:gd name="T28" fmla="*/ 4220 w 4420"/>
+              <a:gd name="T29" fmla="*/ 1020 h 2420"/>
+            </a:gdLst>
+            <a:ahLst/>
+            <a:cxnLst>
+              <a:cxn ang="0">
+                <a:pos x="T0" y="T1"/>
+              </a:cxn>
+              <a:cxn ang="0">
+                <a:pos x="T2" y="T3"/>
+              </a:cxn>
+              <a:cxn ang="0">
+                <a:pos x="T4" y="T5"/>
+              </a:cxn>
+              <a:cxn ang="0">
+                <a:pos x="T6" y="T7"/>
+              </a:cxn>
+              <a:cxn ang="0">
+                <a:pos x="T8" y="T9"/>
+              </a:cxn>
+              <a:cxn ang="0">
+                <a:pos x="T10" y="T11"/>
+              </a:cxn>
+              <a:cxn ang="0">
+                <a:pos x="T12" y="T13"/>
+              </a:cxn>
+              <a:cxn ang="0">
+                <a:pos x="T14" y="T15"/>
+              </a:cxn>
+              <a:cxn ang="0">
+                <a:pos x="T16" y="T17"/>
+              </a:cxn>
+              <a:cxn ang="0">
+                <a:pos x="T18" y="T19"/>
+              </a:cxn>
+              <a:cxn ang="0">
+                <a:pos x="T20" y="T21"/>
+              </a:cxn>
+              <a:cxn ang="0">
+                <a:pos x="T22" y="T23"/>
+              </a:cxn>
+              <a:cxn ang="0">
+                <a:pos x="T24" y="T25"/>
+              </a:cxn>
+              <a:cxn ang="0">
+                <a:pos x="T26" y="T27"/>
+              </a:cxn>
+              <a:cxn ang="0">
+                <a:pos x="T28" y="T29"/>
+              </a:cxn>
+            </a:cxnLst>
+            <a:rect l="0" t="0" r="r" b="b"/>
+            <a:pathLst>
+              <a:path w="4420" h="2420">
+                <a:moveTo>
+                  <a:pt x="4220" y="1020"/>
+                </a:moveTo>
+                <a:lnTo>
+                  <a:pt x="703" y="1020"/>
+                </a:lnTo>
+                <a:lnTo>
+                  <a:pt x="1361" y="361"/>
+                </a:lnTo>
+                <a:cubicBezTo>
+                  <a:pt x="1440" y="283"/>
+                  <a:pt x="1440" y="157"/>
+                  <a:pt x="1361" y="79"/>
+                </a:cubicBezTo>
+                <a:cubicBezTo>
+                  <a:pt x="1283" y="0"/>
+                  <a:pt x="1157" y="0"/>
+                  <a:pt x="1079" y="79"/>
+                </a:cubicBezTo>
+                <a:lnTo>
+                  <a:pt x="79" y="1079"/>
+                </a:lnTo>
+                <a:cubicBezTo>
+                  <a:pt x="0" y="1157"/>
+                  <a:pt x="0" y="1283"/>
+                  <a:pt x="79" y="1361"/>
+                </a:cubicBezTo>
+                <a:lnTo>
+                  <a:pt x="1079" y="2361"/>
+                </a:lnTo>
+                <a:cubicBezTo>
+                  <a:pt x="1118" y="2400"/>
+                  <a:pt x="1169" y="2420"/>
+                  <a:pt x="1220" y="2420"/>
+                </a:cubicBezTo>
+                <a:cubicBezTo>
+                  <a:pt x="1271" y="2420"/>
+                  <a:pt x="1322" y="2400"/>
+                  <a:pt x="1361" y="2361"/>
+                </a:cubicBezTo>
+                <a:cubicBezTo>
+                  <a:pt x="1440" y="2283"/>
+                  <a:pt x="1440" y="2157"/>
+                  <a:pt x="1361" y="2079"/>
+                </a:cubicBezTo>
+                <a:lnTo>
+                  <a:pt x="703" y="1420"/>
+                </a:lnTo>
+                <a:lnTo>
+                  <a:pt x="4220" y="1420"/>
+                </a:lnTo>
+                <a:cubicBezTo>
+                  <a:pt x="4330" y="1420"/>
+                  <a:pt x="4420" y="1330"/>
+                  <a:pt x="4420" y="1220"/>
+                </a:cubicBezTo>
+                <a:cubicBezTo>
+                  <a:pt x="4420" y="1110"/>
+                  <a:pt x="4330" y="1020"/>
+                  <a:pt x="4220" y="1020"/>
+                </a:cubicBezTo>
+                <a:close/>
+              </a:path>
+            </a:pathLst>
+          </a:custGeom>
+          <a:solidFill>
+            <a:srgbClr val="ED4390"/>
+          </a:solidFill>
+          <a:ln>
+            <a:solidFill>
+              <a:srgbClr val="ED4390"/>
+            </a:solidFill>
+          </a:ln>
+        </p:spPr>
+        <p:txBody>
+          <a:bodyPr/>
+          <a:lstStyle/>
+          <a:p>
+            <a:endParaRPr lang="zh-CN" altLang="en-US" sz="2000" dirty="0">
+              <a:solidFill>
+                <a:srgbClr val="002060"/>
+              </a:solidFill>
+              <a:latin typeface="Times New Roman" panose="02020603050405020304" pitchFamily="18" charset="0"/>
+              <a:cs typeface="Times New Roman" panose="02020603050405020304" pitchFamily="18" charset="0"/>
+            </a:endParaRPr>
+          </a:p>
+        </p:txBody>
+      </p:sp>
+      <p:sp>
+        <p:nvSpPr>
+          <p:cNvPr id="73" name="directional-left-arrow-symbol_56911">
+            <a:extLst>
+              <a:ext uri="{FF2B5EF4-FFF2-40B4-BE49-F238E27FC236}">
+                <a16:creationId xmlns:a16="http://schemas.microsoft.com/office/drawing/2014/main" id="{A366E271-1B75-4F76-8D61-F0F79A596B16}"/>
+              </a:ext>
+            </a:extLst>
+          </p:cNvPr>
+          <p:cNvSpPr>
+            <a:spLocks noChangeAspect="1"/>
+          </p:cNvSpPr>
+          <p:nvPr/>
+        </p:nvSpPr>
+        <p:spPr bwMode="auto">
+          <a:xfrm rot="10800000" flipV="1">
+            <a:off x="9497836" y="3273373"/>
+            <a:ext cx="714300" cy="190535"/>
+          </a:xfrm>
+          <a:custGeom>
+            <a:avLst/>
+            <a:gdLst>
+              <a:gd name="T0" fmla="*/ 4220 w 4420"/>
+              <a:gd name="T1" fmla="*/ 1020 h 2420"/>
+              <a:gd name="T2" fmla="*/ 703 w 4420"/>
+              <a:gd name="T3" fmla="*/ 1020 h 2420"/>
+              <a:gd name="T4" fmla="*/ 1361 w 4420"/>
+              <a:gd name="T5" fmla="*/ 361 h 2420"/>
+              <a:gd name="T6" fmla="*/ 1361 w 4420"/>
+              <a:gd name="T7" fmla="*/ 79 h 2420"/>
+              <a:gd name="T8" fmla="*/ 1079 w 4420"/>
+              <a:gd name="T9" fmla="*/ 79 h 2420"/>
+              <a:gd name="T10" fmla="*/ 79 w 4420"/>
+              <a:gd name="T11" fmla="*/ 1079 h 2420"/>
+              <a:gd name="T12" fmla="*/ 79 w 4420"/>
+              <a:gd name="T13" fmla="*/ 1361 h 2420"/>
+              <a:gd name="T14" fmla="*/ 1079 w 4420"/>
+              <a:gd name="T15" fmla="*/ 2361 h 2420"/>
+              <a:gd name="T16" fmla="*/ 1220 w 4420"/>
+              <a:gd name="T17" fmla="*/ 2420 h 2420"/>
+              <a:gd name="T18" fmla="*/ 1361 w 4420"/>
+              <a:gd name="T19" fmla="*/ 2361 h 2420"/>
+              <a:gd name="T20" fmla="*/ 1361 w 4420"/>
+              <a:gd name="T21" fmla="*/ 2079 h 2420"/>
+              <a:gd name="T22" fmla="*/ 703 w 4420"/>
+              <a:gd name="T23" fmla="*/ 1420 h 2420"/>
+              <a:gd name="T24" fmla="*/ 4220 w 4420"/>
+              <a:gd name="T25" fmla="*/ 1420 h 2420"/>
+              <a:gd name="T26" fmla="*/ 4420 w 4420"/>
+              <a:gd name="T27" fmla="*/ 1220 h 2420"/>
+              <a:gd name="T28" fmla="*/ 4220 w 4420"/>
+              <a:gd name="T29" fmla="*/ 1020 h 2420"/>
+            </a:gdLst>
+            <a:ahLst/>
+            <a:cxnLst>
+              <a:cxn ang="0">
+                <a:pos x="T0" y="T1"/>
+              </a:cxn>
+              <a:cxn ang="0">
+                <a:pos x="T2" y="T3"/>
+              </a:cxn>
+              <a:cxn ang="0">
+                <a:pos x="T4" y="T5"/>
+              </a:cxn>
+              <a:cxn ang="0">
+                <a:pos x="T6" y="T7"/>
+              </a:cxn>
+              <a:cxn ang="0">
+                <a:pos x="T8" y="T9"/>
+              </a:cxn>
+              <a:cxn ang="0">
+                <a:pos x="T10" y="T11"/>
+              </a:cxn>
+              <a:cxn ang="0">
+                <a:pos x="T12" y="T13"/>
+              </a:cxn>
+              <a:cxn ang="0">
+                <a:pos x="T14" y="T15"/>
+              </a:cxn>
+              <a:cxn ang="0">
+                <a:pos x="T16" y="T17"/>
+              </a:cxn>
+              <a:cxn ang="0">
+                <a:pos x="T18" y="T19"/>
+              </a:cxn>
+              <a:cxn ang="0">
+                <a:pos x="T20" y="T21"/>
+              </a:cxn>
+              <a:cxn ang="0">
+                <a:pos x="T22" y="T23"/>
+              </a:cxn>
+              <a:cxn ang="0">
+                <a:pos x="T24" y="T25"/>
+              </a:cxn>
+              <a:cxn ang="0">
+                <a:pos x="T26" y="T27"/>
+              </a:cxn>
+              <a:cxn ang="0">
+                <a:pos x="T28" y="T29"/>
+              </a:cxn>
+            </a:cxnLst>
+            <a:rect l="0" t="0" r="r" b="b"/>
+            <a:pathLst>
+              <a:path w="4420" h="2420">
+                <a:moveTo>
+                  <a:pt x="4220" y="1020"/>
+                </a:moveTo>
+                <a:lnTo>
+                  <a:pt x="703" y="1020"/>
+                </a:lnTo>
+                <a:lnTo>
+                  <a:pt x="1361" y="361"/>
+                </a:lnTo>
+                <a:cubicBezTo>
+                  <a:pt x="1440" y="283"/>
+                  <a:pt x="1440" y="157"/>
+                  <a:pt x="1361" y="79"/>
+                </a:cubicBezTo>
+                <a:cubicBezTo>
+                  <a:pt x="1283" y="0"/>
+                  <a:pt x="1157" y="0"/>
+                  <a:pt x="1079" y="79"/>
+                </a:cubicBezTo>
+                <a:lnTo>
+                  <a:pt x="79" y="1079"/>
+                </a:lnTo>
+                <a:cubicBezTo>
+                  <a:pt x="0" y="1157"/>
+                  <a:pt x="0" y="1283"/>
+                  <a:pt x="79" y="1361"/>
+                </a:cubicBezTo>
+                <a:lnTo>
+                  <a:pt x="1079" y="2361"/>
+                </a:lnTo>
+                <a:cubicBezTo>
+                  <a:pt x="1118" y="2400"/>
+                  <a:pt x="1169" y="2420"/>
+                  <a:pt x="1220" y="2420"/>
+                </a:cubicBezTo>
+                <a:cubicBezTo>
+                  <a:pt x="1271" y="2420"/>
+                  <a:pt x="1322" y="2400"/>
+                  <a:pt x="1361" y="2361"/>
+                </a:cubicBezTo>
+                <a:cubicBezTo>
+                  <a:pt x="1440" y="2283"/>
+                  <a:pt x="1440" y="2157"/>
+                  <a:pt x="1361" y="2079"/>
+                </a:cubicBezTo>
+                <a:lnTo>
+                  <a:pt x="703" y="1420"/>
+                </a:lnTo>
+                <a:lnTo>
+                  <a:pt x="4220" y="1420"/>
+                </a:lnTo>
+                <a:cubicBezTo>
+                  <a:pt x="4330" y="1420"/>
+                  <a:pt x="4420" y="1330"/>
+                  <a:pt x="4420" y="1220"/>
+                </a:cubicBezTo>
+                <a:cubicBezTo>
+                  <a:pt x="4420" y="1110"/>
+                  <a:pt x="4330" y="1020"/>
+                  <a:pt x="4220" y="1020"/>
+                </a:cubicBezTo>
+                <a:close/>
+              </a:path>
+            </a:pathLst>
+          </a:custGeom>
+          <a:solidFill>
+            <a:srgbClr val="ED4390"/>
+          </a:solidFill>
+          <a:ln>
+            <a:solidFill>
+              <a:srgbClr val="ED4390"/>
+            </a:solidFill>
+          </a:ln>
+        </p:spPr>
+        <p:txBody>
+          <a:bodyPr/>
+          <a:lstStyle/>
+          <a:p>
+            <a:endParaRPr lang="zh-CN" altLang="en-US" sz="2000" dirty="0">
+              <a:solidFill>
+                <a:srgbClr val="002060"/>
+              </a:solidFill>
+              <a:latin typeface="Times New Roman" panose="02020603050405020304" pitchFamily="18" charset="0"/>
+              <a:cs typeface="Times New Roman" panose="02020603050405020304" pitchFamily="18" charset="0"/>
+            </a:endParaRPr>
+          </a:p>
+        </p:txBody>
+      </p:sp>
+      <p:sp>
+        <p:nvSpPr>
+          <p:cNvPr id="79" name="文本框 78">
+            <a:extLst>
+              <a:ext uri="{FF2B5EF4-FFF2-40B4-BE49-F238E27FC236}">
+                <a16:creationId xmlns:a16="http://schemas.microsoft.com/office/drawing/2014/main" id="{AE9E7413-E11C-4C0D-8FCC-DA38F9FCEE1E}"/>
+              </a:ext>
+            </a:extLst>
+          </p:cNvPr>
+          <p:cNvSpPr txBox="1"/>
+          <p:nvPr/>
+        </p:nvSpPr>
+        <p:spPr>
+          <a:xfrm>
+            <a:off x="1009162" y="4654787"/>
+            <a:ext cx="961339" cy="461665"/>
+          </a:xfrm>
+          <a:prstGeom prst="rect">
+            <a:avLst/>
+          </a:prstGeom>
+          <a:noFill/>
+        </p:spPr>
+        <p:txBody>
+          <a:bodyPr wrap="square" rtlCol="0">
+            <a:spAutoFit/>
+          </a:bodyPr>
+          <a:lstStyle/>
+          <a:p>
+            <a:pPr algn="ctr"/>
+            <a:r>
+              <a:rPr lang="en-US" altLang="zh-CN" sz="2400" b="1" dirty="0">
+                <a:latin typeface="Times New Roman" panose="02020603050405020304" pitchFamily="18" charset="0"/>
+                <a:cs typeface="Times New Roman" panose="02020603050405020304" pitchFamily="18" charset="0"/>
+              </a:rPr>
+              <a:t>Input</a:t>
+            </a:r>
+          </a:p>
+        </p:txBody>
+      </p:sp>
+      <p:sp>
+        <p:nvSpPr>
+          <p:cNvPr id="80" name="文本框 79">
+            <a:extLst>
+              <a:ext uri="{FF2B5EF4-FFF2-40B4-BE49-F238E27FC236}">
+                <a16:creationId xmlns:a16="http://schemas.microsoft.com/office/drawing/2014/main" id="{5A502398-57F0-4840-B9FA-F49DB7A5FAE8}"/>
+              </a:ext>
+            </a:extLst>
+          </p:cNvPr>
+          <p:cNvSpPr txBox="1"/>
+          <p:nvPr/>
+        </p:nvSpPr>
+        <p:spPr>
+          <a:xfrm>
+            <a:off x="3362789" y="4654787"/>
+            <a:ext cx="1743970" cy="461665"/>
+          </a:xfrm>
+          <a:prstGeom prst="rect">
+            <a:avLst/>
+          </a:prstGeom>
+          <a:noFill/>
+        </p:spPr>
+        <p:txBody>
+          <a:bodyPr wrap="square" rtlCol="0">
+            <a:spAutoFit/>
+          </a:bodyPr>
+          <a:lstStyle/>
+          <a:p>
+            <a:pPr algn="ctr"/>
+            <a:r>
+              <a:rPr lang="en-US" altLang="zh-CN" sz="2400" b="1" dirty="0">
+                <a:latin typeface="Times New Roman" panose="02020603050405020304" pitchFamily="18" charset="0"/>
+                <a:cs typeface="Times New Roman" panose="02020603050405020304" pitchFamily="18" charset="0"/>
+              </a:rPr>
+              <a:t>Alignment</a:t>
+            </a:r>
+          </a:p>
+        </p:txBody>
+      </p:sp>
+      <p:sp>
+        <p:nvSpPr>
+          <p:cNvPr id="81" name="文本框 80">
+            <a:extLst>
+              <a:ext uri="{FF2B5EF4-FFF2-40B4-BE49-F238E27FC236}">
+                <a16:creationId xmlns:a16="http://schemas.microsoft.com/office/drawing/2014/main" id="{CCF9F288-0188-43AB-981E-DAB7B8CF3D11}"/>
+              </a:ext>
+            </a:extLst>
+          </p:cNvPr>
+          <p:cNvSpPr txBox="1"/>
+          <p:nvPr/>
+        </p:nvSpPr>
+        <p:spPr>
+          <a:xfrm>
+            <a:off x="5764041" y="4654787"/>
+            <a:ext cx="1743970" cy="461665"/>
+          </a:xfrm>
+          <a:prstGeom prst="rect">
+            <a:avLst/>
+          </a:prstGeom>
+          <a:noFill/>
+        </p:spPr>
+        <p:txBody>
+          <a:bodyPr wrap="square" rtlCol="0">
+            <a:spAutoFit/>
+          </a:bodyPr>
+          <a:lstStyle/>
+          <a:p>
+            <a:pPr algn="ctr"/>
+            <a:r>
+              <a:rPr lang="en-US" altLang="zh-CN" sz="2400" b="1" dirty="0">
+                <a:latin typeface="Times New Roman" panose="02020603050405020304" pitchFamily="18" charset="0"/>
+                <a:cs typeface="Times New Roman" panose="02020603050405020304" pitchFamily="18" charset="0"/>
+              </a:rPr>
+              <a:t>Adjustment</a:t>
+            </a:r>
+          </a:p>
+        </p:txBody>
+      </p:sp>
+      <p:sp>
+        <p:nvSpPr>
+          <p:cNvPr id="82" name="文本框 81">
+            <a:extLst>
+              <a:ext uri="{FF2B5EF4-FFF2-40B4-BE49-F238E27FC236}">
+                <a16:creationId xmlns:a16="http://schemas.microsoft.com/office/drawing/2014/main" id="{61A2DC02-95F5-4DE8-BBC2-BD1C2A3BD363}"/>
+              </a:ext>
+            </a:extLst>
+          </p:cNvPr>
+          <p:cNvSpPr txBox="1"/>
+          <p:nvPr/>
+        </p:nvSpPr>
+        <p:spPr>
+          <a:xfrm>
+            <a:off x="8012893" y="4654787"/>
+            <a:ext cx="1588307" cy="461665"/>
+          </a:xfrm>
+          <a:prstGeom prst="rect">
+            <a:avLst/>
+          </a:prstGeom>
+          <a:noFill/>
+        </p:spPr>
+        <p:txBody>
+          <a:bodyPr wrap="square" rtlCol="0">
+            <a:spAutoFit/>
+          </a:bodyPr>
+          <a:lstStyle/>
+          <a:p>
+            <a:pPr algn="ctr"/>
+            <a:r>
+              <a:rPr lang="en-US" altLang="zh-CN" sz="2400" b="1" dirty="0">
+                <a:latin typeface="Times New Roman" panose="02020603050405020304" pitchFamily="18" charset="0"/>
+                <a:cs typeface="Times New Roman" panose="02020603050405020304" pitchFamily="18" charset="0"/>
+              </a:rPr>
+              <a:t>Processing</a:t>
+            </a:r>
+          </a:p>
+        </p:txBody>
+      </p:sp>
+      <p:sp>
+        <p:nvSpPr>
+          <p:cNvPr id="83" name="文本框 82">
+            <a:extLst>
+              <a:ext uri="{FF2B5EF4-FFF2-40B4-BE49-F238E27FC236}">
+                <a16:creationId xmlns:a16="http://schemas.microsoft.com/office/drawing/2014/main" id="{3DAF8C83-45E6-49A9-9842-77A80B46C748}"/>
+              </a:ext>
+            </a:extLst>
+          </p:cNvPr>
+          <p:cNvSpPr txBox="1"/>
+          <p:nvPr/>
+        </p:nvSpPr>
+        <p:spPr>
+          <a:xfrm>
+            <a:off x="10353675" y="4654787"/>
+            <a:ext cx="1221836" cy="461665"/>
+          </a:xfrm>
+          <a:prstGeom prst="rect">
+            <a:avLst/>
+          </a:prstGeom>
+          <a:noFill/>
+        </p:spPr>
+        <p:txBody>
+          <a:bodyPr wrap="square" rtlCol="0">
+            <a:spAutoFit/>
+          </a:bodyPr>
+          <a:lstStyle/>
+          <a:p>
+            <a:pPr algn="ctr"/>
+            <a:r>
+              <a:rPr lang="en-US" altLang="zh-CN" sz="2400" b="1" dirty="0">
+                <a:latin typeface="Times New Roman" panose="02020603050405020304" pitchFamily="18" charset="0"/>
+                <a:cs typeface="Times New Roman" panose="02020603050405020304" pitchFamily="18" charset="0"/>
+              </a:rPr>
+              <a:t>Output</a:t>
+            </a:r>
+          </a:p>
+        </p:txBody>
+      </p:sp>
+    </p:spTree>
+    <p:extLst>
+      <p:ext uri="{BB962C8B-B14F-4D97-AF65-F5344CB8AC3E}">
+        <p14:creationId xmlns:p14="http://schemas.microsoft.com/office/powerpoint/2010/main" val="366375521"/>
+      </p:ext>
+    </p:extLst>
+  </p:cSld>
+  <p:clrMapOvr>
+    <a:masterClrMapping/>
+  </p:clrMapOvr>
+</p:sld>
+</file>
+
 <file path=ppt/theme/theme1.xml><?xml version="1.0" encoding="utf-8"?>
 <a:theme xmlns:a="http://schemas.openxmlformats.org/drawingml/2006/main" name="Office 主题​​">
   <a:themeElements>

--- a/SEC.pptx
+++ b/SEC.pptx
@@ -4194,8 +4194,8 @@
         </p:nvSpPr>
         <p:spPr>
           <a:xfrm>
-            <a:off x="4027075" y="3905825"/>
-            <a:ext cx="3439467" cy="523220"/>
+            <a:off x="3646309" y="3905825"/>
+            <a:ext cx="3820234" cy="523220"/>
           </a:xfrm>
           <a:prstGeom prst="rect">
             <a:avLst/>
@@ -4213,7 +4213,7 @@
                 <a:latin typeface="Times New Roman" panose="02020603050405020304" pitchFamily="18" charset="0"/>
                 <a:cs typeface="Times New Roman" panose="02020603050405020304" pitchFamily="18" charset="0"/>
               </a:rPr>
-              <a:t>Range: 1.5 m &amp; 30</a:t>
+              <a:t>Range: 1.8 / 6 m &amp; 30</a:t>
             </a:r>
             <a:r>
               <a:rPr lang="zh-CN" altLang="en-US" sz="2800" b="1" baseline="30000" dirty="0">
@@ -4314,7 +4314,7 @@
                 <a:latin typeface="Times New Roman" panose="02020603050405020304" pitchFamily="18" charset="0"/>
                 <a:cs typeface="Times New Roman" panose="02020603050405020304" pitchFamily="18" charset="0"/>
               </a:rPr>
-              <a:t>Multi-type Contents</a:t>
+              <a:t>Complex Characters</a:t>
             </a:r>
             <a:endParaRPr lang="zh-CN" altLang="en-US" sz="2800" b="1" dirty="0">
               <a:latin typeface="Times New Roman" panose="02020603050405020304" pitchFamily="18" charset="0"/>

--- a/SEC.pptx
+++ b/SEC.pptx
@@ -9340,47 +9340,12 @@
           <a:chExt cx="0" cy="0"/>
         </a:xfrm>
       </p:grpSpPr>
-      <p:pic>
-        <p:nvPicPr>
-          <p:cNvPr id="5" name="图片 4" descr="电脑显示屏&#10;&#10;描述已自动生成">
+      <p:grpSp>
+        <p:nvGrpSpPr>
+          <p:cNvPr id="6" name="组合 5">
             <a:extLst>
               <a:ext uri="{FF2B5EF4-FFF2-40B4-BE49-F238E27FC236}">
-                <a16:creationId xmlns:a16="http://schemas.microsoft.com/office/drawing/2014/main" id="{739C34DE-6BEE-4DC1-8CB0-351A9FFC383D}"/>
-              </a:ext>
-            </a:extLst>
-          </p:cNvPr>
-          <p:cNvPicPr>
-            <a:picLocks noChangeAspect="1"/>
-          </p:cNvPicPr>
-          <p:nvPr/>
-        </p:nvPicPr>
-        <p:blipFill rotWithShape="1">
-          <a:blip r:embed="rId2" cstate="print">
-            <a:extLst>
-              <a:ext uri="{28A0092B-C50C-407E-A947-70E740481C1C}">
-                <a14:useLocalDpi xmlns:a14="http://schemas.microsoft.com/office/drawing/2010/main" val="0"/>
-              </a:ext>
-            </a:extLst>
-          </a:blip>
-          <a:srcRect l="5403" r="8328"/>
-          <a:stretch/>
-        </p:blipFill>
-        <p:spPr>
-          <a:xfrm>
-            <a:off x="1302327" y="1041274"/>
-            <a:ext cx="4682836" cy="4071135"/>
-          </a:xfrm>
-          <a:prstGeom prst="rect">
-            <a:avLst/>
-          </a:prstGeom>
-        </p:spPr>
-      </p:pic>
-      <p:grpSp>
-        <p:nvGrpSpPr>
-          <p:cNvPr id="14" name="组合 13">
-            <a:extLst>
-              <a:ext uri="{FF2B5EF4-FFF2-40B4-BE49-F238E27FC236}">
-                <a16:creationId xmlns:a16="http://schemas.microsoft.com/office/drawing/2014/main" id="{5C5CC087-97CE-4F57-A305-C29393A01E98}"/>
+                <a16:creationId xmlns:a16="http://schemas.microsoft.com/office/drawing/2014/main" id="{55A00F7B-BA8F-4B3D-A212-EA73D7F5D220}"/>
               </a:ext>
             </a:extLst>
           </p:cNvPr>
@@ -9389,15 +9354,47 @@
         </p:nvGrpSpPr>
         <p:grpSpPr>
           <a:xfrm>
-            <a:off x="4803611" y="1135991"/>
-            <a:ext cx="1116896" cy="2071334"/>
-            <a:chOff x="8497454" y="-287705"/>
-            <a:chExt cx="1440873" cy="2672164"/>
+            <a:off x="1302327" y="1041274"/>
+            <a:ext cx="4682836" cy="4071135"/>
+            <a:chOff x="1302327" y="1041274"/>
+            <a:chExt cx="4682836" cy="4071135"/>
           </a:xfrm>
-          <a:solidFill>
-            <a:srgbClr val="ECE0EE"/>
-          </a:solidFill>
         </p:grpSpPr>
+        <p:pic>
+          <p:nvPicPr>
+            <p:cNvPr id="5" name="图片 4" descr="电脑显示屏&#10;&#10;描述已自动生成">
+              <a:extLst>
+                <a:ext uri="{FF2B5EF4-FFF2-40B4-BE49-F238E27FC236}">
+                  <a16:creationId xmlns:a16="http://schemas.microsoft.com/office/drawing/2014/main" id="{739C34DE-6BEE-4DC1-8CB0-351A9FFC383D}"/>
+                </a:ext>
+              </a:extLst>
+            </p:cNvPr>
+            <p:cNvPicPr>
+              <a:picLocks noChangeAspect="1"/>
+            </p:cNvPicPr>
+            <p:nvPr/>
+          </p:nvPicPr>
+          <p:blipFill rotWithShape="1">
+            <a:blip r:embed="rId2" cstate="print">
+              <a:extLst>
+                <a:ext uri="{28A0092B-C50C-407E-A947-70E740481C1C}">
+                  <a14:useLocalDpi xmlns:a14="http://schemas.microsoft.com/office/drawing/2010/main" val="0"/>
+                </a:ext>
+              </a:extLst>
+            </a:blip>
+            <a:srcRect l="5403" r="8328"/>
+            <a:stretch/>
+          </p:blipFill>
+          <p:spPr>
+            <a:xfrm>
+              <a:off x="1302327" y="1041274"/>
+              <a:ext cx="4682836" cy="4071135"/>
+            </a:xfrm>
+            <a:prstGeom prst="rect">
+              <a:avLst/>
+            </a:prstGeom>
+          </p:spPr>
+        </p:pic>
         <p:sp>
           <p:nvSpPr>
             <p:cNvPr id="10" name="矩形: 圆角 10">
@@ -9412,13 +9409,15 @@
           </p:nvSpPr>
           <p:spPr>
             <a:xfrm>
-              <a:off x="8497454" y="-287705"/>
-              <a:ext cx="1440873" cy="2672164"/>
+              <a:off x="4663403" y="2261330"/>
+              <a:ext cx="1116896" cy="829342"/>
             </a:xfrm>
             <a:prstGeom prst="roundRect">
               <a:avLst/>
             </a:prstGeom>
-            <a:grpFill/>
+            <a:solidFill>
+              <a:srgbClr val="ECE0EE"/>
+            </a:solidFill>
             <a:ln w="38100">
               <a:solidFill>
                 <a:srgbClr val="ED4390"/>
@@ -9458,418 +9457,636 @@
             </a:p>
           </p:txBody>
         </p:sp>
-        <p:pic>
-          <p:nvPicPr>
-            <p:cNvPr id="9" name="图片 8" descr="手机屏幕截图&#10;&#10;描述已自动生成">
+        <p:sp>
+          <p:nvSpPr>
+            <p:cNvPr id="16" name="directional-left-arrow-symbol_56911">
               <a:extLst>
                 <a:ext uri="{FF2B5EF4-FFF2-40B4-BE49-F238E27FC236}">
-                  <a16:creationId xmlns:a16="http://schemas.microsoft.com/office/drawing/2014/main" id="{6B2621E5-DE0A-4457-ACDF-E2B07AF6F04D}"/>
+                  <a16:creationId xmlns:a16="http://schemas.microsoft.com/office/drawing/2014/main" id="{0B2F13FB-B4B2-40C5-A48F-C17B392035CD}"/>
                 </a:ext>
               </a:extLst>
             </p:cNvPr>
-            <p:cNvPicPr>
-              <a:picLocks noChangeAspect="1"/>
-            </p:cNvPicPr>
+            <p:cNvSpPr>
+              <a:spLocks noChangeAspect="1"/>
+            </p:cNvSpPr>
             <p:nvPr/>
-          </p:nvPicPr>
-          <p:blipFill>
-            <a:blip r:embed="rId3" cstate="print">
-              <a:extLst>
-                <a:ext uri="{28A0092B-C50C-407E-A947-70E740481C1C}">
-                  <a14:useLocalDpi xmlns:a14="http://schemas.microsoft.com/office/drawing/2010/main" val="0"/>
-                </a:ext>
-              </a:extLst>
-            </a:blip>
-            <a:stretch>
-              <a:fillRect/>
-            </a:stretch>
-          </p:blipFill>
-          <p:spPr>
-            <a:xfrm rot="5400000">
-              <a:off x="8274220" y="690112"/>
-              <a:ext cx="1887339" cy="1062182"/>
+          </p:nvSpPr>
+          <p:spPr bwMode="auto">
+            <a:xfrm rot="7301825" flipV="1">
+              <a:off x="4310302" y="3484424"/>
+              <a:ext cx="765207" cy="204114"/>
             </a:xfrm>
-            <a:prstGeom prst="rect">
+            <a:custGeom>
               <a:avLst/>
-            </a:prstGeom>
-            <a:grpFill/>
-          </p:spPr>
-        </p:pic>
-      </p:grpSp>
-      <p:sp>
-        <p:nvSpPr>
-          <p:cNvPr id="16" name="directional-left-arrow-symbol_56911">
-            <a:extLst>
-              <a:ext uri="{FF2B5EF4-FFF2-40B4-BE49-F238E27FC236}">
-                <a16:creationId xmlns:a16="http://schemas.microsoft.com/office/drawing/2014/main" id="{0B2F13FB-B4B2-40C5-A48F-C17B392035CD}"/>
-              </a:ext>
-            </a:extLst>
-          </p:cNvPr>
-          <p:cNvSpPr>
-            <a:spLocks noChangeAspect="1"/>
-          </p:cNvSpPr>
-          <p:nvPr/>
-        </p:nvSpPr>
-        <p:spPr bwMode="auto">
-          <a:xfrm rot="7301825" flipV="1">
-            <a:off x="4310302" y="3484424"/>
-            <a:ext cx="765207" cy="204114"/>
-          </a:xfrm>
-          <a:custGeom>
-            <a:avLst/>
-            <a:gdLst>
-              <a:gd name="T0" fmla="*/ 4220 w 4420"/>
-              <a:gd name="T1" fmla="*/ 1020 h 2420"/>
-              <a:gd name="T2" fmla="*/ 703 w 4420"/>
-              <a:gd name="T3" fmla="*/ 1020 h 2420"/>
-              <a:gd name="T4" fmla="*/ 1361 w 4420"/>
-              <a:gd name="T5" fmla="*/ 361 h 2420"/>
-              <a:gd name="T6" fmla="*/ 1361 w 4420"/>
-              <a:gd name="T7" fmla="*/ 79 h 2420"/>
-              <a:gd name="T8" fmla="*/ 1079 w 4420"/>
-              <a:gd name="T9" fmla="*/ 79 h 2420"/>
-              <a:gd name="T10" fmla="*/ 79 w 4420"/>
-              <a:gd name="T11" fmla="*/ 1079 h 2420"/>
-              <a:gd name="T12" fmla="*/ 79 w 4420"/>
-              <a:gd name="T13" fmla="*/ 1361 h 2420"/>
-              <a:gd name="T14" fmla="*/ 1079 w 4420"/>
-              <a:gd name="T15" fmla="*/ 2361 h 2420"/>
-              <a:gd name="T16" fmla="*/ 1220 w 4420"/>
-              <a:gd name="T17" fmla="*/ 2420 h 2420"/>
-              <a:gd name="T18" fmla="*/ 1361 w 4420"/>
-              <a:gd name="T19" fmla="*/ 2361 h 2420"/>
-              <a:gd name="T20" fmla="*/ 1361 w 4420"/>
-              <a:gd name="T21" fmla="*/ 2079 h 2420"/>
-              <a:gd name="T22" fmla="*/ 703 w 4420"/>
-              <a:gd name="T23" fmla="*/ 1420 h 2420"/>
-              <a:gd name="T24" fmla="*/ 4220 w 4420"/>
-              <a:gd name="T25" fmla="*/ 1420 h 2420"/>
-              <a:gd name="T26" fmla="*/ 4420 w 4420"/>
-              <a:gd name="T27" fmla="*/ 1220 h 2420"/>
-              <a:gd name="T28" fmla="*/ 4220 w 4420"/>
-              <a:gd name="T29" fmla="*/ 1020 h 2420"/>
-            </a:gdLst>
-            <a:ahLst/>
-            <a:cxnLst>
-              <a:cxn ang="0">
-                <a:pos x="T0" y="T1"/>
-              </a:cxn>
-              <a:cxn ang="0">
-                <a:pos x="T2" y="T3"/>
-              </a:cxn>
-              <a:cxn ang="0">
-                <a:pos x="T4" y="T5"/>
-              </a:cxn>
-              <a:cxn ang="0">
-                <a:pos x="T6" y="T7"/>
-              </a:cxn>
-              <a:cxn ang="0">
-                <a:pos x="T8" y="T9"/>
-              </a:cxn>
-              <a:cxn ang="0">
-                <a:pos x="T10" y="T11"/>
-              </a:cxn>
-              <a:cxn ang="0">
-                <a:pos x="T12" y="T13"/>
-              </a:cxn>
-              <a:cxn ang="0">
-                <a:pos x="T14" y="T15"/>
-              </a:cxn>
-              <a:cxn ang="0">
-                <a:pos x="T16" y="T17"/>
-              </a:cxn>
-              <a:cxn ang="0">
-                <a:pos x="T18" y="T19"/>
-              </a:cxn>
-              <a:cxn ang="0">
-                <a:pos x="T20" y="T21"/>
-              </a:cxn>
-              <a:cxn ang="0">
-                <a:pos x="T22" y="T23"/>
-              </a:cxn>
-              <a:cxn ang="0">
-                <a:pos x="T24" y="T25"/>
-              </a:cxn>
-              <a:cxn ang="0">
-                <a:pos x="T26" y="T27"/>
-              </a:cxn>
-              <a:cxn ang="0">
-                <a:pos x="T28" y="T29"/>
-              </a:cxn>
-            </a:cxnLst>
-            <a:rect l="0" t="0" r="r" b="b"/>
-            <a:pathLst>
-              <a:path w="4420" h="2420">
-                <a:moveTo>
-                  <a:pt x="4220" y="1020"/>
-                </a:moveTo>
-                <a:lnTo>
-                  <a:pt x="703" y="1020"/>
-                </a:lnTo>
-                <a:lnTo>
-                  <a:pt x="1361" y="361"/>
-                </a:lnTo>
-                <a:cubicBezTo>
-                  <a:pt x="1440" y="283"/>
-                  <a:pt x="1440" y="157"/>
-                  <a:pt x="1361" y="79"/>
-                </a:cubicBezTo>
-                <a:cubicBezTo>
-                  <a:pt x="1283" y="0"/>
-                  <a:pt x="1157" y="0"/>
-                  <a:pt x="1079" y="79"/>
-                </a:cubicBezTo>
-                <a:lnTo>
-                  <a:pt x="79" y="1079"/>
-                </a:lnTo>
-                <a:cubicBezTo>
-                  <a:pt x="0" y="1157"/>
-                  <a:pt x="0" y="1283"/>
-                  <a:pt x="79" y="1361"/>
-                </a:cubicBezTo>
-                <a:lnTo>
-                  <a:pt x="1079" y="2361"/>
-                </a:lnTo>
-                <a:cubicBezTo>
-                  <a:pt x="1118" y="2400"/>
-                  <a:pt x="1169" y="2420"/>
-                  <a:pt x="1220" y="2420"/>
-                </a:cubicBezTo>
-                <a:cubicBezTo>
-                  <a:pt x="1271" y="2420"/>
-                  <a:pt x="1322" y="2400"/>
-                  <a:pt x="1361" y="2361"/>
-                </a:cubicBezTo>
-                <a:cubicBezTo>
-                  <a:pt x="1440" y="2283"/>
-                  <a:pt x="1440" y="2157"/>
-                  <a:pt x="1361" y="2079"/>
-                </a:cubicBezTo>
-                <a:lnTo>
-                  <a:pt x="703" y="1420"/>
-                </a:lnTo>
-                <a:lnTo>
-                  <a:pt x="4220" y="1420"/>
-                </a:lnTo>
-                <a:cubicBezTo>
-                  <a:pt x="4330" y="1420"/>
-                  <a:pt x="4420" y="1330"/>
-                  <a:pt x="4420" y="1220"/>
-                </a:cubicBezTo>
-                <a:cubicBezTo>
-                  <a:pt x="4420" y="1110"/>
-                  <a:pt x="4330" y="1020"/>
-                  <a:pt x="4220" y="1020"/>
-                </a:cubicBezTo>
-                <a:close/>
-              </a:path>
-            </a:pathLst>
-          </a:custGeom>
-          <a:solidFill>
-            <a:srgbClr val="FF0000"/>
-          </a:solidFill>
-          <a:ln>
+              <a:gdLst>
+                <a:gd name="T0" fmla="*/ 4220 w 4420"/>
+                <a:gd name="T1" fmla="*/ 1020 h 2420"/>
+                <a:gd name="T2" fmla="*/ 703 w 4420"/>
+                <a:gd name="T3" fmla="*/ 1020 h 2420"/>
+                <a:gd name="T4" fmla="*/ 1361 w 4420"/>
+                <a:gd name="T5" fmla="*/ 361 h 2420"/>
+                <a:gd name="T6" fmla="*/ 1361 w 4420"/>
+                <a:gd name="T7" fmla="*/ 79 h 2420"/>
+                <a:gd name="T8" fmla="*/ 1079 w 4420"/>
+                <a:gd name="T9" fmla="*/ 79 h 2420"/>
+                <a:gd name="T10" fmla="*/ 79 w 4420"/>
+                <a:gd name="T11" fmla="*/ 1079 h 2420"/>
+                <a:gd name="T12" fmla="*/ 79 w 4420"/>
+                <a:gd name="T13" fmla="*/ 1361 h 2420"/>
+                <a:gd name="T14" fmla="*/ 1079 w 4420"/>
+                <a:gd name="T15" fmla="*/ 2361 h 2420"/>
+                <a:gd name="T16" fmla="*/ 1220 w 4420"/>
+                <a:gd name="T17" fmla="*/ 2420 h 2420"/>
+                <a:gd name="T18" fmla="*/ 1361 w 4420"/>
+                <a:gd name="T19" fmla="*/ 2361 h 2420"/>
+                <a:gd name="T20" fmla="*/ 1361 w 4420"/>
+                <a:gd name="T21" fmla="*/ 2079 h 2420"/>
+                <a:gd name="T22" fmla="*/ 703 w 4420"/>
+                <a:gd name="T23" fmla="*/ 1420 h 2420"/>
+                <a:gd name="T24" fmla="*/ 4220 w 4420"/>
+                <a:gd name="T25" fmla="*/ 1420 h 2420"/>
+                <a:gd name="T26" fmla="*/ 4420 w 4420"/>
+                <a:gd name="T27" fmla="*/ 1220 h 2420"/>
+                <a:gd name="T28" fmla="*/ 4220 w 4420"/>
+                <a:gd name="T29" fmla="*/ 1020 h 2420"/>
+              </a:gdLst>
+              <a:ahLst/>
+              <a:cxnLst>
+                <a:cxn ang="0">
+                  <a:pos x="T0" y="T1"/>
+                </a:cxn>
+                <a:cxn ang="0">
+                  <a:pos x="T2" y="T3"/>
+                </a:cxn>
+                <a:cxn ang="0">
+                  <a:pos x="T4" y="T5"/>
+                </a:cxn>
+                <a:cxn ang="0">
+                  <a:pos x="T6" y="T7"/>
+                </a:cxn>
+                <a:cxn ang="0">
+                  <a:pos x="T8" y="T9"/>
+                </a:cxn>
+                <a:cxn ang="0">
+                  <a:pos x="T10" y="T11"/>
+                </a:cxn>
+                <a:cxn ang="0">
+                  <a:pos x="T12" y="T13"/>
+                </a:cxn>
+                <a:cxn ang="0">
+                  <a:pos x="T14" y="T15"/>
+                </a:cxn>
+                <a:cxn ang="0">
+                  <a:pos x="T16" y="T17"/>
+                </a:cxn>
+                <a:cxn ang="0">
+                  <a:pos x="T18" y="T19"/>
+                </a:cxn>
+                <a:cxn ang="0">
+                  <a:pos x="T20" y="T21"/>
+                </a:cxn>
+                <a:cxn ang="0">
+                  <a:pos x="T22" y="T23"/>
+                </a:cxn>
+                <a:cxn ang="0">
+                  <a:pos x="T24" y="T25"/>
+                </a:cxn>
+                <a:cxn ang="0">
+                  <a:pos x="T26" y="T27"/>
+                </a:cxn>
+                <a:cxn ang="0">
+                  <a:pos x="T28" y="T29"/>
+                </a:cxn>
+              </a:cxnLst>
+              <a:rect l="0" t="0" r="r" b="b"/>
+              <a:pathLst>
+                <a:path w="4420" h="2420">
+                  <a:moveTo>
+                    <a:pt x="4220" y="1020"/>
+                  </a:moveTo>
+                  <a:lnTo>
+                    <a:pt x="703" y="1020"/>
+                  </a:lnTo>
+                  <a:lnTo>
+                    <a:pt x="1361" y="361"/>
+                  </a:lnTo>
+                  <a:cubicBezTo>
+                    <a:pt x="1440" y="283"/>
+                    <a:pt x="1440" y="157"/>
+                    <a:pt x="1361" y="79"/>
+                  </a:cubicBezTo>
+                  <a:cubicBezTo>
+                    <a:pt x="1283" y="0"/>
+                    <a:pt x="1157" y="0"/>
+                    <a:pt x="1079" y="79"/>
+                  </a:cubicBezTo>
+                  <a:lnTo>
+                    <a:pt x="79" y="1079"/>
+                  </a:lnTo>
+                  <a:cubicBezTo>
+                    <a:pt x="0" y="1157"/>
+                    <a:pt x="0" y="1283"/>
+                    <a:pt x="79" y="1361"/>
+                  </a:cubicBezTo>
+                  <a:lnTo>
+                    <a:pt x="1079" y="2361"/>
+                  </a:lnTo>
+                  <a:cubicBezTo>
+                    <a:pt x="1118" y="2400"/>
+                    <a:pt x="1169" y="2420"/>
+                    <a:pt x="1220" y="2420"/>
+                  </a:cubicBezTo>
+                  <a:cubicBezTo>
+                    <a:pt x="1271" y="2420"/>
+                    <a:pt x="1322" y="2400"/>
+                    <a:pt x="1361" y="2361"/>
+                  </a:cubicBezTo>
+                  <a:cubicBezTo>
+                    <a:pt x="1440" y="2283"/>
+                    <a:pt x="1440" y="2157"/>
+                    <a:pt x="1361" y="2079"/>
+                  </a:cubicBezTo>
+                  <a:lnTo>
+                    <a:pt x="703" y="1420"/>
+                  </a:lnTo>
+                  <a:lnTo>
+                    <a:pt x="4220" y="1420"/>
+                  </a:lnTo>
+                  <a:cubicBezTo>
+                    <a:pt x="4330" y="1420"/>
+                    <a:pt x="4420" y="1330"/>
+                    <a:pt x="4420" y="1220"/>
+                  </a:cubicBezTo>
+                  <a:cubicBezTo>
+                    <a:pt x="4420" y="1110"/>
+                    <a:pt x="4330" y="1020"/>
+                    <a:pt x="4220" y="1020"/>
+                  </a:cubicBezTo>
+                  <a:close/>
+                </a:path>
+              </a:pathLst>
+            </a:custGeom>
             <a:solidFill>
               <a:srgbClr val="FF0000"/>
             </a:solidFill>
-          </a:ln>
-        </p:spPr>
-        <p:txBody>
-          <a:bodyPr/>
-          <a:lstStyle/>
-          <a:p>
-            <a:endParaRPr lang="zh-CN" altLang="en-US" sz="2000" dirty="0">
+            <a:ln>
               <a:solidFill>
-                <a:srgbClr val="002060"/>
-              </a:solidFill>
-              <a:latin typeface="Times New Roman" panose="02020603050405020304" pitchFamily="18" charset="0"/>
-              <a:cs typeface="Times New Roman" panose="02020603050405020304" pitchFamily="18" charset="0"/>
-            </a:endParaRPr>
-          </a:p>
-        </p:txBody>
-      </p:sp>
-      <p:grpSp>
-        <p:nvGrpSpPr>
-          <p:cNvPr id="21" name="组合 20">
-            <a:extLst>
-              <a:ext uri="{FF2B5EF4-FFF2-40B4-BE49-F238E27FC236}">
-                <a16:creationId xmlns:a16="http://schemas.microsoft.com/office/drawing/2014/main" id="{C0043225-9013-4168-ACA7-4294B2E17841}"/>
-              </a:ext>
-            </a:extLst>
-          </p:cNvPr>
-          <p:cNvGrpSpPr/>
-          <p:nvPr/>
-        </p:nvGrpSpPr>
-        <p:grpSpPr>
-          <a:xfrm>
-            <a:off x="2317261" y="1293905"/>
-            <a:ext cx="1088634" cy="504374"/>
-            <a:chOff x="6972389" y="4037105"/>
-            <a:chExt cx="1088634" cy="504374"/>
-          </a:xfrm>
-        </p:grpSpPr>
-        <p:sp>
-          <p:nvSpPr>
-            <p:cNvPr id="19" name="矩形: 圆角 47">
-              <a:extLst>
-                <a:ext uri="{FF2B5EF4-FFF2-40B4-BE49-F238E27FC236}">
-                  <a16:creationId xmlns:a16="http://schemas.microsoft.com/office/drawing/2014/main" id="{BA83CC3C-6800-40DD-98CD-9C94A1D695E7}"/>
-                </a:ext>
-              </a:extLst>
-            </p:cNvPr>
-            <p:cNvSpPr/>
-            <p:nvPr/>
-          </p:nvSpPr>
-          <p:spPr>
-            <a:xfrm>
-              <a:off x="6972389" y="4037105"/>
-              <a:ext cx="1088634" cy="504374"/>
-            </a:xfrm>
-            <a:prstGeom prst="roundRect">
-              <a:avLst/>
-            </a:prstGeom>
-            <a:solidFill>
-              <a:srgbClr val="ECE0EE"/>
-            </a:solidFill>
-            <a:ln w="28575">
-              <a:solidFill>
-                <a:srgbClr val="ED4390"/>
+                <a:srgbClr val="FF0000"/>
               </a:solidFill>
             </a:ln>
           </p:spPr>
-          <p:style>
-            <a:lnRef idx="2">
-              <a:schemeClr val="accent1">
-                <a:shade val="50000"/>
-              </a:schemeClr>
-            </a:lnRef>
-            <a:fillRef idx="1">
-              <a:schemeClr val="accent1"/>
-            </a:fillRef>
-            <a:effectRef idx="0">
-              <a:schemeClr val="accent1"/>
-            </a:effectRef>
-            <a:fontRef idx="minor">
-              <a:schemeClr val="lt1"/>
-            </a:fontRef>
-          </p:style>
           <p:txBody>
-            <a:bodyPr rot="0" spcFirstLastPara="0" vert="horz" wrap="square" lIns="91440" tIns="45720" rIns="91440" bIns="45720" numCol="1" spcCol="0" rtlCol="0" fromWordArt="0" anchor="ctr" anchorCtr="0" forceAA="0" compatLnSpc="1">
-              <a:prstTxWarp prst="textNoShape">
-                <a:avLst/>
-              </a:prstTxWarp>
-              <a:noAutofit/>
-            </a:bodyPr>
-            <a:lstStyle>
-              <a:defPPr>
-                <a:defRPr lang="zh-CN"/>
-              </a:defPPr>
-              <a:lvl1pPr marL="0" algn="l" defTabSz="914400" rtl="0" eaLnBrk="1" latinLnBrk="0" hangingPunct="1">
-                <a:defRPr sz="1800" kern="1200">
-                  <a:solidFill>
-                    <a:schemeClr val="lt1"/>
-                  </a:solidFill>
-                  <a:latin typeface="+mn-lt"/>
-                  <a:ea typeface="+mn-ea"/>
-                  <a:cs typeface="+mn-cs"/>
-                </a:defRPr>
-              </a:lvl1pPr>
-              <a:lvl2pPr marL="457200" algn="l" defTabSz="914400" rtl="0" eaLnBrk="1" latinLnBrk="0" hangingPunct="1">
-                <a:defRPr sz="1800" kern="1200">
-                  <a:solidFill>
-                    <a:schemeClr val="lt1"/>
-                  </a:solidFill>
-                  <a:latin typeface="+mn-lt"/>
-                  <a:ea typeface="+mn-ea"/>
-                  <a:cs typeface="+mn-cs"/>
-                </a:defRPr>
-              </a:lvl2pPr>
-              <a:lvl3pPr marL="914400" algn="l" defTabSz="914400" rtl="0" eaLnBrk="1" latinLnBrk="0" hangingPunct="1">
-                <a:defRPr sz="1800" kern="1200">
-                  <a:solidFill>
-                    <a:schemeClr val="lt1"/>
-                  </a:solidFill>
-                  <a:latin typeface="+mn-lt"/>
-                  <a:ea typeface="+mn-ea"/>
-                  <a:cs typeface="+mn-cs"/>
-                </a:defRPr>
-              </a:lvl3pPr>
-              <a:lvl4pPr marL="1371600" algn="l" defTabSz="914400" rtl="0" eaLnBrk="1" latinLnBrk="0" hangingPunct="1">
-                <a:defRPr sz="1800" kern="1200">
-                  <a:solidFill>
-                    <a:schemeClr val="lt1"/>
-                  </a:solidFill>
-                  <a:latin typeface="+mn-lt"/>
-                  <a:ea typeface="+mn-ea"/>
-                  <a:cs typeface="+mn-cs"/>
-                </a:defRPr>
-              </a:lvl4pPr>
-              <a:lvl5pPr marL="1828800" algn="l" defTabSz="914400" rtl="0" eaLnBrk="1" latinLnBrk="0" hangingPunct="1">
-                <a:defRPr sz="1800" kern="1200">
-                  <a:solidFill>
-                    <a:schemeClr val="lt1"/>
-                  </a:solidFill>
-                  <a:latin typeface="+mn-lt"/>
-                  <a:ea typeface="+mn-ea"/>
-                  <a:cs typeface="+mn-cs"/>
-                </a:defRPr>
-              </a:lvl5pPr>
-              <a:lvl6pPr marL="2286000" algn="l" defTabSz="914400" rtl="0" eaLnBrk="1" latinLnBrk="0" hangingPunct="1">
-                <a:defRPr sz="1800" kern="1200">
-                  <a:solidFill>
-                    <a:schemeClr val="lt1"/>
-                  </a:solidFill>
-                  <a:latin typeface="+mn-lt"/>
-                  <a:ea typeface="+mn-ea"/>
-                  <a:cs typeface="+mn-cs"/>
-                </a:defRPr>
-              </a:lvl6pPr>
-              <a:lvl7pPr marL="2743200" algn="l" defTabSz="914400" rtl="0" eaLnBrk="1" latinLnBrk="0" hangingPunct="1">
-                <a:defRPr sz="1800" kern="1200">
-                  <a:solidFill>
-                    <a:schemeClr val="lt1"/>
-                  </a:solidFill>
-                  <a:latin typeface="+mn-lt"/>
-                  <a:ea typeface="+mn-ea"/>
-                  <a:cs typeface="+mn-cs"/>
-                </a:defRPr>
-              </a:lvl7pPr>
-              <a:lvl8pPr marL="3200400" algn="l" defTabSz="914400" rtl="0" eaLnBrk="1" latinLnBrk="0" hangingPunct="1">
-                <a:defRPr sz="1800" kern="1200">
-                  <a:solidFill>
-                    <a:schemeClr val="lt1"/>
-                  </a:solidFill>
-                  <a:latin typeface="+mn-lt"/>
-                  <a:ea typeface="+mn-ea"/>
-                  <a:cs typeface="+mn-cs"/>
-                </a:defRPr>
-              </a:lvl8pPr>
-              <a:lvl9pPr marL="3657600" algn="l" defTabSz="914400" rtl="0" eaLnBrk="1" latinLnBrk="0" hangingPunct="1">
-                <a:defRPr sz="1800" kern="1200">
-                  <a:solidFill>
-                    <a:schemeClr val="lt1"/>
-                  </a:solidFill>
-                  <a:latin typeface="+mn-lt"/>
-                  <a:ea typeface="+mn-ea"/>
-                  <a:cs typeface="+mn-cs"/>
-                </a:defRPr>
-              </a:lvl9pPr>
-            </a:lstStyle>
+            <a:bodyPr/>
+            <a:lstStyle/>
             <a:p>
-              <a:pPr algn="ctr"/>
-              <a:endParaRPr lang="zh-CN" altLang="en-US" sz="1600">
+              <a:endParaRPr lang="zh-CN" altLang="en-US" sz="2000" dirty="0">
+                <a:solidFill>
+                  <a:srgbClr val="002060"/>
+                </a:solidFill>
                 <a:latin typeface="Times New Roman" panose="02020603050405020304" pitchFamily="18" charset="0"/>
                 <a:cs typeface="Times New Roman" panose="02020603050405020304" pitchFamily="18" charset="0"/>
               </a:endParaRPr>
             </a:p>
           </p:txBody>
         </p:sp>
+        <p:grpSp>
+          <p:nvGrpSpPr>
+            <p:cNvPr id="21" name="组合 20">
+              <a:extLst>
+                <a:ext uri="{FF2B5EF4-FFF2-40B4-BE49-F238E27FC236}">
+                  <a16:creationId xmlns:a16="http://schemas.microsoft.com/office/drawing/2014/main" id="{C0043225-9013-4168-ACA7-4294B2E17841}"/>
+                </a:ext>
+              </a:extLst>
+            </p:cNvPr>
+            <p:cNvGrpSpPr/>
+            <p:nvPr/>
+          </p:nvGrpSpPr>
+          <p:grpSpPr>
+            <a:xfrm>
+              <a:off x="2317261" y="1293905"/>
+              <a:ext cx="1088634" cy="504374"/>
+              <a:chOff x="6972389" y="4037105"/>
+              <a:chExt cx="1088634" cy="504374"/>
+            </a:xfrm>
+          </p:grpSpPr>
+          <p:sp>
+            <p:nvSpPr>
+              <p:cNvPr id="19" name="矩形: 圆角 47">
+                <a:extLst>
+                  <a:ext uri="{FF2B5EF4-FFF2-40B4-BE49-F238E27FC236}">
+                    <a16:creationId xmlns:a16="http://schemas.microsoft.com/office/drawing/2014/main" id="{BA83CC3C-6800-40DD-98CD-9C94A1D695E7}"/>
+                  </a:ext>
+                </a:extLst>
+              </p:cNvPr>
+              <p:cNvSpPr/>
+              <p:nvPr/>
+            </p:nvSpPr>
+            <p:spPr>
+              <a:xfrm>
+                <a:off x="6972389" y="4037105"/>
+                <a:ext cx="1088634" cy="504374"/>
+              </a:xfrm>
+              <a:prstGeom prst="roundRect">
+                <a:avLst/>
+              </a:prstGeom>
+              <a:solidFill>
+                <a:srgbClr val="ECE0EE"/>
+              </a:solidFill>
+              <a:ln w="28575">
+                <a:solidFill>
+                  <a:srgbClr val="ED4390"/>
+                </a:solidFill>
+              </a:ln>
+            </p:spPr>
+            <p:style>
+              <a:lnRef idx="2">
+                <a:schemeClr val="accent1">
+                  <a:shade val="50000"/>
+                </a:schemeClr>
+              </a:lnRef>
+              <a:fillRef idx="1">
+                <a:schemeClr val="accent1"/>
+              </a:fillRef>
+              <a:effectRef idx="0">
+                <a:schemeClr val="accent1"/>
+              </a:effectRef>
+              <a:fontRef idx="minor">
+                <a:schemeClr val="lt1"/>
+              </a:fontRef>
+            </p:style>
+            <p:txBody>
+              <a:bodyPr rot="0" spcFirstLastPara="0" vert="horz" wrap="square" lIns="91440" tIns="45720" rIns="91440" bIns="45720" numCol="1" spcCol="0" rtlCol="0" fromWordArt="0" anchor="ctr" anchorCtr="0" forceAA="0" compatLnSpc="1">
+                <a:prstTxWarp prst="textNoShape">
+                  <a:avLst/>
+                </a:prstTxWarp>
+                <a:noAutofit/>
+              </a:bodyPr>
+              <a:lstStyle>
+                <a:defPPr>
+                  <a:defRPr lang="zh-CN"/>
+                </a:defPPr>
+                <a:lvl1pPr marL="0" algn="l" defTabSz="914400" rtl="0" eaLnBrk="1" latinLnBrk="0" hangingPunct="1">
+                  <a:defRPr sz="1800" kern="1200">
+                    <a:solidFill>
+                      <a:schemeClr val="lt1"/>
+                    </a:solidFill>
+                    <a:latin typeface="+mn-lt"/>
+                    <a:ea typeface="+mn-ea"/>
+                    <a:cs typeface="+mn-cs"/>
+                  </a:defRPr>
+                </a:lvl1pPr>
+                <a:lvl2pPr marL="457200" algn="l" defTabSz="914400" rtl="0" eaLnBrk="1" latinLnBrk="0" hangingPunct="1">
+                  <a:defRPr sz="1800" kern="1200">
+                    <a:solidFill>
+                      <a:schemeClr val="lt1"/>
+                    </a:solidFill>
+                    <a:latin typeface="+mn-lt"/>
+                    <a:ea typeface="+mn-ea"/>
+                    <a:cs typeface="+mn-cs"/>
+                  </a:defRPr>
+                </a:lvl2pPr>
+                <a:lvl3pPr marL="914400" algn="l" defTabSz="914400" rtl="0" eaLnBrk="1" latinLnBrk="0" hangingPunct="1">
+                  <a:defRPr sz="1800" kern="1200">
+                    <a:solidFill>
+                      <a:schemeClr val="lt1"/>
+                    </a:solidFill>
+                    <a:latin typeface="+mn-lt"/>
+                    <a:ea typeface="+mn-ea"/>
+                    <a:cs typeface="+mn-cs"/>
+                  </a:defRPr>
+                </a:lvl3pPr>
+                <a:lvl4pPr marL="1371600" algn="l" defTabSz="914400" rtl="0" eaLnBrk="1" latinLnBrk="0" hangingPunct="1">
+                  <a:defRPr sz="1800" kern="1200">
+                    <a:solidFill>
+                      <a:schemeClr val="lt1"/>
+                    </a:solidFill>
+                    <a:latin typeface="+mn-lt"/>
+                    <a:ea typeface="+mn-ea"/>
+                    <a:cs typeface="+mn-cs"/>
+                  </a:defRPr>
+                </a:lvl4pPr>
+                <a:lvl5pPr marL="1828800" algn="l" defTabSz="914400" rtl="0" eaLnBrk="1" latinLnBrk="0" hangingPunct="1">
+                  <a:defRPr sz="1800" kern="1200">
+                    <a:solidFill>
+                      <a:schemeClr val="lt1"/>
+                    </a:solidFill>
+                    <a:latin typeface="+mn-lt"/>
+                    <a:ea typeface="+mn-ea"/>
+                    <a:cs typeface="+mn-cs"/>
+                  </a:defRPr>
+                </a:lvl5pPr>
+                <a:lvl6pPr marL="2286000" algn="l" defTabSz="914400" rtl="0" eaLnBrk="1" latinLnBrk="0" hangingPunct="1">
+                  <a:defRPr sz="1800" kern="1200">
+                    <a:solidFill>
+                      <a:schemeClr val="lt1"/>
+                    </a:solidFill>
+                    <a:latin typeface="+mn-lt"/>
+                    <a:ea typeface="+mn-ea"/>
+                    <a:cs typeface="+mn-cs"/>
+                  </a:defRPr>
+                </a:lvl6pPr>
+                <a:lvl7pPr marL="2743200" algn="l" defTabSz="914400" rtl="0" eaLnBrk="1" latinLnBrk="0" hangingPunct="1">
+                  <a:defRPr sz="1800" kern="1200">
+                    <a:solidFill>
+                      <a:schemeClr val="lt1"/>
+                    </a:solidFill>
+                    <a:latin typeface="+mn-lt"/>
+                    <a:ea typeface="+mn-ea"/>
+                    <a:cs typeface="+mn-cs"/>
+                  </a:defRPr>
+                </a:lvl7pPr>
+                <a:lvl8pPr marL="3200400" algn="l" defTabSz="914400" rtl="0" eaLnBrk="1" latinLnBrk="0" hangingPunct="1">
+                  <a:defRPr sz="1800" kern="1200">
+                    <a:solidFill>
+                      <a:schemeClr val="lt1"/>
+                    </a:solidFill>
+                    <a:latin typeface="+mn-lt"/>
+                    <a:ea typeface="+mn-ea"/>
+                    <a:cs typeface="+mn-cs"/>
+                  </a:defRPr>
+                </a:lvl8pPr>
+                <a:lvl9pPr marL="3657600" algn="l" defTabSz="914400" rtl="0" eaLnBrk="1" latinLnBrk="0" hangingPunct="1">
+                  <a:defRPr sz="1800" kern="1200">
+                    <a:solidFill>
+                      <a:schemeClr val="lt1"/>
+                    </a:solidFill>
+                    <a:latin typeface="+mn-lt"/>
+                    <a:ea typeface="+mn-ea"/>
+                    <a:cs typeface="+mn-cs"/>
+                  </a:defRPr>
+                </a:lvl9pPr>
+              </a:lstStyle>
+              <a:p>
+                <a:pPr algn="ctr"/>
+                <a:endParaRPr lang="zh-CN" altLang="en-US" sz="1600">
+                  <a:latin typeface="Times New Roman" panose="02020603050405020304" pitchFamily="18" charset="0"/>
+                  <a:cs typeface="Times New Roman" panose="02020603050405020304" pitchFamily="18" charset="0"/>
+                </a:endParaRPr>
+              </a:p>
+            </p:txBody>
+          </p:sp>
+          <p:sp>
+            <p:nvSpPr>
+              <p:cNvPr id="20" name="文本框 19">
+                <a:extLst>
+                  <a:ext uri="{FF2B5EF4-FFF2-40B4-BE49-F238E27FC236}">
+                    <a16:creationId xmlns:a16="http://schemas.microsoft.com/office/drawing/2014/main" id="{9ACBE655-9625-412D-8FBA-489190E4C1A2}"/>
+                  </a:ext>
+                </a:extLst>
+              </p:cNvPr>
+              <p:cNvSpPr txBox="1"/>
+              <p:nvPr/>
+            </p:nvSpPr>
+            <p:spPr>
+              <a:xfrm>
+                <a:off x="7047612" y="4098452"/>
+                <a:ext cx="961339" cy="400110"/>
+              </a:xfrm>
+              <a:prstGeom prst="rect">
+                <a:avLst/>
+              </a:prstGeom>
+              <a:noFill/>
+            </p:spPr>
+            <p:txBody>
+              <a:bodyPr wrap="square" rtlCol="0">
+                <a:spAutoFit/>
+              </a:bodyPr>
+              <a:lstStyle/>
+              <a:p>
+                <a:pPr algn="ctr"/>
+                <a:r>
+                  <a:rPr lang="en-US" altLang="zh-CN" sz="2000" b="1" dirty="0">
+                    <a:latin typeface="Times New Roman" panose="02020603050405020304" pitchFamily="18" charset="0"/>
+                    <a:cs typeface="Times New Roman" panose="02020603050405020304" pitchFamily="18" charset="0"/>
+                  </a:rPr>
+                  <a:t>Victim</a:t>
+                </a:r>
+              </a:p>
+            </p:txBody>
+          </p:sp>
+        </p:grpSp>
+        <p:grpSp>
+          <p:nvGrpSpPr>
+            <p:cNvPr id="24" name="组合 23">
+              <a:extLst>
+                <a:ext uri="{FF2B5EF4-FFF2-40B4-BE49-F238E27FC236}">
+                  <a16:creationId xmlns:a16="http://schemas.microsoft.com/office/drawing/2014/main" id="{3814DFA1-4ACD-4790-8B37-A40A1FEED73C}"/>
+                </a:ext>
+              </a:extLst>
+            </p:cNvPr>
+            <p:cNvGrpSpPr/>
+            <p:nvPr/>
+          </p:nvGrpSpPr>
+          <p:grpSpPr>
+            <a:xfrm>
+              <a:off x="1393653" y="4197935"/>
+              <a:ext cx="1180939" cy="504374"/>
+              <a:chOff x="6926236" y="4037105"/>
+              <a:chExt cx="1180939" cy="504374"/>
+            </a:xfrm>
+          </p:grpSpPr>
+          <p:sp>
+            <p:nvSpPr>
+              <p:cNvPr id="22" name="矩形: 圆角 47">
+                <a:extLst>
+                  <a:ext uri="{FF2B5EF4-FFF2-40B4-BE49-F238E27FC236}">
+                    <a16:creationId xmlns:a16="http://schemas.microsoft.com/office/drawing/2014/main" id="{C5CD6594-CB10-4EC9-A80D-D329862C37AE}"/>
+                  </a:ext>
+                </a:extLst>
+              </p:cNvPr>
+              <p:cNvSpPr/>
+              <p:nvPr/>
+            </p:nvSpPr>
+            <p:spPr>
+              <a:xfrm>
+                <a:off x="6972389" y="4037105"/>
+                <a:ext cx="1088634" cy="504374"/>
+              </a:xfrm>
+              <a:prstGeom prst="roundRect">
+                <a:avLst/>
+              </a:prstGeom>
+              <a:solidFill>
+                <a:srgbClr val="ECE0EE"/>
+              </a:solidFill>
+              <a:ln w="28575">
+                <a:solidFill>
+                  <a:srgbClr val="ED4390"/>
+                </a:solidFill>
+              </a:ln>
+            </p:spPr>
+            <p:style>
+              <a:lnRef idx="2">
+                <a:schemeClr val="accent1">
+                  <a:shade val="50000"/>
+                </a:schemeClr>
+              </a:lnRef>
+              <a:fillRef idx="1">
+                <a:schemeClr val="accent1"/>
+              </a:fillRef>
+              <a:effectRef idx="0">
+                <a:schemeClr val="accent1"/>
+              </a:effectRef>
+              <a:fontRef idx="minor">
+                <a:schemeClr val="lt1"/>
+              </a:fontRef>
+            </p:style>
+            <p:txBody>
+              <a:bodyPr rot="0" spcFirstLastPara="0" vert="horz" wrap="square" lIns="91440" tIns="45720" rIns="91440" bIns="45720" numCol="1" spcCol="0" rtlCol="0" fromWordArt="0" anchor="ctr" anchorCtr="0" forceAA="0" compatLnSpc="1">
+                <a:prstTxWarp prst="textNoShape">
+                  <a:avLst/>
+                </a:prstTxWarp>
+                <a:noAutofit/>
+              </a:bodyPr>
+              <a:lstStyle>
+                <a:defPPr>
+                  <a:defRPr lang="zh-CN"/>
+                </a:defPPr>
+                <a:lvl1pPr marL="0" algn="l" defTabSz="914400" rtl="0" eaLnBrk="1" latinLnBrk="0" hangingPunct="1">
+                  <a:defRPr sz="1800" kern="1200">
+                    <a:solidFill>
+                      <a:schemeClr val="lt1"/>
+                    </a:solidFill>
+                    <a:latin typeface="+mn-lt"/>
+                    <a:ea typeface="+mn-ea"/>
+                    <a:cs typeface="+mn-cs"/>
+                  </a:defRPr>
+                </a:lvl1pPr>
+                <a:lvl2pPr marL="457200" algn="l" defTabSz="914400" rtl="0" eaLnBrk="1" latinLnBrk="0" hangingPunct="1">
+                  <a:defRPr sz="1800" kern="1200">
+                    <a:solidFill>
+                      <a:schemeClr val="lt1"/>
+                    </a:solidFill>
+                    <a:latin typeface="+mn-lt"/>
+                    <a:ea typeface="+mn-ea"/>
+                    <a:cs typeface="+mn-cs"/>
+                  </a:defRPr>
+                </a:lvl2pPr>
+                <a:lvl3pPr marL="914400" algn="l" defTabSz="914400" rtl="0" eaLnBrk="1" latinLnBrk="0" hangingPunct="1">
+                  <a:defRPr sz="1800" kern="1200">
+                    <a:solidFill>
+                      <a:schemeClr val="lt1"/>
+                    </a:solidFill>
+                    <a:latin typeface="+mn-lt"/>
+                    <a:ea typeface="+mn-ea"/>
+                    <a:cs typeface="+mn-cs"/>
+                  </a:defRPr>
+                </a:lvl3pPr>
+                <a:lvl4pPr marL="1371600" algn="l" defTabSz="914400" rtl="0" eaLnBrk="1" latinLnBrk="0" hangingPunct="1">
+                  <a:defRPr sz="1800" kern="1200">
+                    <a:solidFill>
+                      <a:schemeClr val="lt1"/>
+                    </a:solidFill>
+                    <a:latin typeface="+mn-lt"/>
+                    <a:ea typeface="+mn-ea"/>
+                    <a:cs typeface="+mn-cs"/>
+                  </a:defRPr>
+                </a:lvl4pPr>
+                <a:lvl5pPr marL="1828800" algn="l" defTabSz="914400" rtl="0" eaLnBrk="1" latinLnBrk="0" hangingPunct="1">
+                  <a:defRPr sz="1800" kern="1200">
+                    <a:solidFill>
+                      <a:schemeClr val="lt1"/>
+                    </a:solidFill>
+                    <a:latin typeface="+mn-lt"/>
+                    <a:ea typeface="+mn-ea"/>
+                    <a:cs typeface="+mn-cs"/>
+                  </a:defRPr>
+                </a:lvl5pPr>
+                <a:lvl6pPr marL="2286000" algn="l" defTabSz="914400" rtl="0" eaLnBrk="1" latinLnBrk="0" hangingPunct="1">
+                  <a:defRPr sz="1800" kern="1200">
+                    <a:solidFill>
+                      <a:schemeClr val="lt1"/>
+                    </a:solidFill>
+                    <a:latin typeface="+mn-lt"/>
+                    <a:ea typeface="+mn-ea"/>
+                    <a:cs typeface="+mn-cs"/>
+                  </a:defRPr>
+                </a:lvl6pPr>
+                <a:lvl7pPr marL="2743200" algn="l" defTabSz="914400" rtl="0" eaLnBrk="1" latinLnBrk="0" hangingPunct="1">
+                  <a:defRPr sz="1800" kern="1200">
+                    <a:solidFill>
+                      <a:schemeClr val="lt1"/>
+                    </a:solidFill>
+                    <a:latin typeface="+mn-lt"/>
+                    <a:ea typeface="+mn-ea"/>
+                    <a:cs typeface="+mn-cs"/>
+                  </a:defRPr>
+                </a:lvl7pPr>
+                <a:lvl8pPr marL="3200400" algn="l" defTabSz="914400" rtl="0" eaLnBrk="1" latinLnBrk="0" hangingPunct="1">
+                  <a:defRPr sz="1800" kern="1200">
+                    <a:solidFill>
+                      <a:schemeClr val="lt1"/>
+                    </a:solidFill>
+                    <a:latin typeface="+mn-lt"/>
+                    <a:ea typeface="+mn-ea"/>
+                    <a:cs typeface="+mn-cs"/>
+                  </a:defRPr>
+                </a:lvl8pPr>
+                <a:lvl9pPr marL="3657600" algn="l" defTabSz="914400" rtl="0" eaLnBrk="1" latinLnBrk="0" hangingPunct="1">
+                  <a:defRPr sz="1800" kern="1200">
+                    <a:solidFill>
+                      <a:schemeClr val="lt1"/>
+                    </a:solidFill>
+                    <a:latin typeface="+mn-lt"/>
+                    <a:ea typeface="+mn-ea"/>
+                    <a:cs typeface="+mn-cs"/>
+                  </a:defRPr>
+                </a:lvl9pPr>
+              </a:lstStyle>
+              <a:p>
+                <a:pPr algn="ctr"/>
+                <a:endParaRPr lang="zh-CN" altLang="en-US" sz="1600">
+                  <a:latin typeface="Times New Roman" panose="02020603050405020304" pitchFamily="18" charset="0"/>
+                  <a:cs typeface="Times New Roman" panose="02020603050405020304" pitchFamily="18" charset="0"/>
+                </a:endParaRPr>
+              </a:p>
+            </p:txBody>
+          </p:sp>
+          <p:sp>
+            <p:nvSpPr>
+              <p:cNvPr id="23" name="文本框 22">
+                <a:extLst>
+                  <a:ext uri="{FF2B5EF4-FFF2-40B4-BE49-F238E27FC236}">
+                    <a16:creationId xmlns:a16="http://schemas.microsoft.com/office/drawing/2014/main" id="{F5351BE8-AD05-4A99-8A7B-C36E3EE729EE}"/>
+                  </a:ext>
+                </a:extLst>
+              </p:cNvPr>
+              <p:cNvSpPr txBox="1"/>
+              <p:nvPr/>
+            </p:nvSpPr>
+            <p:spPr>
+              <a:xfrm>
+                <a:off x="6926236" y="4089237"/>
+                <a:ext cx="1180939" cy="400110"/>
+              </a:xfrm>
+              <a:prstGeom prst="rect">
+                <a:avLst/>
+              </a:prstGeom>
+              <a:noFill/>
+            </p:spPr>
+            <p:txBody>
+              <a:bodyPr wrap="square" rtlCol="0">
+                <a:spAutoFit/>
+              </a:bodyPr>
+              <a:lstStyle/>
+              <a:p>
+                <a:pPr algn="ctr"/>
+                <a:r>
+                  <a:rPr lang="en-US" altLang="zh-CN" sz="2000" b="1" dirty="0">
+                    <a:latin typeface="Times New Roman" panose="02020603050405020304" pitchFamily="18" charset="0"/>
+                    <a:cs typeface="Times New Roman" panose="02020603050405020304" pitchFamily="18" charset="0"/>
+                  </a:rPr>
+                  <a:t>Attacker</a:t>
+                </a:r>
+              </a:p>
+            </p:txBody>
+          </p:sp>
+        </p:grpSp>
         <p:sp>
           <p:nvSpPr>
-            <p:cNvPr id="20" name="文本框 19">
+            <p:cNvPr id="27" name="文本框 26">
               <a:extLst>
                 <a:ext uri="{FF2B5EF4-FFF2-40B4-BE49-F238E27FC236}">
-                  <a16:creationId xmlns:a16="http://schemas.microsoft.com/office/drawing/2014/main" id="{9ACBE655-9625-412D-8FBA-489190E4C1A2}"/>
+                  <a16:creationId xmlns:a16="http://schemas.microsoft.com/office/drawing/2014/main" id="{7F525949-59F5-416A-8324-A464A6B82F3C}"/>
                 </a:ext>
               </a:extLst>
             </p:cNvPr>
@@ -9878,7 +10095,7 @@
           </p:nvSpPr>
           <p:spPr>
             <a:xfrm>
-              <a:off x="7047612" y="4098452"/>
+              <a:off x="4739577" y="2241030"/>
               <a:ext cx="961339" cy="400110"/>
             </a:xfrm>
             <a:prstGeom prst="rect">
@@ -9898,340 +10115,47 @@
                   <a:latin typeface="Times New Roman" panose="02020603050405020304" pitchFamily="18" charset="0"/>
                   <a:cs typeface="Times New Roman" panose="02020603050405020304" pitchFamily="18" charset="0"/>
                 </a:rPr>
-                <a:t>Victim</a:t>
+                <a:t>Result</a:t>
               </a:r>
             </a:p>
           </p:txBody>
         </p:sp>
-      </p:grpSp>
-      <p:grpSp>
-        <p:nvGrpSpPr>
-          <p:cNvPr id="24" name="组合 23">
-            <a:extLst>
-              <a:ext uri="{FF2B5EF4-FFF2-40B4-BE49-F238E27FC236}">
-                <a16:creationId xmlns:a16="http://schemas.microsoft.com/office/drawing/2014/main" id="{3814DFA1-4ACD-4790-8B37-A40A1FEED73C}"/>
-              </a:ext>
-            </a:extLst>
-          </p:cNvPr>
-          <p:cNvGrpSpPr/>
-          <p:nvPr/>
-        </p:nvGrpSpPr>
-        <p:grpSpPr>
-          <a:xfrm>
-            <a:off x="1393653" y="4197935"/>
-            <a:ext cx="1180939" cy="504374"/>
-            <a:chOff x="6926236" y="4037105"/>
-            <a:chExt cx="1180939" cy="504374"/>
-          </a:xfrm>
-        </p:grpSpPr>
-        <p:sp>
-          <p:nvSpPr>
-            <p:cNvPr id="22" name="矩形: 圆角 47">
+        <p:pic>
+          <p:nvPicPr>
+            <p:cNvPr id="4" name="图片 3" descr="图片包含 游戏机, 鸟, 水&#10;&#10;描述已自动生成">
               <a:extLst>
                 <a:ext uri="{FF2B5EF4-FFF2-40B4-BE49-F238E27FC236}">
-                  <a16:creationId xmlns:a16="http://schemas.microsoft.com/office/drawing/2014/main" id="{C5CD6594-CB10-4EC9-A80D-D329862C37AE}"/>
+                  <a16:creationId xmlns:a16="http://schemas.microsoft.com/office/drawing/2014/main" id="{4A0CC574-19E3-4F8E-BD99-30B5CD0E64CB}"/>
                 </a:ext>
               </a:extLst>
             </p:cNvPr>
-            <p:cNvSpPr/>
+            <p:cNvPicPr>
+              <a:picLocks noChangeAspect="1"/>
+            </p:cNvPicPr>
             <p:nvPr/>
-          </p:nvSpPr>
+          </p:nvPicPr>
+          <p:blipFill rotWithShape="1">
+            <a:blip r:embed="rId3" cstate="print">
+              <a:extLst>
+                <a:ext uri="{28A0092B-C50C-407E-A947-70E740481C1C}">
+                  <a14:useLocalDpi xmlns:a14="http://schemas.microsoft.com/office/drawing/2010/main" val="0"/>
+                </a:ext>
+              </a:extLst>
+            </a:blip>
+            <a:srcRect l="4965" t="12322" r="5746" b="12947"/>
+            <a:stretch/>
+          </p:blipFill>
           <p:spPr>
             <a:xfrm>
-              <a:off x="6972389" y="4037105"/>
-              <a:ext cx="1088634" cy="504374"/>
-            </a:xfrm>
-            <a:prstGeom prst="roundRect">
-              <a:avLst/>
-            </a:prstGeom>
-            <a:solidFill>
-              <a:srgbClr val="ECE0EE"/>
-            </a:solidFill>
-            <a:ln w="28575">
-              <a:solidFill>
-                <a:srgbClr val="ED4390"/>
-              </a:solidFill>
-            </a:ln>
-          </p:spPr>
-          <p:style>
-            <a:lnRef idx="2">
-              <a:schemeClr val="accent1">
-                <a:shade val="50000"/>
-              </a:schemeClr>
-            </a:lnRef>
-            <a:fillRef idx="1">
-              <a:schemeClr val="accent1"/>
-            </a:fillRef>
-            <a:effectRef idx="0">
-              <a:schemeClr val="accent1"/>
-            </a:effectRef>
-            <a:fontRef idx="minor">
-              <a:schemeClr val="lt1"/>
-            </a:fontRef>
-          </p:style>
-          <p:txBody>
-            <a:bodyPr rot="0" spcFirstLastPara="0" vert="horz" wrap="square" lIns="91440" tIns="45720" rIns="91440" bIns="45720" numCol="1" spcCol="0" rtlCol="0" fromWordArt="0" anchor="ctr" anchorCtr="0" forceAA="0" compatLnSpc="1">
-              <a:prstTxWarp prst="textNoShape">
-                <a:avLst/>
-              </a:prstTxWarp>
-              <a:noAutofit/>
-            </a:bodyPr>
-            <a:lstStyle>
-              <a:defPPr>
-                <a:defRPr lang="zh-CN"/>
-              </a:defPPr>
-              <a:lvl1pPr marL="0" algn="l" defTabSz="914400" rtl="0" eaLnBrk="1" latinLnBrk="0" hangingPunct="1">
-                <a:defRPr sz="1800" kern="1200">
-                  <a:solidFill>
-                    <a:schemeClr val="lt1"/>
-                  </a:solidFill>
-                  <a:latin typeface="+mn-lt"/>
-                  <a:ea typeface="+mn-ea"/>
-                  <a:cs typeface="+mn-cs"/>
-                </a:defRPr>
-              </a:lvl1pPr>
-              <a:lvl2pPr marL="457200" algn="l" defTabSz="914400" rtl="0" eaLnBrk="1" latinLnBrk="0" hangingPunct="1">
-                <a:defRPr sz="1800" kern="1200">
-                  <a:solidFill>
-                    <a:schemeClr val="lt1"/>
-                  </a:solidFill>
-                  <a:latin typeface="+mn-lt"/>
-                  <a:ea typeface="+mn-ea"/>
-                  <a:cs typeface="+mn-cs"/>
-                </a:defRPr>
-              </a:lvl2pPr>
-              <a:lvl3pPr marL="914400" algn="l" defTabSz="914400" rtl="0" eaLnBrk="1" latinLnBrk="0" hangingPunct="1">
-                <a:defRPr sz="1800" kern="1200">
-                  <a:solidFill>
-                    <a:schemeClr val="lt1"/>
-                  </a:solidFill>
-                  <a:latin typeface="+mn-lt"/>
-                  <a:ea typeface="+mn-ea"/>
-                  <a:cs typeface="+mn-cs"/>
-                </a:defRPr>
-              </a:lvl3pPr>
-              <a:lvl4pPr marL="1371600" algn="l" defTabSz="914400" rtl="0" eaLnBrk="1" latinLnBrk="0" hangingPunct="1">
-                <a:defRPr sz="1800" kern="1200">
-                  <a:solidFill>
-                    <a:schemeClr val="lt1"/>
-                  </a:solidFill>
-                  <a:latin typeface="+mn-lt"/>
-                  <a:ea typeface="+mn-ea"/>
-                  <a:cs typeface="+mn-cs"/>
-                </a:defRPr>
-              </a:lvl4pPr>
-              <a:lvl5pPr marL="1828800" algn="l" defTabSz="914400" rtl="0" eaLnBrk="1" latinLnBrk="0" hangingPunct="1">
-                <a:defRPr sz="1800" kern="1200">
-                  <a:solidFill>
-                    <a:schemeClr val="lt1"/>
-                  </a:solidFill>
-                  <a:latin typeface="+mn-lt"/>
-                  <a:ea typeface="+mn-ea"/>
-                  <a:cs typeface="+mn-cs"/>
-                </a:defRPr>
-              </a:lvl5pPr>
-              <a:lvl6pPr marL="2286000" algn="l" defTabSz="914400" rtl="0" eaLnBrk="1" latinLnBrk="0" hangingPunct="1">
-                <a:defRPr sz="1800" kern="1200">
-                  <a:solidFill>
-                    <a:schemeClr val="lt1"/>
-                  </a:solidFill>
-                  <a:latin typeface="+mn-lt"/>
-                  <a:ea typeface="+mn-ea"/>
-                  <a:cs typeface="+mn-cs"/>
-                </a:defRPr>
-              </a:lvl6pPr>
-              <a:lvl7pPr marL="2743200" algn="l" defTabSz="914400" rtl="0" eaLnBrk="1" latinLnBrk="0" hangingPunct="1">
-                <a:defRPr sz="1800" kern="1200">
-                  <a:solidFill>
-                    <a:schemeClr val="lt1"/>
-                  </a:solidFill>
-                  <a:latin typeface="+mn-lt"/>
-                  <a:ea typeface="+mn-ea"/>
-                  <a:cs typeface="+mn-cs"/>
-                </a:defRPr>
-              </a:lvl7pPr>
-              <a:lvl8pPr marL="3200400" algn="l" defTabSz="914400" rtl="0" eaLnBrk="1" latinLnBrk="0" hangingPunct="1">
-                <a:defRPr sz="1800" kern="1200">
-                  <a:solidFill>
-                    <a:schemeClr val="lt1"/>
-                  </a:solidFill>
-                  <a:latin typeface="+mn-lt"/>
-                  <a:ea typeface="+mn-ea"/>
-                  <a:cs typeface="+mn-cs"/>
-                </a:defRPr>
-              </a:lvl8pPr>
-              <a:lvl9pPr marL="3657600" algn="l" defTabSz="914400" rtl="0" eaLnBrk="1" latinLnBrk="0" hangingPunct="1">
-                <a:defRPr sz="1800" kern="1200">
-                  <a:solidFill>
-                    <a:schemeClr val="lt1"/>
-                  </a:solidFill>
-                  <a:latin typeface="+mn-lt"/>
-                  <a:ea typeface="+mn-ea"/>
-                  <a:cs typeface="+mn-cs"/>
-                </a:defRPr>
-              </a:lvl9pPr>
-            </a:lstStyle>
-            <a:p>
-              <a:pPr algn="ctr"/>
-              <a:endParaRPr lang="zh-CN" altLang="en-US" sz="1600">
-                <a:latin typeface="Times New Roman" panose="02020603050405020304" pitchFamily="18" charset="0"/>
-                <a:cs typeface="Times New Roman" panose="02020603050405020304" pitchFamily="18" charset="0"/>
-              </a:endParaRPr>
-            </a:p>
-          </p:txBody>
-        </p:sp>
-        <p:sp>
-          <p:nvSpPr>
-            <p:cNvPr id="23" name="文本框 22">
-              <a:extLst>
-                <a:ext uri="{FF2B5EF4-FFF2-40B4-BE49-F238E27FC236}">
-                  <a16:creationId xmlns:a16="http://schemas.microsoft.com/office/drawing/2014/main" id="{F5351BE8-AD05-4A99-8A7B-C36E3EE729EE}"/>
-                </a:ext>
-              </a:extLst>
-            </p:cNvPr>
-            <p:cNvSpPr txBox="1"/>
-            <p:nvPr/>
-          </p:nvSpPr>
-          <p:spPr>
-            <a:xfrm>
-              <a:off x="6926236" y="4089237"/>
-              <a:ext cx="1180939" cy="400110"/>
+              <a:off x="4739577" y="2661440"/>
+              <a:ext cx="971888" cy="308865"/>
             </a:xfrm>
             <a:prstGeom prst="rect">
               <a:avLst/>
             </a:prstGeom>
-            <a:noFill/>
           </p:spPr>
-          <p:txBody>
-            <a:bodyPr wrap="square" rtlCol="0">
-              <a:spAutoFit/>
-            </a:bodyPr>
-            <a:lstStyle/>
-            <a:p>
-              <a:pPr algn="ctr"/>
-              <a:r>
-                <a:rPr lang="en-US" altLang="zh-CN" sz="2000" b="1" dirty="0">
-                  <a:latin typeface="Times New Roman" panose="02020603050405020304" pitchFamily="18" charset="0"/>
-                  <a:cs typeface="Times New Roman" panose="02020603050405020304" pitchFamily="18" charset="0"/>
-                </a:rPr>
-                <a:t>Attacker</a:t>
-              </a:r>
-            </a:p>
-          </p:txBody>
-        </p:sp>
+        </p:pic>
       </p:grpSp>
-      <p:sp>
-        <p:nvSpPr>
-          <p:cNvPr id="27" name="文本框 26">
-            <a:extLst>
-              <a:ext uri="{FF2B5EF4-FFF2-40B4-BE49-F238E27FC236}">
-                <a16:creationId xmlns:a16="http://schemas.microsoft.com/office/drawing/2014/main" id="{7F525949-59F5-416A-8324-A464A6B82F3C}"/>
-              </a:ext>
-            </a:extLst>
-          </p:cNvPr>
-          <p:cNvSpPr txBox="1"/>
-          <p:nvPr/>
-        </p:nvSpPr>
-        <p:spPr>
-          <a:xfrm>
-            <a:off x="4881388" y="1145982"/>
-            <a:ext cx="961339" cy="400110"/>
-          </a:xfrm>
-          <a:prstGeom prst="rect">
-            <a:avLst/>
-          </a:prstGeom>
-          <a:noFill/>
-        </p:spPr>
-        <p:txBody>
-          <a:bodyPr wrap="square" rtlCol="0">
-            <a:spAutoFit/>
-          </a:bodyPr>
-          <a:lstStyle/>
-          <a:p>
-            <a:pPr algn="ctr"/>
-            <a:r>
-              <a:rPr lang="en-US" altLang="zh-CN" sz="2000" b="1" dirty="0">
-                <a:latin typeface="Times New Roman" panose="02020603050405020304" pitchFamily="18" charset="0"/>
-                <a:cs typeface="Times New Roman" panose="02020603050405020304" pitchFamily="18" charset="0"/>
-              </a:rPr>
-              <a:t>Result</a:t>
-            </a:r>
-          </a:p>
-        </p:txBody>
-      </p:sp>
-      <p:pic>
-        <p:nvPicPr>
-          <p:cNvPr id="2" name="图片 1">
-            <a:extLst>
-              <a:ext uri="{FF2B5EF4-FFF2-40B4-BE49-F238E27FC236}">
-                <a16:creationId xmlns:a16="http://schemas.microsoft.com/office/drawing/2014/main" id="{85746F4C-20FC-4AB9-BEBC-BB2AA0A5815D}"/>
-              </a:ext>
-            </a:extLst>
-          </p:cNvPr>
-          <p:cNvPicPr>
-            <a:picLocks noChangeAspect="1"/>
-          </p:cNvPicPr>
-          <p:nvPr/>
-        </p:nvPicPr>
-        <p:blipFill>
-          <a:blip r:embed="rId4"/>
-          <a:stretch>
-            <a:fillRect/>
-          </a:stretch>
-        </p:blipFill>
-        <p:spPr>
-          <a:xfrm>
-            <a:off x="4980347" y="2115533"/>
-            <a:ext cx="552236" cy="476250"/>
-          </a:xfrm>
-          <a:prstGeom prst="rect">
-            <a:avLst/>
-          </a:prstGeom>
-        </p:spPr>
-      </p:pic>
-      <p:sp>
-        <p:nvSpPr>
-          <p:cNvPr id="17" name="文本框 16">
-            <a:extLst>
-              <a:ext uri="{FF2B5EF4-FFF2-40B4-BE49-F238E27FC236}">
-                <a16:creationId xmlns:a16="http://schemas.microsoft.com/office/drawing/2014/main" id="{53D4C893-E543-419F-B26C-24C9CC33ED36}"/>
-              </a:ext>
-            </a:extLst>
-          </p:cNvPr>
-          <p:cNvSpPr txBox="1"/>
-          <p:nvPr/>
-        </p:nvSpPr>
-        <p:spPr>
-          <a:xfrm>
-            <a:off x="4858311" y="2208228"/>
-            <a:ext cx="989019" cy="253916"/>
-          </a:xfrm>
-          <a:prstGeom prst="rect">
-            <a:avLst/>
-          </a:prstGeom>
-          <a:noFill/>
-        </p:spPr>
-        <p:txBody>
-          <a:bodyPr wrap="square" rtlCol="0">
-            <a:spAutoFit/>
-          </a:bodyPr>
-          <a:lstStyle/>
-          <a:p>
-            <a:pPr algn="ctr"/>
-            <a:r>
-              <a:rPr lang="zh-CN" altLang="en-US" sz="1050" b="1" dirty="0">
-                <a:latin typeface="Times New Roman" panose="02020603050405020304" pitchFamily="18" charset="0"/>
-                <a:cs typeface="Times New Roman" panose="02020603050405020304" pitchFamily="18" charset="0"/>
-              </a:rPr>
-              <a:t>希坐谷妥含邻</a:t>
-            </a:r>
-            <a:endParaRPr lang="en-US" altLang="zh-CN" sz="1050" b="1" dirty="0">
-              <a:latin typeface="Times New Roman" panose="02020603050405020304" pitchFamily="18" charset="0"/>
-              <a:cs typeface="Times New Roman" panose="02020603050405020304" pitchFamily="18" charset="0"/>
-            </a:endParaRPr>
-          </a:p>
-        </p:txBody>
-      </p:sp>
     </p:spTree>
     <p:extLst>
       <p:ext uri="{BB962C8B-B14F-4D97-AF65-F5344CB8AC3E}">

--- a/SEC.pptx
+++ b/SEC.pptx
@@ -9,6 +9,7 @@
     <p:sldId id="329" r:id="rId3"/>
     <p:sldId id="330" r:id="rId4"/>
     <p:sldId id="331" r:id="rId5"/>
+    <p:sldId id="332" r:id="rId6"/>
   </p:sldIdLst>
   <p:sldSz cx="12192000" cy="6858000"/>
   <p:notesSz cx="6858000" cy="9144000"/>
@@ -13543,6 +13544,199 @@
 </p:sld>
 </file>
 
+<file path=ppt/slides/slide5.xml><?xml version="1.0" encoding="utf-8"?>
+<p:sld xmlns:a="http://schemas.openxmlformats.org/drawingml/2006/main" xmlns:r="http://schemas.openxmlformats.org/officeDocument/2006/relationships" xmlns:p="http://schemas.openxmlformats.org/presentationml/2006/main">
+  <p:cSld>
+    <p:spTree>
+      <p:nvGrpSpPr>
+        <p:cNvPr id="1" name=""/>
+        <p:cNvGrpSpPr/>
+        <p:nvPr/>
+      </p:nvGrpSpPr>
+      <p:grpSpPr>
+        <a:xfrm>
+          <a:off x="0" y="0"/>
+          <a:ext cx="0" cy="0"/>
+          <a:chOff x="0" y="0"/>
+          <a:chExt cx="0" cy="0"/>
+        </a:xfrm>
+      </p:grpSpPr>
+      <p:grpSp>
+        <p:nvGrpSpPr>
+          <p:cNvPr id="8" name="组合 7">
+            <a:extLst>
+              <a:ext uri="{FF2B5EF4-FFF2-40B4-BE49-F238E27FC236}">
+                <a16:creationId xmlns:a16="http://schemas.microsoft.com/office/drawing/2014/main" id="{8EB11FA7-071D-4B0B-8152-CD4E2550945D}"/>
+              </a:ext>
+            </a:extLst>
+          </p:cNvPr>
+          <p:cNvGrpSpPr/>
+          <p:nvPr/>
+        </p:nvGrpSpPr>
+        <p:grpSpPr>
+          <a:xfrm>
+            <a:off x="1666125" y="92335"/>
+            <a:ext cx="8859749" cy="6552344"/>
+            <a:chOff x="1921268" y="152828"/>
+            <a:chExt cx="8859749" cy="6552344"/>
+          </a:xfrm>
+        </p:grpSpPr>
+        <p:pic>
+          <p:nvPicPr>
+            <p:cNvPr id="5" name="图片 4" descr="图片包含 人, 室内, 窗户, 看着&#10;&#10;描述已自动生成">
+              <a:extLst>
+                <a:ext uri="{FF2B5EF4-FFF2-40B4-BE49-F238E27FC236}">
+                  <a16:creationId xmlns:a16="http://schemas.microsoft.com/office/drawing/2014/main" id="{1489D812-984A-443F-B3D2-590858395549}"/>
+                </a:ext>
+              </a:extLst>
+            </p:cNvPr>
+            <p:cNvPicPr>
+              <a:picLocks noChangeAspect="1"/>
+            </p:cNvPicPr>
+            <p:nvPr/>
+          </p:nvPicPr>
+          <p:blipFill>
+            <a:blip r:embed="rId2" cstate="print">
+              <a:extLst>
+                <a:ext uri="{28A0092B-C50C-407E-A947-70E740481C1C}">
+                  <a14:useLocalDpi xmlns:a14="http://schemas.microsoft.com/office/drawing/2010/main" val="0"/>
+                </a:ext>
+              </a:extLst>
+            </a:blip>
+            <a:stretch>
+              <a:fillRect/>
+            </a:stretch>
+          </p:blipFill>
+          <p:spPr>
+            <a:xfrm>
+              <a:off x="1921268" y="152828"/>
+              <a:ext cx="8736458" cy="6552344"/>
+            </a:xfrm>
+            <a:prstGeom prst="rect">
+              <a:avLst/>
+            </a:prstGeom>
+          </p:spPr>
+        </p:pic>
+        <p:sp>
+          <p:nvSpPr>
+            <p:cNvPr id="6" name="椭圆 5">
+              <a:extLst>
+                <a:ext uri="{FF2B5EF4-FFF2-40B4-BE49-F238E27FC236}">
+                  <a16:creationId xmlns:a16="http://schemas.microsoft.com/office/drawing/2014/main" id="{8EACAABF-8AB0-4E7D-B463-A03DF58EC3B4}"/>
+                </a:ext>
+              </a:extLst>
+            </p:cNvPr>
+            <p:cNvSpPr/>
+            <p:nvPr/>
+          </p:nvSpPr>
+          <p:spPr>
+            <a:xfrm>
+              <a:off x="8705637" y="1069063"/>
+              <a:ext cx="2075380" cy="2509952"/>
+            </a:xfrm>
+            <a:prstGeom prst="ellipse">
+              <a:avLst/>
+            </a:prstGeom>
+            <a:blipFill>
+              <a:blip r:embed="rId3"/>
+              <a:tile tx="0" ty="0" sx="100000" sy="100000" flip="none" algn="tl"/>
+            </a:blipFill>
+            <a:effectLst>
+              <a:softEdge rad="127000"/>
+            </a:effectLst>
+          </p:spPr>
+          <p:style>
+            <a:lnRef idx="2">
+              <a:schemeClr val="accent1">
+                <a:shade val="50000"/>
+              </a:schemeClr>
+            </a:lnRef>
+            <a:fillRef idx="1">
+              <a:schemeClr val="accent1"/>
+            </a:fillRef>
+            <a:effectRef idx="0">
+              <a:schemeClr val="accent1"/>
+            </a:effectRef>
+            <a:fontRef idx="minor">
+              <a:schemeClr val="lt1"/>
+            </a:fontRef>
+          </p:style>
+          <p:txBody>
+            <a:bodyPr rtlCol="0" anchor="ctr"/>
+            <a:lstStyle/>
+            <a:p>
+              <a:pPr algn="ctr"/>
+              <a:endParaRPr lang="zh-CN" altLang="en-US" dirty="0"/>
+            </a:p>
+          </p:txBody>
+        </p:sp>
+        <p:sp>
+          <p:nvSpPr>
+            <p:cNvPr id="7" name="椭圆 6">
+              <a:extLst>
+                <a:ext uri="{FF2B5EF4-FFF2-40B4-BE49-F238E27FC236}">
+                  <a16:creationId xmlns:a16="http://schemas.microsoft.com/office/drawing/2014/main" id="{E338A449-1563-42B3-8722-2F789C625541}"/>
+                </a:ext>
+              </a:extLst>
+            </p:cNvPr>
+            <p:cNvSpPr/>
+            <p:nvPr/>
+          </p:nvSpPr>
+          <p:spPr>
+            <a:xfrm>
+              <a:off x="4327132" y="2514600"/>
+              <a:ext cx="1212351" cy="1254976"/>
+            </a:xfrm>
+            <a:prstGeom prst="ellipse">
+              <a:avLst/>
+            </a:prstGeom>
+            <a:blipFill>
+              <a:blip r:embed="rId3"/>
+              <a:tile tx="0" ty="0" sx="100000" sy="100000" flip="none" algn="tl"/>
+            </a:blipFill>
+            <a:effectLst>
+              <a:softEdge rad="127000"/>
+            </a:effectLst>
+          </p:spPr>
+          <p:style>
+            <a:lnRef idx="2">
+              <a:schemeClr val="accent1">
+                <a:shade val="50000"/>
+              </a:schemeClr>
+            </a:lnRef>
+            <a:fillRef idx="1">
+              <a:schemeClr val="accent1"/>
+            </a:fillRef>
+            <a:effectRef idx="0">
+              <a:schemeClr val="accent1"/>
+            </a:effectRef>
+            <a:fontRef idx="minor">
+              <a:schemeClr val="lt1"/>
+            </a:fontRef>
+          </p:style>
+          <p:txBody>
+            <a:bodyPr rtlCol="0" anchor="ctr"/>
+            <a:lstStyle/>
+            <a:p>
+              <a:pPr algn="ctr"/>
+              <a:endParaRPr lang="zh-CN" altLang="en-US" dirty="0"/>
+            </a:p>
+          </p:txBody>
+        </p:sp>
+      </p:grpSp>
+    </p:spTree>
+    <p:extLst>
+      <p:ext uri="{BB962C8B-B14F-4D97-AF65-F5344CB8AC3E}">
+        <p14:creationId xmlns:p14="http://schemas.microsoft.com/office/powerpoint/2010/main" val="3119091387"/>
+      </p:ext>
+    </p:extLst>
+  </p:cSld>
+  <p:clrMapOvr>
+    <a:masterClrMapping/>
+  </p:clrMapOvr>
+</p:sld>
+</file>
+
 <file path=ppt/theme/theme1.xml><?xml version="1.0" encoding="utf-8"?>
 <a:theme xmlns:a="http://schemas.openxmlformats.org/drawingml/2006/main" name="Office 主题​​">
   <a:themeElements>
